--- a/AV-Native-SDK.pptx
+++ b/AV-Native-SDK.pptx
@@ -263,7 +263,7 @@
           <a:p>
             <a:fld id="{00872148-4BA6-4738-8A8B-AEF1C14E9646}" type="datetimeFigureOut">
               <a:rPr lang="en-US" smtClean="0"/>
-              <a:t>4/15/2025</a:t>
+              <a:t>4/24/2025</a:t>
             </a:fld>
             <a:endParaRPr lang="en-US"/>
           </a:p>
@@ -461,7 +461,7 @@
           <a:p>
             <a:fld id="{00872148-4BA6-4738-8A8B-AEF1C14E9646}" type="datetimeFigureOut">
               <a:rPr lang="en-US" smtClean="0"/>
-              <a:t>4/15/2025</a:t>
+              <a:t>4/24/2025</a:t>
             </a:fld>
             <a:endParaRPr lang="en-US"/>
           </a:p>
@@ -669,7 +669,7 @@
           <a:p>
             <a:fld id="{00872148-4BA6-4738-8A8B-AEF1C14E9646}" type="datetimeFigureOut">
               <a:rPr lang="en-US" smtClean="0"/>
-              <a:t>4/15/2025</a:t>
+              <a:t>4/24/2025</a:t>
             </a:fld>
             <a:endParaRPr lang="en-US"/>
           </a:p>
@@ -867,7 +867,7 @@
           <a:p>
             <a:fld id="{00872148-4BA6-4738-8A8B-AEF1C14E9646}" type="datetimeFigureOut">
               <a:rPr lang="en-US" smtClean="0"/>
-              <a:t>4/15/2025</a:t>
+              <a:t>4/24/2025</a:t>
             </a:fld>
             <a:endParaRPr lang="en-US"/>
           </a:p>
@@ -1142,7 +1142,7 @@
           <a:p>
             <a:fld id="{00872148-4BA6-4738-8A8B-AEF1C14E9646}" type="datetimeFigureOut">
               <a:rPr lang="en-US" smtClean="0"/>
-              <a:t>4/15/2025</a:t>
+              <a:t>4/24/2025</a:t>
             </a:fld>
             <a:endParaRPr lang="en-US"/>
           </a:p>
@@ -1407,7 +1407,7 @@
           <a:p>
             <a:fld id="{00872148-4BA6-4738-8A8B-AEF1C14E9646}" type="datetimeFigureOut">
               <a:rPr lang="en-US" smtClean="0"/>
-              <a:t>4/15/2025</a:t>
+              <a:t>4/24/2025</a:t>
             </a:fld>
             <a:endParaRPr lang="en-US"/>
           </a:p>
@@ -1819,7 +1819,7 @@
           <a:p>
             <a:fld id="{00872148-4BA6-4738-8A8B-AEF1C14E9646}" type="datetimeFigureOut">
               <a:rPr lang="en-US" smtClean="0"/>
-              <a:t>4/15/2025</a:t>
+              <a:t>4/24/2025</a:t>
             </a:fld>
             <a:endParaRPr lang="en-US"/>
           </a:p>
@@ -1960,7 +1960,7 @@
           <a:p>
             <a:fld id="{00872148-4BA6-4738-8A8B-AEF1C14E9646}" type="datetimeFigureOut">
               <a:rPr lang="en-US" smtClean="0"/>
-              <a:t>4/15/2025</a:t>
+              <a:t>4/24/2025</a:t>
             </a:fld>
             <a:endParaRPr lang="en-US"/>
           </a:p>
@@ -2073,7 +2073,7 @@
           <a:p>
             <a:fld id="{00872148-4BA6-4738-8A8B-AEF1C14E9646}" type="datetimeFigureOut">
               <a:rPr lang="en-US" smtClean="0"/>
-              <a:t>4/15/2025</a:t>
+              <a:t>4/24/2025</a:t>
             </a:fld>
             <a:endParaRPr lang="en-US"/>
           </a:p>
@@ -2384,7 +2384,7 @@
           <a:p>
             <a:fld id="{00872148-4BA6-4738-8A8B-AEF1C14E9646}" type="datetimeFigureOut">
               <a:rPr lang="en-US" smtClean="0"/>
-              <a:t>4/15/2025</a:t>
+              <a:t>4/24/2025</a:t>
             </a:fld>
             <a:endParaRPr lang="en-US"/>
           </a:p>
@@ -2672,7 +2672,7 @@
           <a:p>
             <a:fld id="{00872148-4BA6-4738-8A8B-AEF1C14E9646}" type="datetimeFigureOut">
               <a:rPr lang="en-US" smtClean="0"/>
-              <a:t>4/15/2025</a:t>
+              <a:t>4/24/2025</a:t>
             </a:fld>
             <a:endParaRPr lang="en-US"/>
           </a:p>
@@ -2913,7 +2913,7 @@
           <a:p>
             <a:fld id="{00872148-4BA6-4738-8A8B-AEF1C14E9646}" type="datetimeFigureOut">
               <a:rPr lang="en-US" smtClean="0"/>
-              <a:t>4/15/2025</a:t>
+              <a:t>4/24/2025</a:t>
             </a:fld>
             <a:endParaRPr lang="en-US"/>
           </a:p>
@@ -4303,7 +4303,33 @@
                 <a:ea typeface="+mn-ea"/>
                 <a:cs typeface="+mn-cs"/>
               </a:rPr>
-              <a:t> [Pest crate]</a:t>
+              <a:t> [</a:t>
+            </a:r>
+            <a:r>
+              <a:rPr lang="en-US" sz="800" dirty="0">
+                <a:solidFill>
+                  <a:prstClr val="white"/>
+                </a:solidFill>
+                <a:latin typeface="Calibri" panose="020F0502020204030204"/>
+              </a:rPr>
+              <a:t>Rust</a:t>
+            </a:r>
+            <a:r>
+              <a:rPr kumimoji="0" lang="en-US" sz="800" b="0" i="0" u="none" strike="noStrike" kern="1200" cap="none" spc="0" normalizeH="0" baseline="0" noProof="0" dirty="0">
+                <a:ln>
+                  <a:noFill/>
+                </a:ln>
+                <a:solidFill>
+                  <a:prstClr val="white"/>
+                </a:solidFill>
+                <a:effectLst/>
+                <a:uLnTx/>
+                <a:uFillTx/>
+                <a:latin typeface="Calibri" panose="020F0502020204030204"/>
+                <a:ea typeface="+mn-ea"/>
+                <a:cs typeface="+mn-cs"/>
+              </a:rPr>
+              <a:t>]</a:t>
             </a:r>
           </a:p>
         </p:txBody>
@@ -4378,7 +4404,7 @@
                 </a:solidFill>
                 <a:latin typeface="Calibri" panose="020F0502020204030204"/>
               </a:rPr>
-              <a:t>b</a:t>
+              <a:t>av-b</a:t>
             </a:r>
             <a:r>
               <a:rPr kumimoji="0" lang="en-US" sz="1600" b="0" i="0" u="none" strike="noStrike" kern="1200" cap="none" spc="0" normalizeH="0" baseline="0" noProof="0" dirty="0" err="1">
@@ -4412,7 +4438,33 @@
                 <a:ea typeface="+mn-ea"/>
                 <a:cs typeface="+mn-cs"/>
               </a:rPr>
-              <a:t>-blue</a:t>
+              <a:t>-</a:t>
+            </a:r>
+            <a:r>
+              <a:rPr lang="en-US" sz="1600" dirty="0">
+                <a:solidFill>
+                  <a:prstClr val="white"/>
+                </a:solidFill>
+                <a:latin typeface="Calibri" panose="020F0502020204030204"/>
+              </a:rPr>
+              <a:t>svc</a:t>
+            </a:r>
+            <a:r>
+              <a:rPr kumimoji="0" lang="en-US" sz="800" b="0" i="0" u="none" strike="noStrike" kern="1200" cap="none" spc="0" normalizeH="0" baseline="0" noProof="0" dirty="0">
+                <a:ln>
+                  <a:noFill/>
+                </a:ln>
+                <a:solidFill>
+                  <a:prstClr val="white"/>
+                </a:solidFill>
+                <a:effectLst/>
+                <a:uLnTx/>
+                <a:uFillTx/>
+                <a:latin typeface="Calibri" panose="020F0502020204030204"/>
+                <a:ea typeface="+mn-ea"/>
+                <a:cs typeface="+mn-cs"/>
+              </a:rPr>
+              <a:t> [C#]</a:t>
             </a:r>
           </a:p>
         </p:txBody>
@@ -4504,6 +4556,70 @@
               </a:rPr>
               <a:t>v-search</a:t>
             </a:r>
+            <a:endParaRPr kumimoji="0" lang="en-US" sz="800" b="0" i="0" u="none" strike="noStrike" kern="1200" cap="none" spc="0" normalizeH="0" baseline="0" noProof="0" dirty="0">
+              <a:ln>
+                <a:noFill/>
+              </a:ln>
+              <a:solidFill>
+                <a:prstClr val="white"/>
+              </a:solidFill>
+              <a:effectLst/>
+              <a:uLnTx/>
+              <a:uFillTx/>
+              <a:latin typeface="Calibri" panose="020F0502020204030204"/>
+              <a:ea typeface="+mn-ea"/>
+              <a:cs typeface="+mn-cs"/>
+            </a:endParaRPr>
+          </a:p>
+          <a:p>
+            <a:pPr marL="0" marR="0" lvl="0" indent="0" algn="ctr" defTabSz="914400" rtl="0" eaLnBrk="1" fontAlgn="auto" latinLnBrk="0" hangingPunct="1">
+              <a:lnSpc>
+                <a:spcPct val="100000"/>
+              </a:lnSpc>
+              <a:spcBef>
+                <a:spcPts val="0"/>
+              </a:spcBef>
+              <a:spcAft>
+                <a:spcPts val="0"/>
+              </a:spcAft>
+              <a:buClrTx/>
+              <a:buSzTx/>
+              <a:buFontTx/>
+              <a:buNone/>
+              <a:tabLst/>
+              <a:defRPr/>
+            </a:pPr>
+            <a:r>
+              <a:rPr kumimoji="0" lang="en-US" sz="800" b="0" i="0" u="none" strike="noStrike" kern="1200" cap="none" spc="0" normalizeH="0" baseline="0" noProof="0" dirty="0">
+                <a:ln>
+                  <a:noFill/>
+                </a:ln>
+                <a:solidFill>
+                  <a:prstClr val="white"/>
+                </a:solidFill>
+                <a:effectLst/>
+                <a:uLnTx/>
+                <a:uFillTx/>
+                <a:latin typeface="Calibri" panose="020F0502020204030204"/>
+                <a:ea typeface="+mn-ea"/>
+                <a:cs typeface="+mn-cs"/>
+              </a:rPr>
+              <a:t>[C++]</a:t>
+            </a:r>
+            <a:endParaRPr kumimoji="0" lang="en-US" sz="1600" b="0" i="0" u="none" strike="noStrike" kern="1200" cap="none" spc="0" normalizeH="0" baseline="0" noProof="0" dirty="0">
+              <a:ln>
+                <a:noFill/>
+              </a:ln>
+              <a:solidFill>
+                <a:prstClr val="white"/>
+              </a:solidFill>
+              <a:effectLst/>
+              <a:uLnTx/>
+              <a:uFillTx/>
+              <a:latin typeface="Calibri" panose="020F0502020204030204"/>
+              <a:ea typeface="+mn-ea"/>
+              <a:cs typeface="+mn-cs"/>
+            </a:endParaRPr>
           </a:p>
         </p:txBody>
       </p:sp>
@@ -4726,22 +4842,50 @@
                 </a:solidFill>
                 <a:latin typeface="Calibri" panose="020F0502020204030204"/>
               </a:rPr>
-              <a:t>xvmem</a:t>
+              <a:t>Xvmem</a:t>
             </a:r>
-            <a:endParaRPr kumimoji="0" lang="en-US" sz="1600" b="0" i="0" u="none" strike="noStrike" kern="1200" cap="none" spc="0" normalizeH="0" baseline="0" noProof="0" dirty="0">
-              <a:ln>
-                <a:noFill/>
-              </a:ln>
+            <a:endParaRPr lang="en-US" sz="800" dirty="0">
               <a:solidFill>
                 <a:prstClr val="white"/>
               </a:solidFill>
-              <a:effectLst/>
-              <a:uLnTx/>
-              <a:uFillTx/>
               <a:latin typeface="Calibri" panose="020F0502020204030204"/>
-              <a:ea typeface="+mn-ea"/>
-              <a:cs typeface="+mn-cs"/>
             </a:endParaRPr>
+          </a:p>
+          <a:p>
+            <a:pPr marL="0" marR="0" lvl="0" indent="0" algn="ctr" defTabSz="914400" rtl="0" eaLnBrk="1" fontAlgn="auto" latinLnBrk="0" hangingPunct="1">
+              <a:lnSpc>
+                <a:spcPct val="100000"/>
+              </a:lnSpc>
+              <a:spcBef>
+                <a:spcPts val="0"/>
+              </a:spcBef>
+              <a:spcAft>
+                <a:spcPts val="0"/>
+              </a:spcAft>
+              <a:buClrTx/>
+              <a:buSzTx/>
+              <a:buFontTx/>
+              <a:buNone/>
+              <a:tabLst/>
+              <a:defRPr/>
+            </a:pPr>
+            <a:r>
+              <a:rPr kumimoji="0" lang="en-US" sz="800" b="0" i="0" u="none" strike="noStrike" kern="1200" cap="none" spc="0" normalizeH="0" baseline="0" noProof="0" dirty="0">
+                <a:ln>
+                  <a:noFill/>
+                </a:ln>
+                <a:solidFill>
+                  <a:prstClr val="white"/>
+                </a:solidFill>
+                <a:effectLst/>
+                <a:uLnTx/>
+                <a:uFillTx/>
+                <a:latin typeface="Calibri" panose="020F0502020204030204"/>
+                <a:ea typeface="+mn-ea"/>
+                <a:cs typeface="+mn-cs"/>
+              </a:rPr>
+              <a:t>[C++]</a:t>
+            </a:r>
           </a:p>
         </p:txBody>
       </p:sp>
@@ -5233,6 +5377,70 @@
               </a:rPr>
               <a:t>av-foundations</a:t>
             </a:r>
+            <a:endParaRPr kumimoji="0" lang="en-US" sz="800" b="0" i="0" u="none" strike="noStrike" kern="1200" cap="none" spc="0" normalizeH="0" baseline="0" noProof="0" dirty="0">
+              <a:ln>
+                <a:noFill/>
+              </a:ln>
+              <a:solidFill>
+                <a:prstClr val="white"/>
+              </a:solidFill>
+              <a:effectLst/>
+              <a:uLnTx/>
+              <a:uFillTx/>
+              <a:latin typeface="Calibri" panose="020F0502020204030204"/>
+              <a:ea typeface="+mn-ea"/>
+              <a:cs typeface="+mn-cs"/>
+            </a:endParaRPr>
+          </a:p>
+          <a:p>
+            <a:pPr marL="0" marR="0" lvl="0" indent="0" algn="ctr" defTabSz="914400" rtl="0" eaLnBrk="1" fontAlgn="auto" latinLnBrk="0" hangingPunct="1">
+              <a:lnSpc>
+                <a:spcPct val="100000"/>
+              </a:lnSpc>
+              <a:spcBef>
+                <a:spcPts val="0"/>
+              </a:spcBef>
+              <a:spcAft>
+                <a:spcPts val="0"/>
+              </a:spcAft>
+              <a:buClrTx/>
+              <a:buSzTx/>
+              <a:buFontTx/>
+              <a:buNone/>
+              <a:tabLst/>
+              <a:defRPr/>
+            </a:pPr>
+            <a:r>
+              <a:rPr kumimoji="0" lang="en-US" sz="800" b="0" i="0" u="none" strike="noStrike" kern="1200" cap="none" spc="0" normalizeH="0" baseline="0" noProof="0" dirty="0">
+                <a:ln>
+                  <a:noFill/>
+                </a:ln>
+                <a:solidFill>
+                  <a:prstClr val="white"/>
+                </a:solidFill>
+                <a:effectLst/>
+                <a:uLnTx/>
+                <a:uFillTx/>
+                <a:latin typeface="Calibri" panose="020F0502020204030204"/>
+                <a:ea typeface="+mn-ea"/>
+                <a:cs typeface="+mn-cs"/>
+              </a:rPr>
+              <a:t>[C++]</a:t>
+            </a:r>
+            <a:endParaRPr kumimoji="0" lang="en-US" sz="1600" b="0" i="0" u="none" strike="noStrike" kern="1200" cap="none" spc="0" normalizeH="0" baseline="0" noProof="0" dirty="0">
+              <a:ln>
+                <a:noFill/>
+              </a:ln>
+              <a:solidFill>
+                <a:prstClr val="white"/>
+              </a:solidFill>
+              <a:effectLst/>
+              <a:uLnTx/>
+              <a:uFillTx/>
+              <a:latin typeface="Calibri" panose="020F0502020204030204"/>
+              <a:ea typeface="+mn-ea"/>
+              <a:cs typeface="+mn-cs"/>
+            </a:endParaRPr>
           </a:p>
         </p:txBody>
       </p:sp>
@@ -5778,7 +5986,7 @@
         </p:nvGrpSpPr>
         <p:grpSpPr>
           <a:xfrm>
-            <a:off x="1701839" y="5384077"/>
+            <a:off x="1216451" y="5390173"/>
             <a:ext cx="987891" cy="760389"/>
             <a:chOff x="3793406" y="3615014"/>
             <a:chExt cx="1457907" cy="1119069"/>
@@ -6303,13 +6511,15 @@
           </p:cNvPr>
           <p:cNvCxnSpPr>
             <a:cxnSpLocks/>
+            <a:stCxn id="4" idx="2"/>
+            <a:endCxn id="554" idx="0"/>
           </p:cNvCxnSpPr>
           <p:nvPr/>
         </p:nvCxnSpPr>
         <p:spPr>
-          <a:xfrm flipH="1">
-            <a:off x="2392641" y="5708928"/>
-            <a:ext cx="511672" cy="182"/>
+          <a:xfrm rot="16200000" flipH="1">
+            <a:off x="1329263" y="5058943"/>
+            <a:ext cx="761914" cy="2247"/>
           </a:xfrm>
           <a:prstGeom prst="bentConnector3">
             <a:avLst>
@@ -6419,6 +6629,70 @@
               </a:rPr>
               <a:t>av-engine</a:t>
             </a:r>
+            <a:endParaRPr kumimoji="0" lang="en-US" sz="800" b="0" i="0" u="none" strike="noStrike" kern="1200" cap="none" spc="0" normalizeH="0" baseline="0" noProof="0" dirty="0">
+              <a:ln>
+                <a:noFill/>
+              </a:ln>
+              <a:solidFill>
+                <a:prstClr val="white"/>
+              </a:solidFill>
+              <a:effectLst/>
+              <a:uLnTx/>
+              <a:uFillTx/>
+              <a:latin typeface="Calibri" panose="020F0502020204030204"/>
+              <a:ea typeface="+mn-ea"/>
+              <a:cs typeface="+mn-cs"/>
+            </a:endParaRPr>
+          </a:p>
+          <a:p>
+            <a:pPr marL="0" marR="0" lvl="0" indent="0" algn="ctr" defTabSz="914400" rtl="0" eaLnBrk="1" fontAlgn="auto" latinLnBrk="0" hangingPunct="1">
+              <a:lnSpc>
+                <a:spcPct val="100000"/>
+              </a:lnSpc>
+              <a:spcBef>
+                <a:spcPts val="0"/>
+              </a:spcBef>
+              <a:spcAft>
+                <a:spcPts val="0"/>
+              </a:spcAft>
+              <a:buClrTx/>
+              <a:buSzTx/>
+              <a:buFontTx/>
+              <a:buNone/>
+              <a:tabLst/>
+              <a:defRPr/>
+            </a:pPr>
+            <a:r>
+              <a:rPr kumimoji="0" lang="en-US" sz="800" b="0" i="0" u="none" strike="noStrike" kern="1200" cap="none" spc="0" normalizeH="0" baseline="0" noProof="0" dirty="0">
+                <a:ln>
+                  <a:noFill/>
+                </a:ln>
+                <a:solidFill>
+                  <a:prstClr val="white"/>
+                </a:solidFill>
+                <a:effectLst/>
+                <a:uLnTx/>
+                <a:uFillTx/>
+                <a:latin typeface="Calibri" panose="020F0502020204030204"/>
+                <a:ea typeface="+mn-ea"/>
+                <a:cs typeface="+mn-cs"/>
+              </a:rPr>
+              <a:t>[C++]</a:t>
+            </a:r>
+            <a:endParaRPr kumimoji="0" lang="en-US" sz="1600" b="0" i="0" u="none" strike="noStrike" kern="1200" cap="none" spc="0" normalizeH="0" baseline="0" noProof="0" dirty="0">
+              <a:ln>
+                <a:noFill/>
+              </a:ln>
+              <a:solidFill>
+                <a:prstClr val="white"/>
+              </a:solidFill>
+              <a:effectLst/>
+              <a:uLnTx/>
+              <a:uFillTx/>
+              <a:latin typeface="Calibri" panose="020F0502020204030204"/>
+              <a:ea typeface="+mn-ea"/>
+              <a:cs typeface="+mn-cs"/>
+            </a:endParaRPr>
           </a:p>
         </p:txBody>
       </p:sp>
@@ -6471,14 +6745,14 @@
           <p:nvPr>
             <p:extLst>
               <p:ext uri="{D42A27DB-BD31-4B8C-83A1-F6EECF244321}">
-                <p14:modId xmlns:p14="http://schemas.microsoft.com/office/powerpoint/2010/main" val="3748853893"/>
+                <p14:modId xmlns:p14="http://schemas.microsoft.com/office/powerpoint/2010/main" val="1868648830"/>
               </p:ext>
             </p:extLst>
           </p:nvPr>
         </p:nvGraphicFramePr>
         <p:xfrm>
           <a:off x="7892827" y="2804485"/>
-          <a:ext cx="3887065" cy="3337560"/>
+          <a:ext cx="4006565" cy="3337560"/>
         </p:xfrm>
         <a:graphic>
           <a:graphicData uri="http://schemas.openxmlformats.org/drawingml/2006/table">
@@ -6487,21 +6761,21 @@
                 <a:tableStyleId>{5C22544A-7EE6-4342-B048-85BDC9FD1C3A}</a:tableStyleId>
               </a:tblPr>
               <a:tblGrid>
-                <a:gridCol w="1162153">
+                <a:gridCol w="1197881">
                   <a:extLst>
                     <a:ext uri="{9D8B030D-6E8A-4147-A177-3AD203B41FA5}">
                       <a16:colId xmlns:a16="http://schemas.microsoft.com/office/drawing/2014/main" val="1400390802"/>
                     </a:ext>
                   </a:extLst>
                 </a:gridCol>
-                <a:gridCol w="1377696">
+                <a:gridCol w="1420050">
                   <a:extLst>
                     <a:ext uri="{9D8B030D-6E8A-4147-A177-3AD203B41FA5}">
                       <a16:colId xmlns:a16="http://schemas.microsoft.com/office/drawing/2014/main" val="233617351"/>
                     </a:ext>
                   </a:extLst>
                 </a:gridCol>
-                <a:gridCol w="1347216">
+                <a:gridCol w="1388634">
                   <a:extLst>
                     <a:ext uri="{9D8B030D-6E8A-4147-A177-3AD203B41FA5}">
                       <a16:colId xmlns:a16="http://schemas.microsoft.com/office/drawing/2014/main" val="2049259909"/>
@@ -6883,7 +7157,7 @@
                     <a:p>
                       <a:r>
                         <a:rPr lang="en-US" sz="1100" b="1" dirty="0"/>
-                        <a:t>blueprint-blue</a:t>
+                        <a:t>av-blueprint-svc</a:t>
                       </a:r>
                     </a:p>
                   </a:txBody>
@@ -6896,7 +7170,7 @@
                     <a:p>
                       <a:r>
                         <a:rPr lang="en-US" sz="1100" dirty="0"/>
-                        <a:t>swift objects</a:t>
+                        <a:t>null-terminated text</a:t>
                       </a:r>
                     </a:p>
                   </a:txBody>
@@ -6907,10 +7181,32 @@
                     <a:bodyPr/>
                     <a:lstStyle/>
                     <a:p>
+                      <a:pPr marL="0" marR="0" lvl="0" indent="0" algn="l" defTabSz="914400" rtl="0" eaLnBrk="1" fontAlgn="auto" latinLnBrk="0" hangingPunct="1">
+                        <a:lnSpc>
+                          <a:spcPct val="100000"/>
+                        </a:lnSpc>
+                        <a:spcBef>
+                          <a:spcPts val="0"/>
+                        </a:spcBef>
+                        <a:spcAft>
+                          <a:spcPts val="0"/>
+                        </a:spcAft>
+                        <a:buClrTx/>
+                        <a:buSzTx/>
+                        <a:buFontTx/>
+                        <a:buNone/>
+                        <a:tabLst/>
+                        <a:defRPr/>
+                      </a:pPr>
                       <a:r>
                         <a:rPr lang="en-US" sz="1100" dirty="0"/>
-                        <a:t>swift objects</a:t>
+                        <a:t>null-terminated </a:t>
                       </a:r>
+                      <a:r>
+                        <a:rPr lang="en-US" sz="1100" dirty="0" err="1"/>
+                        <a:t>yaml</a:t>
+                      </a:r>
+                      <a:endParaRPr lang="en-US" sz="1100" dirty="0"/>
                     </a:p>
                   </a:txBody>
                   <a:tcPr anchor="ctr"/>
@@ -7061,6 +7357,70 @@
               </a:rPr>
               <a:t>hone</a:t>
             </a:r>
+            <a:endParaRPr kumimoji="0" lang="en-US" sz="800" b="0" i="0" u="none" strike="noStrike" kern="1200" cap="none" spc="0" normalizeH="0" baseline="0" noProof="0" dirty="0">
+              <a:ln>
+                <a:noFill/>
+              </a:ln>
+              <a:solidFill>
+                <a:prstClr val="white"/>
+              </a:solidFill>
+              <a:effectLst/>
+              <a:uLnTx/>
+              <a:uFillTx/>
+              <a:latin typeface="Calibri" panose="020F0502020204030204"/>
+              <a:ea typeface="+mn-ea"/>
+              <a:cs typeface="+mn-cs"/>
+            </a:endParaRPr>
+          </a:p>
+          <a:p>
+            <a:pPr marL="0" marR="0" lvl="0" indent="0" algn="ctr" defTabSz="914400" rtl="0" eaLnBrk="1" fontAlgn="auto" latinLnBrk="0" hangingPunct="1">
+              <a:lnSpc>
+                <a:spcPct val="100000"/>
+              </a:lnSpc>
+              <a:spcBef>
+                <a:spcPts val="0"/>
+              </a:spcBef>
+              <a:spcAft>
+                <a:spcPts val="0"/>
+              </a:spcAft>
+              <a:buClrTx/>
+              <a:buSzTx/>
+              <a:buFontTx/>
+              <a:buNone/>
+              <a:tabLst/>
+              <a:defRPr/>
+            </a:pPr>
+            <a:r>
+              <a:rPr kumimoji="0" lang="en-US" sz="800" b="0" i="0" u="none" strike="noStrike" kern="1200" cap="none" spc="0" normalizeH="0" baseline="0" noProof="0" dirty="0">
+                <a:ln>
+                  <a:noFill/>
+                </a:ln>
+                <a:solidFill>
+                  <a:prstClr val="white"/>
+                </a:solidFill>
+                <a:effectLst/>
+                <a:uLnTx/>
+                <a:uFillTx/>
+                <a:latin typeface="Calibri" panose="020F0502020204030204"/>
+                <a:ea typeface="+mn-ea"/>
+                <a:cs typeface="+mn-cs"/>
+              </a:rPr>
+              <a:t>[C++]</a:t>
+            </a:r>
+            <a:endParaRPr kumimoji="0" lang="en-US" sz="1600" b="0" i="0" u="none" strike="noStrike" kern="1200" cap="none" spc="0" normalizeH="0" baseline="0" noProof="0" dirty="0">
+              <a:ln>
+                <a:noFill/>
+              </a:ln>
+              <a:solidFill>
+                <a:prstClr val="white"/>
+              </a:solidFill>
+              <a:effectLst/>
+              <a:uLnTx/>
+              <a:uFillTx/>
+              <a:latin typeface="Calibri" panose="020F0502020204030204"/>
+              <a:ea typeface="+mn-ea"/>
+              <a:cs typeface="+mn-cs"/>
+            </a:endParaRPr>
           </a:p>
         </p:txBody>
       </p:sp>
@@ -7158,6 +7518,56 @@
                 <a:cs typeface="+mn-cs"/>
               </a:rPr>
               <a:t>misc</a:t>
+            </a:r>
+            <a:endParaRPr kumimoji="0" lang="en-US" sz="800" b="0" i="0" u="none" strike="noStrike" kern="1200" cap="none" spc="0" normalizeH="0" baseline="0" noProof="0" dirty="0">
+              <a:ln>
+                <a:noFill/>
+              </a:ln>
+              <a:solidFill>
+                <a:prstClr val="white"/>
+              </a:solidFill>
+              <a:effectLst/>
+              <a:uLnTx/>
+              <a:uFillTx/>
+              <a:latin typeface="Calibri" panose="020F0502020204030204"/>
+              <a:ea typeface="+mn-ea"/>
+              <a:cs typeface="+mn-cs"/>
+            </a:endParaRPr>
+          </a:p>
+          <a:p>
+            <a:pPr marL="0" marR="0" lvl="0" indent="0" algn="ctr" defTabSz="914400" rtl="0" eaLnBrk="1" fontAlgn="auto" latinLnBrk="0" hangingPunct="1">
+              <a:lnSpc>
+                <a:spcPct val="100000"/>
+              </a:lnSpc>
+              <a:spcBef>
+                <a:spcPts val="0"/>
+              </a:spcBef>
+              <a:spcAft>
+                <a:spcPts val="0"/>
+              </a:spcAft>
+              <a:buClrTx/>
+              <a:buSzTx/>
+              <a:buFontTx/>
+              <a:buNone/>
+              <a:tabLst/>
+              <a:defRPr/>
+            </a:pPr>
+            <a:r>
+              <a:rPr kumimoji="0" lang="en-US" sz="800" b="0" i="0" u="none" strike="noStrike" kern="1200" cap="none" spc="0" normalizeH="0" baseline="0" noProof="0" dirty="0">
+                <a:ln>
+                  <a:noFill/>
+                </a:ln>
+                <a:solidFill>
+                  <a:prstClr val="white"/>
+                </a:solidFill>
+                <a:effectLst/>
+                <a:uLnTx/>
+                <a:uFillTx/>
+                <a:latin typeface="Calibri" panose="020F0502020204030204"/>
+                <a:ea typeface="+mn-ea"/>
+                <a:cs typeface="+mn-cs"/>
+              </a:rPr>
+              <a:t>[C++]</a:t>
             </a:r>
             <a:endParaRPr kumimoji="0" lang="en-US" sz="1600" b="0" i="0" u="none" strike="noStrike" kern="1200" cap="none" spc="0" normalizeH="0" baseline="0" noProof="0" dirty="0">
               <a:ln>
@@ -7274,6 +7684,107 @@
           </a:fontRef>
         </p:style>
       </p:cxnSp>
+      <p:sp>
+        <p:nvSpPr>
+          <p:cNvPr id="6" name="TextBox 5">
+            <a:extLst>
+              <a:ext uri="{FF2B5EF4-FFF2-40B4-BE49-F238E27FC236}">
+                <a16:creationId xmlns:a16="http://schemas.microsoft.com/office/drawing/2014/main" id="{3082CBB4-A5C1-4BC9-4ECF-3379F1931E82}"/>
+              </a:ext>
+            </a:extLst>
+          </p:cNvPr>
+          <p:cNvSpPr txBox="1"/>
+          <p:nvPr/>
+        </p:nvSpPr>
+        <p:spPr>
+          <a:xfrm rot="16200000">
+            <a:off x="3258176" y="4603395"/>
+            <a:ext cx="741133" cy="584775"/>
+          </a:xfrm>
+          <a:prstGeom prst="rect">
+            <a:avLst/>
+          </a:prstGeom>
+          <a:noFill/>
+        </p:spPr>
+        <p:txBody>
+          <a:bodyPr wrap="square" rtlCol="0">
+            <a:spAutoFit/>
+          </a:bodyPr>
+          <a:lstStyle/>
+          <a:p>
+            <a:pPr algn="ctr"/>
+            <a:endParaRPr lang="en-US" sz="800" dirty="0">
+              <a:solidFill>
+                <a:schemeClr val="tx1">
+                  <a:lumMod val="50000"/>
+                  <a:lumOff val="50000"/>
+                </a:schemeClr>
+              </a:solidFill>
+            </a:endParaRPr>
+          </a:p>
+          <a:p>
+            <a:pPr algn="ctr"/>
+            <a:endParaRPr lang="en-US" sz="800" dirty="0">
+              <a:solidFill>
+                <a:schemeClr val="tx1">
+                  <a:lumMod val="50000"/>
+                  <a:lumOff val="50000"/>
+                </a:schemeClr>
+              </a:solidFill>
+            </a:endParaRPr>
+          </a:p>
+          <a:p>
+            <a:pPr algn="ctr"/>
+            <a:r>
+              <a:rPr lang="en-US" sz="800" dirty="0">
+                <a:solidFill>
+                  <a:schemeClr val="tx1">
+                    <a:lumMod val="50000"/>
+                    <a:lumOff val="50000"/>
+                  </a:schemeClr>
+                </a:solidFill>
+              </a:rPr>
+              <a:t>REST</a:t>
+            </a:r>
+          </a:p>
+          <a:p>
+            <a:pPr algn="ctr"/>
+            <a:r>
+              <a:rPr lang="en-US" sz="800" dirty="0">
+                <a:solidFill>
+                  <a:schemeClr val="tx1">
+                    <a:lumMod val="50000"/>
+                    <a:lumOff val="50000"/>
+                  </a:schemeClr>
+                </a:solidFill>
+              </a:rPr>
+              <a:t>(</a:t>
+            </a:r>
+            <a:r>
+              <a:rPr lang="en-US" sz="800" dirty="0" err="1">
+                <a:solidFill>
+                  <a:schemeClr val="tx1">
+                    <a:lumMod val="50000"/>
+                    <a:lumOff val="50000"/>
+                  </a:schemeClr>
+                </a:solidFill>
+              </a:rPr>
+              <a:t>yaml</a:t>
+            </a:r>
+            <a:r>
+              <a:rPr lang="en-US" sz="800" dirty="0">
+                <a:solidFill>
+                  <a:schemeClr val="tx1">
+                    <a:lumMod val="50000"/>
+                    <a:lumOff val="50000"/>
+                  </a:schemeClr>
+                </a:solidFill>
+              </a:rPr>
+              <a:t>)</a:t>
+            </a:r>
+          </a:p>
+        </p:txBody>
+      </p:sp>
     </p:spTree>
     <p:extLst>
       <p:ext uri="{BB962C8B-B14F-4D97-AF65-F5344CB8AC3E}">

--- a/AV-Native-SDK.pptx
+++ b/AV-Native-SDK.pptx
@@ -7,9 +7,10 @@
   <p:sldIdLst>
     <p:sldId id="256" r:id="rId2"/>
     <p:sldId id="270" r:id="rId3"/>
-    <p:sldId id="268" r:id="rId4"/>
-    <p:sldId id="260" r:id="rId5"/>
-    <p:sldId id="257" r:id="rId6"/>
+    <p:sldId id="271" r:id="rId4"/>
+    <p:sldId id="268" r:id="rId5"/>
+    <p:sldId id="260" r:id="rId6"/>
+    <p:sldId id="257" r:id="rId7"/>
   </p:sldIdLst>
   <p:sldSz cx="12192000" cy="6858000"/>
   <p:notesSz cx="6858000" cy="9144000"/>
@@ -3436,8 +3437,8 @@
         </p:nvSpPr>
         <p:spPr>
           <a:xfrm>
-            <a:off x="786384" y="1827950"/>
-            <a:ext cx="6668932" cy="4579482"/>
+            <a:off x="3261360" y="1468286"/>
+            <a:ext cx="5571744" cy="4579482"/>
           </a:xfrm>
           <a:prstGeom prst="rect">
             <a:avLst/>
@@ -3503,7 +3504,7 @@
         </p:nvCxnSpPr>
         <p:spPr>
           <a:xfrm rot="16200000" flipV="1">
-            <a:off x="2199701" y="3191662"/>
+            <a:off x="4674677" y="2831998"/>
             <a:ext cx="1639933" cy="1086258"/>
           </a:xfrm>
           <a:prstGeom prst="bentConnector4">
@@ -3537,55 +3538,6 @@
           </a:fontRef>
         </p:style>
       </p:cxnSp>
-      <p:cxnSp>
-        <p:nvCxnSpPr>
-          <p:cNvPr id="541" name="Straight Arrow Connector 105">
-            <a:extLst>
-              <a:ext uri="{FF2B5EF4-FFF2-40B4-BE49-F238E27FC236}">
-                <a16:creationId xmlns:a16="http://schemas.microsoft.com/office/drawing/2014/main" id="{0CD67265-4742-41F5-1211-E794EA7A2211}"/>
-              </a:ext>
-            </a:extLst>
-          </p:cNvPr>
-          <p:cNvCxnSpPr>
-            <a:cxnSpLocks/>
-          </p:cNvCxnSpPr>
-          <p:nvPr/>
-        </p:nvCxnSpPr>
-        <p:spPr>
-          <a:xfrm>
-            <a:off x="6076850" y="5686332"/>
-            <a:ext cx="511672" cy="182"/>
-          </a:xfrm>
-          <a:prstGeom prst="bentConnector3">
-            <a:avLst>
-              <a:gd name="adj1" fmla="val 50000"/>
-            </a:avLst>
-          </a:prstGeom>
-          <a:ln>
-            <a:solidFill>
-              <a:schemeClr val="tx1">
-                <a:lumMod val="65000"/>
-                <a:lumOff val="35000"/>
-              </a:schemeClr>
-            </a:solidFill>
-            <a:tailEnd type="triangle"/>
-          </a:ln>
-        </p:spPr>
-        <p:style>
-          <a:lnRef idx="1">
-            <a:schemeClr val="accent1"/>
-          </a:lnRef>
-          <a:fillRef idx="0">
-            <a:schemeClr val="accent1"/>
-          </a:fillRef>
-          <a:effectRef idx="0">
-            <a:schemeClr val="accent1"/>
-          </a:effectRef>
-          <a:fontRef idx="minor">
-            <a:schemeClr val="tx1"/>
-          </a:fontRef>
-        </p:style>
-      </p:cxnSp>
       <p:grpSp>
         <p:nvGrpSpPr>
           <p:cNvPr id="57" name="Group 56">
@@ -3600,7 +3552,7 @@
         </p:nvGrpSpPr>
         <p:grpSpPr>
           <a:xfrm>
-            <a:off x="6241188" y="2433009"/>
+            <a:off x="7352800" y="5019937"/>
             <a:ext cx="1139076" cy="853175"/>
             <a:chOff x="10738631" y="2574015"/>
             <a:chExt cx="1139076" cy="853175"/>
@@ -4140,7 +4092,7 @@
                   <a:ea typeface="+mn-ea"/>
                   <a:cs typeface="+mn-cs"/>
                 </a:rPr>
-                <a:t>Digital-AV SDK</a:t>
+                <a:t>Digital-AV</a:t>
               </a:r>
             </a:p>
           </p:txBody>
@@ -4164,7 +4116,7 @@
         </p:nvCxnSpPr>
         <p:spPr>
           <a:xfrm rot="5400000">
-            <a:off x="3342717" y="3455667"/>
+            <a:off x="5817693" y="3096003"/>
             <a:ext cx="478931" cy="1807"/>
           </a:xfrm>
           <a:prstGeom prst="bentConnector3">
@@ -4200,142 +4152,6 @@
       </p:cxnSp>
       <p:sp>
         <p:nvSpPr>
-          <p:cNvPr id="470" name="Rectangle 469">
-            <a:extLst>
-              <a:ext uri="{FF2B5EF4-FFF2-40B4-BE49-F238E27FC236}">
-                <a16:creationId xmlns:a16="http://schemas.microsoft.com/office/drawing/2014/main" id="{26189958-1727-9DE8-E89A-5CF4CC557862}"/>
-              </a:ext>
-            </a:extLst>
-          </p:cNvPr>
-          <p:cNvSpPr/>
-          <p:nvPr/>
-        </p:nvSpPr>
-        <p:spPr>
-          <a:xfrm>
-            <a:off x="4665729" y="5148519"/>
-            <a:ext cx="1575459" cy="979714"/>
-          </a:xfrm>
-          <a:prstGeom prst="rect">
-            <a:avLst/>
-          </a:prstGeom>
-          <a:solidFill>
-            <a:schemeClr val="accent1">
-              <a:lumMod val="50000"/>
-            </a:schemeClr>
-          </a:solidFill>
-        </p:spPr>
-        <p:style>
-          <a:lnRef idx="2">
-            <a:schemeClr val="accent1">
-              <a:shade val="50000"/>
-            </a:schemeClr>
-          </a:lnRef>
-          <a:fillRef idx="1">
-            <a:schemeClr val="accent1"/>
-          </a:fillRef>
-          <a:effectRef idx="0">
-            <a:schemeClr val="accent1"/>
-          </a:effectRef>
-          <a:fontRef idx="minor">
-            <a:schemeClr val="lt1"/>
-          </a:fontRef>
-        </p:style>
-        <p:txBody>
-          <a:bodyPr rtlCol="0" anchor="ctr"/>
-          <a:lstStyle/>
-          <a:p>
-            <a:pPr marL="0" marR="0" lvl="0" indent="0" algn="ctr" defTabSz="914400" rtl="0" eaLnBrk="1" fontAlgn="auto" latinLnBrk="0" hangingPunct="1">
-              <a:lnSpc>
-                <a:spcPct val="100000"/>
-              </a:lnSpc>
-              <a:spcBef>
-                <a:spcPts val="0"/>
-              </a:spcBef>
-              <a:spcAft>
-                <a:spcPts val="0"/>
-              </a:spcAft>
-              <a:buClrTx/>
-              <a:buSzTx/>
-              <a:buFontTx/>
-              <a:buNone/>
-              <a:tabLst/>
-              <a:defRPr/>
-            </a:pPr>
-            <a:r>
-              <a:rPr lang="en-US" sz="1600" dirty="0" err="1"/>
-              <a:t>pinshot</a:t>
-            </a:r>
-            <a:r>
-              <a:rPr lang="en-US" sz="1600" dirty="0"/>
-              <a:t>-blue</a:t>
-            </a:r>
-            <a:endParaRPr kumimoji="0" lang="en-US" sz="1600" b="0" i="0" u="none" strike="noStrike" kern="1200" cap="none" spc="0" normalizeH="0" baseline="0" noProof="0" dirty="0">
-              <a:ln>
-                <a:noFill/>
-              </a:ln>
-              <a:solidFill>
-                <a:prstClr val="white"/>
-              </a:solidFill>
-              <a:effectLst/>
-              <a:uLnTx/>
-              <a:uFillTx/>
-              <a:latin typeface="Calibri" panose="020F0502020204030204"/>
-              <a:ea typeface="+mn-ea"/>
-              <a:cs typeface="+mn-cs"/>
-            </a:endParaRPr>
-          </a:p>
-          <a:p>
-            <a:pPr algn="ctr">
-              <a:defRPr/>
-            </a:pPr>
-            <a:r>
-              <a:rPr kumimoji="0" lang="en-US" sz="800" b="0" i="0" u="none" strike="noStrike" kern="1200" cap="none" spc="0" normalizeH="0" baseline="0" noProof="0" dirty="0">
-                <a:ln>
-                  <a:noFill/>
-                </a:ln>
-                <a:solidFill>
-                  <a:prstClr val="white"/>
-                </a:solidFill>
-                <a:effectLst/>
-                <a:uLnTx/>
-                <a:uFillTx/>
-                <a:latin typeface="Calibri" panose="020F0502020204030204"/>
-                <a:ea typeface="+mn-ea"/>
-                <a:cs typeface="+mn-cs"/>
-              </a:rPr>
-              <a:t> [</a:t>
-            </a:r>
-            <a:r>
-              <a:rPr lang="en-US" sz="800" dirty="0">
-                <a:solidFill>
-                  <a:prstClr val="white"/>
-                </a:solidFill>
-                <a:latin typeface="Calibri" panose="020F0502020204030204"/>
-              </a:rPr>
-              <a:t>Rust</a:t>
-            </a:r>
-            <a:r>
-              <a:rPr kumimoji="0" lang="en-US" sz="800" b="0" i="0" u="none" strike="noStrike" kern="1200" cap="none" spc="0" normalizeH="0" baseline="0" noProof="0" dirty="0">
-                <a:ln>
-                  <a:noFill/>
-                </a:ln>
-                <a:solidFill>
-                  <a:prstClr val="white"/>
-                </a:solidFill>
-                <a:effectLst/>
-                <a:uLnTx/>
-                <a:uFillTx/>
-                <a:latin typeface="Calibri" panose="020F0502020204030204"/>
-                <a:ea typeface="+mn-ea"/>
-                <a:cs typeface="+mn-cs"/>
-              </a:rPr>
-              <a:t>]</a:t>
-            </a:r>
-          </a:p>
-        </p:txBody>
-      </p:sp>
-      <p:sp>
-        <p:nvSpPr>
           <p:cNvPr id="471" name="Rectangle 470">
             <a:extLst>
               <a:ext uri="{FF2B5EF4-FFF2-40B4-BE49-F238E27FC236}">
@@ -4348,7 +4164,7 @@
         </p:nvSpPr>
         <p:spPr>
           <a:xfrm>
-            <a:off x="2791156" y="5145357"/>
+            <a:off x="5266132" y="4785693"/>
             <a:ext cx="1575459" cy="979714"/>
           </a:xfrm>
           <a:prstGeom prst="rect">
@@ -4423,95 +4239,21 @@
               </a:rPr>
               <a:t>lueprint</a:t>
             </a:r>
-            <a:r>
-              <a:rPr kumimoji="0" lang="en-US" sz="1600" b="0" i="0" u="none" strike="noStrike" kern="1200" cap="none" spc="0" normalizeH="0" baseline="0" noProof="0" dirty="0">
-                <a:ln>
-                  <a:noFill/>
-                </a:ln>
-                <a:solidFill>
-                  <a:prstClr val="white"/>
-                </a:solidFill>
-                <a:effectLst/>
-                <a:uLnTx/>
-                <a:uFillTx/>
-                <a:latin typeface="Calibri" panose="020F0502020204030204"/>
-                <a:ea typeface="+mn-ea"/>
-                <a:cs typeface="+mn-cs"/>
-              </a:rPr>
-              <a:t>-</a:t>
-            </a:r>
-            <a:r>
-              <a:rPr lang="en-US" sz="1600" dirty="0">
-                <a:solidFill>
-                  <a:prstClr val="white"/>
-                </a:solidFill>
-                <a:latin typeface="Calibri" panose="020F0502020204030204"/>
-              </a:rPr>
-              <a:t>svc</a:t>
-            </a:r>
-            <a:r>
-              <a:rPr kumimoji="0" lang="en-US" sz="800" b="0" i="0" u="none" strike="noStrike" kern="1200" cap="none" spc="0" normalizeH="0" baseline="0" noProof="0" dirty="0">
-                <a:ln>
-                  <a:noFill/>
-                </a:ln>
-                <a:solidFill>
-                  <a:prstClr val="white"/>
-                </a:solidFill>
-                <a:effectLst/>
-                <a:uLnTx/>
-                <a:uFillTx/>
-                <a:latin typeface="Calibri" panose="020F0502020204030204"/>
-                <a:ea typeface="+mn-ea"/>
-                <a:cs typeface="+mn-cs"/>
-              </a:rPr>
-              <a:t> [C#]</a:t>
-            </a:r>
-          </a:p>
-        </p:txBody>
-      </p:sp>
-      <p:sp>
-        <p:nvSpPr>
-          <p:cNvPr id="472" name="Rectangle 471">
-            <a:extLst>
-              <a:ext uri="{FF2B5EF4-FFF2-40B4-BE49-F238E27FC236}">
-                <a16:creationId xmlns:a16="http://schemas.microsoft.com/office/drawing/2014/main" id="{8E491615-CDDD-92FA-BB1C-1C572B63E455}"/>
-              </a:ext>
-            </a:extLst>
-          </p:cNvPr>
-          <p:cNvSpPr/>
-          <p:nvPr/>
-        </p:nvSpPr>
-        <p:spPr>
-          <a:xfrm>
-            <a:off x="2795355" y="2237391"/>
-            <a:ext cx="1575459" cy="979714"/>
-          </a:xfrm>
-          <a:prstGeom prst="rect">
-            <a:avLst/>
-          </a:prstGeom>
-          <a:solidFill>
-            <a:srgbClr val="203864"/>
-          </a:solidFill>
-        </p:spPr>
-        <p:style>
-          <a:lnRef idx="2">
-            <a:schemeClr val="accent1">
-              <a:shade val="50000"/>
-            </a:schemeClr>
-          </a:lnRef>
-          <a:fillRef idx="1">
-            <a:schemeClr val="accent1"/>
-          </a:fillRef>
-          <a:effectRef idx="0">
-            <a:schemeClr val="accent1"/>
-          </a:effectRef>
-          <a:fontRef idx="minor">
-            <a:schemeClr val="lt1"/>
-          </a:fontRef>
-        </p:style>
-        <p:txBody>
-          <a:bodyPr rtlCol="0" anchor="ctr"/>
-          <a:lstStyle/>
+            <a:endParaRPr kumimoji="0" lang="en-US" sz="1600" b="0" i="0" u="none" strike="noStrike" kern="1200" cap="none" spc="0" normalizeH="0" baseline="0" noProof="0" dirty="0">
+              <a:ln>
+                <a:noFill/>
+              </a:ln>
+              <a:solidFill>
+                <a:prstClr val="white"/>
+              </a:solidFill>
+              <a:effectLst/>
+              <a:uLnTx/>
+              <a:uFillTx/>
+              <a:latin typeface="Calibri" panose="020F0502020204030204"/>
+              <a:ea typeface="+mn-ea"/>
+              <a:cs typeface="+mn-cs"/>
+            </a:endParaRPr>
+          </a:p>
           <a:p>
             <a:pPr marL="0" marR="0" lvl="0" indent="0" algn="ctr" defTabSz="914400" rtl="0" eaLnBrk="1" fontAlgn="auto" latinLnBrk="0" hangingPunct="1">
               <a:lnSpc>
@@ -4531,14 +4273,454 @@
               <a:defRPr/>
             </a:pPr>
             <a:r>
-              <a:rPr lang="en-US" sz="1600" dirty="0">
+              <a:rPr kumimoji="0" lang="en-US" sz="800" b="0" i="0" u="none" strike="noStrike" kern="1200" cap="none" spc="0" normalizeH="0" baseline="0" noProof="0" dirty="0">
+                <a:ln>
+                  <a:noFill/>
+                </a:ln>
+                <a:solidFill>
+                  <a:prstClr val="white"/>
+                </a:solidFill>
+                <a:effectLst/>
+                <a:uLnTx/>
+                <a:uFillTx/>
+                <a:latin typeface="Calibri" panose="020F0502020204030204"/>
+                <a:ea typeface="+mn-ea"/>
+                <a:cs typeface="+mn-cs"/>
+              </a:rPr>
+              <a:t> [C++]</a:t>
+            </a:r>
+          </a:p>
+        </p:txBody>
+      </p:sp>
+      <p:cxnSp>
+        <p:nvCxnSpPr>
+          <p:cNvPr id="473" name="Straight Arrow Connector 472">
+            <a:extLst>
+              <a:ext uri="{FF2B5EF4-FFF2-40B4-BE49-F238E27FC236}">
+                <a16:creationId xmlns:a16="http://schemas.microsoft.com/office/drawing/2014/main" id="{57086C7C-8431-E586-2E25-37DD9617C0D1}"/>
+              </a:ext>
+            </a:extLst>
+          </p:cNvPr>
+          <p:cNvCxnSpPr>
+            <a:cxnSpLocks/>
+            <a:stCxn id="477" idx="0"/>
+            <a:endCxn id="476" idx="2"/>
+          </p:cNvCxnSpPr>
+          <p:nvPr/>
+        </p:nvCxnSpPr>
+        <p:spPr>
+          <a:xfrm flipV="1">
+            <a:off x="7930242" y="2858790"/>
+            <a:ext cx="1497" cy="477738"/>
+          </a:xfrm>
+          <a:prstGeom prst="straightConnector1">
+            <a:avLst/>
+          </a:prstGeom>
+          <a:ln>
+            <a:solidFill>
+              <a:schemeClr val="tx1">
+                <a:lumMod val="50000"/>
+                <a:lumOff val="50000"/>
+              </a:schemeClr>
+            </a:solidFill>
+            <a:tailEnd type="triangle"/>
+          </a:ln>
+        </p:spPr>
+        <p:style>
+          <a:lnRef idx="1">
+            <a:schemeClr val="accent1"/>
+          </a:lnRef>
+          <a:fillRef idx="0">
+            <a:schemeClr val="accent1"/>
+          </a:fillRef>
+          <a:effectRef idx="0">
+            <a:schemeClr val="accent1"/>
+          </a:effectRef>
+          <a:fontRef idx="minor">
+            <a:schemeClr val="tx1"/>
+          </a:fontRef>
+        </p:style>
+      </p:cxnSp>
+      <p:cxnSp>
+        <p:nvCxnSpPr>
+          <p:cNvPr id="475" name="Straight Arrow Connector 105">
+            <a:extLst>
+              <a:ext uri="{FF2B5EF4-FFF2-40B4-BE49-F238E27FC236}">
+                <a16:creationId xmlns:a16="http://schemas.microsoft.com/office/drawing/2014/main" id="{C40FC7E6-FA96-E9C3-D2BE-4B110A9B8362}"/>
+              </a:ext>
+            </a:extLst>
+          </p:cNvPr>
+          <p:cNvCxnSpPr>
+            <a:cxnSpLocks/>
+            <a:stCxn id="480" idx="2"/>
+            <a:endCxn id="471" idx="0"/>
+          </p:cNvCxnSpPr>
+          <p:nvPr/>
+        </p:nvCxnSpPr>
+        <p:spPr>
+          <a:xfrm rot="5400000">
+            <a:off x="5820255" y="4549693"/>
+            <a:ext cx="469607" cy="2392"/>
+          </a:xfrm>
+          <a:prstGeom prst="bentConnector3">
+            <a:avLst>
+              <a:gd name="adj1" fmla="val 50000"/>
+            </a:avLst>
+          </a:prstGeom>
+          <a:ln>
+            <a:solidFill>
+              <a:schemeClr val="tx1">
+                <a:lumMod val="65000"/>
+                <a:lumOff val="35000"/>
+              </a:schemeClr>
+            </a:solidFill>
+            <a:tailEnd type="triangle"/>
+          </a:ln>
+        </p:spPr>
+        <p:style>
+          <a:lnRef idx="1">
+            <a:schemeClr val="accent1"/>
+          </a:lnRef>
+          <a:fillRef idx="0">
+            <a:schemeClr val="accent1"/>
+          </a:fillRef>
+          <a:effectRef idx="0">
+            <a:schemeClr val="accent1"/>
+          </a:effectRef>
+          <a:fontRef idx="minor">
+            <a:schemeClr val="tx1"/>
+          </a:fontRef>
+        </p:style>
+      </p:cxnSp>
+      <p:sp>
+        <p:nvSpPr>
+          <p:cNvPr id="476" name="Rectangle 475">
+            <a:extLst>
+              <a:ext uri="{FF2B5EF4-FFF2-40B4-BE49-F238E27FC236}">
+                <a16:creationId xmlns:a16="http://schemas.microsoft.com/office/drawing/2014/main" id="{539C83AB-00A2-B47A-EB35-F208FF4A2650}"/>
+              </a:ext>
+            </a:extLst>
+          </p:cNvPr>
+          <p:cNvSpPr/>
+          <p:nvPr/>
+        </p:nvSpPr>
+        <p:spPr>
+          <a:xfrm>
+            <a:off x="7144009" y="1879076"/>
+            <a:ext cx="1575459" cy="979714"/>
+          </a:xfrm>
+          <a:prstGeom prst="rect">
+            <a:avLst/>
+          </a:prstGeom>
+          <a:solidFill>
+            <a:schemeClr val="accent1">
+              <a:lumMod val="50000"/>
+            </a:schemeClr>
+          </a:solidFill>
+        </p:spPr>
+        <p:style>
+          <a:lnRef idx="2">
+            <a:schemeClr val="accent1">
+              <a:shade val="50000"/>
+            </a:schemeClr>
+          </a:lnRef>
+          <a:fillRef idx="1">
+            <a:schemeClr val="accent1"/>
+          </a:fillRef>
+          <a:effectRef idx="0">
+            <a:schemeClr val="accent1"/>
+          </a:effectRef>
+          <a:fontRef idx="minor">
+            <a:schemeClr val="lt1"/>
+          </a:fontRef>
+        </p:style>
+        <p:txBody>
+          <a:bodyPr rtlCol="0" anchor="ctr"/>
+          <a:lstStyle/>
+          <a:p>
+            <a:pPr marL="0" marR="0" lvl="0" indent="0" algn="ctr" defTabSz="914400" rtl="0" eaLnBrk="1" fontAlgn="auto" latinLnBrk="0" hangingPunct="1">
+              <a:lnSpc>
+                <a:spcPct val="100000"/>
+              </a:lnSpc>
+              <a:spcBef>
+                <a:spcPts val="0"/>
+              </a:spcBef>
+              <a:spcAft>
+                <a:spcPts val="0"/>
+              </a:spcAft>
+              <a:buClrTx/>
+              <a:buSzTx/>
+              <a:buFontTx/>
+              <a:buNone/>
+              <a:tabLst/>
+              <a:defRPr/>
+            </a:pPr>
+            <a:r>
+              <a:rPr lang="en-US" sz="1600" dirty="0" err="1">
                 <a:solidFill>
                   <a:prstClr val="white"/>
                 </a:solidFill>
                 <a:latin typeface="Calibri" panose="020F0502020204030204"/>
               </a:rPr>
-              <a:t>a</a:t>
+              <a:t>xvmem</a:t>
             </a:r>
+            <a:endParaRPr lang="en-US" sz="800" dirty="0">
+              <a:solidFill>
+                <a:prstClr val="white"/>
+              </a:solidFill>
+              <a:latin typeface="Calibri" panose="020F0502020204030204"/>
+            </a:endParaRPr>
+          </a:p>
+          <a:p>
+            <a:pPr marL="0" marR="0" lvl="0" indent="0" algn="ctr" defTabSz="914400" rtl="0" eaLnBrk="1" fontAlgn="auto" latinLnBrk="0" hangingPunct="1">
+              <a:lnSpc>
+                <a:spcPct val="100000"/>
+              </a:lnSpc>
+              <a:spcBef>
+                <a:spcPts val="0"/>
+              </a:spcBef>
+              <a:spcAft>
+                <a:spcPts val="0"/>
+              </a:spcAft>
+              <a:buClrTx/>
+              <a:buSzTx/>
+              <a:buFontTx/>
+              <a:buNone/>
+              <a:tabLst/>
+              <a:defRPr/>
+            </a:pPr>
+            <a:r>
+              <a:rPr kumimoji="0" lang="en-US" sz="800" b="0" i="0" u="none" strike="noStrike" kern="1200" cap="none" spc="0" normalizeH="0" baseline="0" noProof="0" dirty="0">
+                <a:ln>
+                  <a:noFill/>
+                </a:ln>
+                <a:solidFill>
+                  <a:prstClr val="white"/>
+                </a:solidFill>
+                <a:effectLst/>
+                <a:uLnTx/>
+                <a:uFillTx/>
+                <a:latin typeface="Calibri" panose="020F0502020204030204"/>
+                <a:ea typeface="+mn-ea"/>
+                <a:cs typeface="+mn-cs"/>
+              </a:rPr>
+              <a:t>[C++]</a:t>
+            </a:r>
+          </a:p>
+        </p:txBody>
+      </p:sp>
+      <p:cxnSp>
+        <p:nvCxnSpPr>
+          <p:cNvPr id="490" name="Straight Arrow Connector 105">
+            <a:extLst>
+              <a:ext uri="{FF2B5EF4-FFF2-40B4-BE49-F238E27FC236}">
+                <a16:creationId xmlns:a16="http://schemas.microsoft.com/office/drawing/2014/main" id="{4358AA7E-B0A5-4BD0-EA6F-D5653B77733C}"/>
+              </a:ext>
+            </a:extLst>
+          </p:cNvPr>
+          <p:cNvCxnSpPr>
+            <a:cxnSpLocks/>
+          </p:cNvCxnSpPr>
+          <p:nvPr/>
+        </p:nvCxnSpPr>
+        <p:spPr>
+          <a:xfrm>
+            <a:off x="5748838" y="2367585"/>
+            <a:ext cx="1393673" cy="1245441"/>
+          </a:xfrm>
+          <a:prstGeom prst="bentConnector3">
+            <a:avLst>
+              <a:gd name="adj1" fmla="val 87179"/>
+            </a:avLst>
+          </a:prstGeom>
+          <a:ln>
+            <a:solidFill>
+              <a:schemeClr val="tx1">
+                <a:lumMod val="65000"/>
+                <a:lumOff val="35000"/>
+              </a:schemeClr>
+            </a:solidFill>
+            <a:tailEnd type="triangle"/>
+          </a:ln>
+        </p:spPr>
+        <p:style>
+          <a:lnRef idx="1">
+            <a:schemeClr val="accent1"/>
+          </a:lnRef>
+          <a:fillRef idx="0">
+            <a:schemeClr val="accent1"/>
+          </a:fillRef>
+          <a:effectRef idx="0">
+            <a:schemeClr val="accent1"/>
+          </a:effectRef>
+          <a:fontRef idx="minor">
+            <a:schemeClr val="tx1"/>
+          </a:fontRef>
+        </p:style>
+      </p:cxnSp>
+      <p:cxnSp>
+        <p:nvCxnSpPr>
+          <p:cNvPr id="493" name="Straight Arrow Connector 492">
+            <a:extLst>
+              <a:ext uri="{FF2B5EF4-FFF2-40B4-BE49-F238E27FC236}">
+                <a16:creationId xmlns:a16="http://schemas.microsoft.com/office/drawing/2014/main" id="{BF67156E-4085-D07C-24EF-282E53DF9C43}"/>
+              </a:ext>
+            </a:extLst>
+          </p:cNvPr>
+          <p:cNvCxnSpPr>
+            <a:cxnSpLocks/>
+            <a:stCxn id="480" idx="3"/>
+            <a:endCxn id="477" idx="1"/>
+          </p:cNvCxnSpPr>
+          <p:nvPr/>
+        </p:nvCxnSpPr>
+        <p:spPr>
+          <a:xfrm>
+            <a:off x="6843983" y="3826229"/>
+            <a:ext cx="298529" cy="156"/>
+          </a:xfrm>
+          <a:prstGeom prst="straightConnector1">
+            <a:avLst/>
+          </a:prstGeom>
+          <a:ln>
+            <a:solidFill>
+              <a:schemeClr val="tx1">
+                <a:lumMod val="50000"/>
+                <a:lumOff val="50000"/>
+              </a:schemeClr>
+            </a:solidFill>
+            <a:tailEnd type="triangle"/>
+          </a:ln>
+        </p:spPr>
+        <p:style>
+          <a:lnRef idx="1">
+            <a:schemeClr val="accent1"/>
+          </a:lnRef>
+          <a:fillRef idx="0">
+            <a:schemeClr val="accent1"/>
+          </a:fillRef>
+          <a:effectRef idx="0">
+            <a:schemeClr val="accent1"/>
+          </a:effectRef>
+          <a:fontRef idx="minor">
+            <a:schemeClr val="tx1"/>
+          </a:fontRef>
+        </p:style>
+      </p:cxnSp>
+      <p:cxnSp>
+        <p:nvCxnSpPr>
+          <p:cNvPr id="494" name="Straight Arrow Connector 105">
+            <a:extLst>
+              <a:ext uri="{FF2B5EF4-FFF2-40B4-BE49-F238E27FC236}">
+                <a16:creationId xmlns:a16="http://schemas.microsoft.com/office/drawing/2014/main" id="{FA22D0D8-AC79-9944-FA2C-ED4D56175D65}"/>
+              </a:ext>
+            </a:extLst>
+          </p:cNvPr>
+          <p:cNvCxnSpPr>
+            <a:cxnSpLocks/>
+            <a:stCxn id="477" idx="2"/>
+            <a:endCxn id="451" idx="0"/>
+          </p:cNvCxnSpPr>
+          <p:nvPr/>
+        </p:nvCxnSpPr>
+        <p:spPr>
+          <a:xfrm rot="16200000" flipH="1">
+            <a:off x="7553306" y="4693178"/>
+            <a:ext cx="754546" cy="674"/>
+          </a:xfrm>
+          <a:prstGeom prst="bentConnector3">
+            <a:avLst>
+              <a:gd name="adj1" fmla="val 50000"/>
+            </a:avLst>
+          </a:prstGeom>
+          <a:ln>
+            <a:solidFill>
+              <a:schemeClr val="tx1">
+                <a:lumMod val="65000"/>
+                <a:lumOff val="35000"/>
+              </a:schemeClr>
+            </a:solidFill>
+            <a:tailEnd type="triangle"/>
+          </a:ln>
+        </p:spPr>
+        <p:style>
+          <a:lnRef idx="1">
+            <a:schemeClr val="accent1"/>
+          </a:lnRef>
+          <a:fillRef idx="0">
+            <a:schemeClr val="accent1"/>
+          </a:fillRef>
+          <a:effectRef idx="0">
+            <a:schemeClr val="accent1"/>
+          </a:effectRef>
+          <a:fontRef idx="minor">
+            <a:schemeClr val="tx1"/>
+          </a:fontRef>
+        </p:style>
+      </p:cxnSp>
+      <p:sp>
+        <p:nvSpPr>
+          <p:cNvPr id="477" name="Rectangle 476">
+            <a:extLst>
+              <a:ext uri="{FF2B5EF4-FFF2-40B4-BE49-F238E27FC236}">
+                <a16:creationId xmlns:a16="http://schemas.microsoft.com/office/drawing/2014/main" id="{71AEED0B-3E32-65F5-6740-EB3C9CE0F3E8}"/>
+              </a:ext>
+            </a:extLst>
+          </p:cNvPr>
+          <p:cNvSpPr/>
+          <p:nvPr/>
+        </p:nvSpPr>
+        <p:spPr>
+          <a:xfrm>
+            <a:off x="7142512" y="3336528"/>
+            <a:ext cx="1575459" cy="979714"/>
+          </a:xfrm>
+          <a:prstGeom prst="rect">
+            <a:avLst/>
+          </a:prstGeom>
+          <a:solidFill>
+            <a:schemeClr val="accent1">
+              <a:lumMod val="50000"/>
+            </a:schemeClr>
+          </a:solidFill>
+        </p:spPr>
+        <p:style>
+          <a:lnRef idx="2">
+            <a:schemeClr val="accent1">
+              <a:shade val="50000"/>
+            </a:schemeClr>
+          </a:lnRef>
+          <a:fillRef idx="1">
+            <a:schemeClr val="accent1"/>
+          </a:fillRef>
+          <a:effectRef idx="0">
+            <a:schemeClr val="accent1"/>
+          </a:effectRef>
+          <a:fontRef idx="minor">
+            <a:schemeClr val="lt1"/>
+          </a:fontRef>
+        </p:style>
+        <p:txBody>
+          <a:bodyPr tIns="91440" rtlCol="0" anchor="ctr" anchorCtr="0"/>
+          <a:lstStyle/>
+          <a:p>
+            <a:pPr marL="0" marR="0" lvl="0" indent="0" algn="ctr" defTabSz="914400" rtl="0" eaLnBrk="1" fontAlgn="auto" latinLnBrk="0" hangingPunct="1">
+              <a:lnSpc>
+                <a:spcPct val="100000"/>
+              </a:lnSpc>
+              <a:spcBef>
+                <a:spcPts val="0"/>
+              </a:spcBef>
+              <a:spcAft>
+                <a:spcPts val="0"/>
+              </a:spcAft>
+              <a:buClrTx/>
+              <a:buSzTx/>
+              <a:buFontTx/>
+              <a:buNone/>
+              <a:tabLst/>
+              <a:defRPr/>
+            </a:pPr>
             <a:r>
               <a:rPr kumimoji="0" lang="en-US" sz="1600" b="0" i="0" u="none" strike="noStrike" kern="1200" cap="none" spc="0" normalizeH="0" baseline="0" noProof="0" dirty="0">
                 <a:ln>
@@ -4554,7 +4736,7 @@
                 <a:ea typeface="+mn-ea"/>
                 <a:cs typeface="+mn-cs"/>
               </a:rPr>
-              <a:t>v-search</a:t>
+              <a:t>av-foundations</a:t>
             </a:r>
             <a:endParaRPr kumimoji="0" lang="en-US" sz="800" b="0" i="0" u="none" strike="noStrike" kern="1200" cap="none" spc="0" normalizeH="0" baseline="0" noProof="0" dirty="0">
               <a:ln>
@@ -4623,1355 +4805,6 @@
           </a:p>
         </p:txBody>
       </p:sp>
-      <p:cxnSp>
-        <p:nvCxnSpPr>
-          <p:cNvPr id="473" name="Straight Arrow Connector 472">
-            <a:extLst>
-              <a:ext uri="{FF2B5EF4-FFF2-40B4-BE49-F238E27FC236}">
-                <a16:creationId xmlns:a16="http://schemas.microsoft.com/office/drawing/2014/main" id="{57086C7C-8431-E586-2E25-37DD9617C0D1}"/>
-              </a:ext>
-            </a:extLst>
-          </p:cNvPr>
-          <p:cNvCxnSpPr>
-            <a:cxnSpLocks/>
-            <a:stCxn id="477" idx="2"/>
-            <a:endCxn id="476" idx="0"/>
-          </p:cNvCxnSpPr>
-          <p:nvPr/>
-        </p:nvCxnSpPr>
-        <p:spPr>
-          <a:xfrm flipH="1">
-            <a:off x="5453460" y="3219729"/>
-            <a:ext cx="1806" cy="472769"/>
-          </a:xfrm>
-          <a:prstGeom prst="straightConnector1">
-            <a:avLst/>
-          </a:prstGeom>
-          <a:ln>
-            <a:solidFill>
-              <a:schemeClr val="tx1">
-                <a:lumMod val="50000"/>
-                <a:lumOff val="50000"/>
-              </a:schemeClr>
-            </a:solidFill>
-            <a:tailEnd type="triangle"/>
-          </a:ln>
-        </p:spPr>
-        <p:style>
-          <a:lnRef idx="1">
-            <a:schemeClr val="accent1"/>
-          </a:lnRef>
-          <a:fillRef idx="0">
-            <a:schemeClr val="accent1"/>
-          </a:fillRef>
-          <a:effectRef idx="0">
-            <a:schemeClr val="accent1"/>
-          </a:effectRef>
-          <a:fontRef idx="minor">
-            <a:schemeClr val="tx1"/>
-          </a:fontRef>
-        </p:style>
-      </p:cxnSp>
-      <p:cxnSp>
-        <p:nvCxnSpPr>
-          <p:cNvPr id="474" name="Straight Arrow Connector 105">
-            <a:extLst>
-              <a:ext uri="{FF2B5EF4-FFF2-40B4-BE49-F238E27FC236}">
-                <a16:creationId xmlns:a16="http://schemas.microsoft.com/office/drawing/2014/main" id="{021F2F1D-EEBC-DD25-A3C1-10D7FD90CF53}"/>
-              </a:ext>
-            </a:extLst>
-          </p:cNvPr>
-          <p:cNvCxnSpPr>
-            <a:cxnSpLocks/>
-            <a:stCxn id="471" idx="3"/>
-            <a:endCxn id="470" idx="1"/>
-          </p:cNvCxnSpPr>
-          <p:nvPr/>
-        </p:nvCxnSpPr>
-        <p:spPr>
-          <a:xfrm>
-            <a:off x="4366615" y="5635214"/>
-            <a:ext cx="299114" cy="3162"/>
-          </a:xfrm>
-          <a:prstGeom prst="straightConnector1">
-            <a:avLst/>
-          </a:prstGeom>
-          <a:ln>
-            <a:solidFill>
-              <a:schemeClr val="tx1">
-                <a:lumMod val="65000"/>
-                <a:lumOff val="35000"/>
-              </a:schemeClr>
-            </a:solidFill>
-            <a:tailEnd type="triangle"/>
-          </a:ln>
-        </p:spPr>
-        <p:style>
-          <a:lnRef idx="1">
-            <a:schemeClr val="accent1"/>
-          </a:lnRef>
-          <a:fillRef idx="0">
-            <a:schemeClr val="accent1"/>
-          </a:fillRef>
-          <a:effectRef idx="0">
-            <a:schemeClr val="accent1"/>
-          </a:effectRef>
-          <a:fontRef idx="minor">
-            <a:schemeClr val="tx1"/>
-          </a:fontRef>
-        </p:style>
-      </p:cxnSp>
-      <p:cxnSp>
-        <p:nvCxnSpPr>
-          <p:cNvPr id="475" name="Straight Arrow Connector 105">
-            <a:extLst>
-              <a:ext uri="{FF2B5EF4-FFF2-40B4-BE49-F238E27FC236}">
-                <a16:creationId xmlns:a16="http://schemas.microsoft.com/office/drawing/2014/main" id="{C40FC7E6-FA96-E9C3-D2BE-4B110A9B8362}"/>
-              </a:ext>
-            </a:extLst>
-          </p:cNvPr>
-          <p:cNvCxnSpPr>
-            <a:cxnSpLocks/>
-            <a:stCxn id="480" idx="2"/>
-            <a:endCxn id="471" idx="0"/>
-          </p:cNvCxnSpPr>
-          <p:nvPr/>
-        </p:nvCxnSpPr>
-        <p:spPr>
-          <a:xfrm rot="5400000">
-            <a:off x="3345279" y="4909357"/>
-            <a:ext cx="469607" cy="2392"/>
-          </a:xfrm>
-          <a:prstGeom prst="bentConnector3">
-            <a:avLst>
-              <a:gd name="adj1" fmla="val 50000"/>
-            </a:avLst>
-          </a:prstGeom>
-          <a:ln>
-            <a:solidFill>
-              <a:schemeClr val="tx1">
-                <a:lumMod val="65000"/>
-                <a:lumOff val="35000"/>
-              </a:schemeClr>
-            </a:solidFill>
-            <a:tailEnd type="triangle"/>
-          </a:ln>
-        </p:spPr>
-        <p:style>
-          <a:lnRef idx="1">
-            <a:schemeClr val="accent1"/>
-          </a:lnRef>
-          <a:fillRef idx="0">
-            <a:schemeClr val="accent1"/>
-          </a:fillRef>
-          <a:effectRef idx="0">
-            <a:schemeClr val="accent1"/>
-          </a:effectRef>
-          <a:fontRef idx="minor">
-            <a:schemeClr val="tx1"/>
-          </a:fontRef>
-        </p:style>
-      </p:cxnSp>
-      <p:sp>
-        <p:nvSpPr>
-          <p:cNvPr id="476" name="Rectangle 475">
-            <a:extLst>
-              <a:ext uri="{FF2B5EF4-FFF2-40B4-BE49-F238E27FC236}">
-                <a16:creationId xmlns:a16="http://schemas.microsoft.com/office/drawing/2014/main" id="{539C83AB-00A2-B47A-EB35-F208FF4A2650}"/>
-              </a:ext>
-            </a:extLst>
-          </p:cNvPr>
-          <p:cNvSpPr/>
-          <p:nvPr/>
-        </p:nvSpPr>
-        <p:spPr>
-          <a:xfrm>
-            <a:off x="4665730" y="3692498"/>
-            <a:ext cx="1575459" cy="979714"/>
-          </a:xfrm>
-          <a:prstGeom prst="rect">
-            <a:avLst/>
-          </a:prstGeom>
-          <a:solidFill>
-            <a:schemeClr val="accent1">
-              <a:lumMod val="50000"/>
-            </a:schemeClr>
-          </a:solidFill>
-        </p:spPr>
-        <p:style>
-          <a:lnRef idx="2">
-            <a:schemeClr val="accent1">
-              <a:shade val="50000"/>
-            </a:schemeClr>
-          </a:lnRef>
-          <a:fillRef idx="1">
-            <a:schemeClr val="accent1"/>
-          </a:fillRef>
-          <a:effectRef idx="0">
-            <a:schemeClr val="accent1"/>
-          </a:effectRef>
-          <a:fontRef idx="minor">
-            <a:schemeClr val="lt1"/>
-          </a:fontRef>
-        </p:style>
-        <p:txBody>
-          <a:bodyPr rtlCol="0" anchor="ctr"/>
-          <a:lstStyle/>
-          <a:p>
-            <a:pPr marL="0" marR="0" lvl="0" indent="0" algn="ctr" defTabSz="914400" rtl="0" eaLnBrk="1" fontAlgn="auto" latinLnBrk="0" hangingPunct="1">
-              <a:lnSpc>
-                <a:spcPct val="100000"/>
-              </a:lnSpc>
-              <a:spcBef>
-                <a:spcPts val="0"/>
-              </a:spcBef>
-              <a:spcAft>
-                <a:spcPts val="0"/>
-              </a:spcAft>
-              <a:buClrTx/>
-              <a:buSzTx/>
-              <a:buFontTx/>
-              <a:buNone/>
-              <a:tabLst/>
-              <a:defRPr/>
-            </a:pPr>
-            <a:r>
-              <a:rPr lang="en-US" sz="1600" dirty="0" err="1">
-                <a:solidFill>
-                  <a:prstClr val="white"/>
-                </a:solidFill>
-                <a:latin typeface="Calibri" panose="020F0502020204030204"/>
-              </a:rPr>
-              <a:t>Xvmem</a:t>
-            </a:r>
-            <a:endParaRPr lang="en-US" sz="800" dirty="0">
-              <a:solidFill>
-                <a:prstClr val="white"/>
-              </a:solidFill>
-              <a:latin typeface="Calibri" panose="020F0502020204030204"/>
-            </a:endParaRPr>
-          </a:p>
-          <a:p>
-            <a:pPr marL="0" marR="0" lvl="0" indent="0" algn="ctr" defTabSz="914400" rtl="0" eaLnBrk="1" fontAlgn="auto" latinLnBrk="0" hangingPunct="1">
-              <a:lnSpc>
-                <a:spcPct val="100000"/>
-              </a:lnSpc>
-              <a:spcBef>
-                <a:spcPts val="0"/>
-              </a:spcBef>
-              <a:spcAft>
-                <a:spcPts val="0"/>
-              </a:spcAft>
-              <a:buClrTx/>
-              <a:buSzTx/>
-              <a:buFontTx/>
-              <a:buNone/>
-              <a:tabLst/>
-              <a:defRPr/>
-            </a:pPr>
-            <a:r>
-              <a:rPr kumimoji="0" lang="en-US" sz="800" b="0" i="0" u="none" strike="noStrike" kern="1200" cap="none" spc="0" normalizeH="0" baseline="0" noProof="0" dirty="0">
-                <a:ln>
-                  <a:noFill/>
-                </a:ln>
-                <a:solidFill>
-                  <a:prstClr val="white"/>
-                </a:solidFill>
-                <a:effectLst/>
-                <a:uLnTx/>
-                <a:uFillTx/>
-                <a:latin typeface="Calibri" panose="020F0502020204030204"/>
-                <a:ea typeface="+mn-ea"/>
-                <a:cs typeface="+mn-cs"/>
-              </a:rPr>
-              <a:t>[C++]</a:t>
-            </a:r>
-          </a:p>
-        </p:txBody>
-      </p:sp>
-      <p:grpSp>
-        <p:nvGrpSpPr>
-          <p:cNvPr id="478" name="Group 477">
-            <a:extLst>
-              <a:ext uri="{FF2B5EF4-FFF2-40B4-BE49-F238E27FC236}">
-                <a16:creationId xmlns:a16="http://schemas.microsoft.com/office/drawing/2014/main" id="{19E409C5-259D-9FF3-8561-F37E2698FB92}"/>
-              </a:ext>
-            </a:extLst>
-          </p:cNvPr>
-          <p:cNvGrpSpPr/>
-          <p:nvPr/>
-        </p:nvGrpSpPr>
-        <p:grpSpPr>
-          <a:xfrm>
-            <a:off x="3581278" y="2727248"/>
-            <a:ext cx="1086258" cy="1824882"/>
-            <a:chOff x="7102978" y="2212564"/>
-            <a:chExt cx="1086258" cy="2165332"/>
-          </a:xfrm>
-        </p:grpSpPr>
-        <p:cxnSp>
-          <p:nvCxnSpPr>
-            <p:cNvPr id="490" name="Straight Arrow Connector 105">
-              <a:extLst>
-                <a:ext uri="{FF2B5EF4-FFF2-40B4-BE49-F238E27FC236}">
-                  <a16:creationId xmlns:a16="http://schemas.microsoft.com/office/drawing/2014/main" id="{4358AA7E-B0A5-4BD0-EA6F-D5653B77733C}"/>
-                </a:ext>
-              </a:extLst>
-            </p:cNvPr>
-            <p:cNvCxnSpPr>
-              <a:cxnSpLocks/>
-            </p:cNvCxnSpPr>
-            <p:nvPr/>
-          </p:nvCxnSpPr>
-          <p:spPr>
-            <a:xfrm rot="5400000" flipH="1" flipV="1">
-              <a:off x="6673168" y="2861828"/>
-              <a:ext cx="1945878" cy="1086258"/>
-            </a:xfrm>
-            <a:prstGeom prst="bentConnector4">
-              <a:avLst>
-                <a:gd name="adj1" fmla="val 36497"/>
-                <a:gd name="adj2" fmla="val 86259"/>
-              </a:avLst>
-            </a:prstGeom>
-            <a:ln>
-              <a:solidFill>
-                <a:schemeClr val="tx1">
-                  <a:lumMod val="65000"/>
-                  <a:lumOff val="35000"/>
-                </a:schemeClr>
-              </a:solidFill>
-              <a:tailEnd type="triangle"/>
-            </a:ln>
-          </p:spPr>
-          <p:style>
-            <a:lnRef idx="1">
-              <a:schemeClr val="accent1"/>
-            </a:lnRef>
-            <a:fillRef idx="0">
-              <a:schemeClr val="accent1"/>
-            </a:fillRef>
-            <a:effectRef idx="0">
-              <a:schemeClr val="accent1"/>
-            </a:effectRef>
-            <a:fontRef idx="minor">
-              <a:schemeClr val="tx1"/>
-            </a:fontRef>
-          </p:style>
-        </p:cxnSp>
-        <p:cxnSp>
-          <p:nvCxnSpPr>
-            <p:cNvPr id="493" name="Straight Arrow Connector 492">
-              <a:extLst>
-                <a:ext uri="{FF2B5EF4-FFF2-40B4-BE49-F238E27FC236}">
-                  <a16:creationId xmlns:a16="http://schemas.microsoft.com/office/drawing/2014/main" id="{BF67156E-4085-D07C-24EF-282E53DF9C43}"/>
-                </a:ext>
-              </a:extLst>
-            </p:cNvPr>
-            <p:cNvCxnSpPr>
-              <a:cxnSpLocks/>
-              <a:stCxn id="472" idx="3"/>
-              <a:endCxn id="477" idx="1"/>
-            </p:cNvCxnSpPr>
-            <p:nvPr/>
-          </p:nvCxnSpPr>
-          <p:spPr>
-            <a:xfrm>
-              <a:off x="7892514" y="2212564"/>
-              <a:ext cx="296722" cy="3114"/>
-            </a:xfrm>
-            <a:prstGeom prst="straightConnector1">
-              <a:avLst/>
-            </a:prstGeom>
-            <a:ln>
-              <a:solidFill>
-                <a:schemeClr val="tx1">
-                  <a:lumMod val="50000"/>
-                  <a:lumOff val="50000"/>
-                </a:schemeClr>
-              </a:solidFill>
-              <a:tailEnd type="triangle"/>
-            </a:ln>
-          </p:spPr>
-          <p:style>
-            <a:lnRef idx="1">
-              <a:schemeClr val="accent1"/>
-            </a:lnRef>
-            <a:fillRef idx="0">
-              <a:schemeClr val="accent1"/>
-            </a:fillRef>
-            <a:effectRef idx="0">
-              <a:schemeClr val="accent1"/>
-            </a:effectRef>
-            <a:fontRef idx="minor">
-              <a:schemeClr val="tx1"/>
-            </a:fontRef>
-          </p:style>
-        </p:cxnSp>
-      </p:grpSp>
-      <p:grpSp>
-        <p:nvGrpSpPr>
-          <p:cNvPr id="479" name="Group 478">
-            <a:extLst>
-              <a:ext uri="{FF2B5EF4-FFF2-40B4-BE49-F238E27FC236}">
-                <a16:creationId xmlns:a16="http://schemas.microsoft.com/office/drawing/2014/main" id="{A6623918-3C47-1281-331A-AFEB0D8FD199}"/>
-              </a:ext>
-            </a:extLst>
-          </p:cNvPr>
-          <p:cNvGrpSpPr/>
-          <p:nvPr/>
-        </p:nvGrpSpPr>
-        <p:grpSpPr>
-          <a:xfrm>
-            <a:off x="4418181" y="5065918"/>
-            <a:ext cx="260145" cy="1130530"/>
-            <a:chOff x="9841804" y="4536961"/>
-            <a:chExt cx="260145" cy="1130530"/>
-          </a:xfrm>
-        </p:grpSpPr>
-        <p:grpSp>
-          <p:nvGrpSpPr>
-            <p:cNvPr id="482" name="Group 481">
-              <a:extLst>
-                <a:ext uri="{FF2B5EF4-FFF2-40B4-BE49-F238E27FC236}">
-                  <a16:creationId xmlns:a16="http://schemas.microsoft.com/office/drawing/2014/main" id="{7E87460B-7681-06CE-5506-A40A07891E56}"/>
-                </a:ext>
-              </a:extLst>
-            </p:cNvPr>
-            <p:cNvGrpSpPr/>
-            <p:nvPr/>
-          </p:nvGrpSpPr>
-          <p:grpSpPr>
-            <a:xfrm rot="16200000">
-              <a:off x="9601308" y="5166854"/>
-              <a:ext cx="741133" cy="260141"/>
-              <a:chOff x="7686586" y="4456943"/>
-              <a:chExt cx="741133" cy="260141"/>
-            </a:xfrm>
-          </p:grpSpPr>
-          <p:sp>
-            <p:nvSpPr>
-              <p:cNvPr id="486" name="TextBox 485">
-                <a:extLst>
-                  <a:ext uri="{FF2B5EF4-FFF2-40B4-BE49-F238E27FC236}">
-                    <a16:creationId xmlns:a16="http://schemas.microsoft.com/office/drawing/2014/main" id="{80BF5B4C-CF3F-6332-E589-C1299736929A}"/>
-                  </a:ext>
-                </a:extLst>
-              </p:cNvPr>
-              <p:cNvSpPr txBox="1"/>
-              <p:nvPr/>
-            </p:nvSpPr>
-            <p:spPr>
-              <a:xfrm>
-                <a:off x="7686586" y="4501640"/>
-                <a:ext cx="741133" cy="215444"/>
-              </a:xfrm>
-              <a:prstGeom prst="rect">
-                <a:avLst/>
-              </a:prstGeom>
-              <a:noFill/>
-            </p:spPr>
-            <p:txBody>
-              <a:bodyPr wrap="square" rtlCol="0">
-                <a:spAutoFit/>
-              </a:bodyPr>
-              <a:lstStyle/>
-              <a:p>
-                <a:pPr algn="ctr"/>
-                <a:r>
-                  <a:rPr lang="en-US" sz="800" dirty="0" err="1">
-                    <a:solidFill>
-                      <a:schemeClr val="tx1">
-                        <a:lumMod val="50000"/>
-                        <a:lumOff val="50000"/>
-                      </a:schemeClr>
-                    </a:solidFill>
-                  </a:rPr>
-                  <a:t>json</a:t>
-                </a:r>
-                <a:endParaRPr lang="en-US" sz="800" dirty="0">
-                  <a:solidFill>
-                    <a:schemeClr val="tx1">
-                      <a:lumMod val="50000"/>
-                      <a:lumOff val="50000"/>
-                    </a:schemeClr>
-                  </a:solidFill>
-                </a:endParaRPr>
-              </a:p>
-            </p:txBody>
-          </p:sp>
-          <p:cxnSp>
-            <p:nvCxnSpPr>
-              <p:cNvPr id="487" name="Connector: Elbow 5">
-                <a:extLst>
-                  <a:ext uri="{FF2B5EF4-FFF2-40B4-BE49-F238E27FC236}">
-                    <a16:creationId xmlns:a16="http://schemas.microsoft.com/office/drawing/2014/main" id="{89F0C366-7B5B-C9BD-0C08-C52D6F4DE617}"/>
-                  </a:ext>
-                </a:extLst>
-              </p:cNvPr>
-              <p:cNvCxnSpPr>
-                <a:cxnSpLocks/>
-              </p:cNvCxnSpPr>
-              <p:nvPr/>
-            </p:nvCxnSpPr>
-            <p:spPr>
-              <a:xfrm flipV="1">
-                <a:off x="8032289" y="4456943"/>
-                <a:ext cx="0" cy="109794"/>
-              </a:xfrm>
-              <a:prstGeom prst="straightConnector1">
-                <a:avLst/>
-              </a:prstGeom>
-              <a:ln>
-                <a:tailEnd type="triangle"/>
-              </a:ln>
-            </p:spPr>
-            <p:style>
-              <a:lnRef idx="1">
-                <a:schemeClr val="accent1"/>
-              </a:lnRef>
-              <a:fillRef idx="0">
-                <a:schemeClr val="accent1"/>
-              </a:fillRef>
-              <a:effectRef idx="0">
-                <a:schemeClr val="accent1"/>
-              </a:effectRef>
-              <a:fontRef idx="minor">
-                <a:schemeClr val="tx1"/>
-              </a:fontRef>
-            </p:style>
-          </p:cxnSp>
-        </p:grpSp>
-        <p:grpSp>
-          <p:nvGrpSpPr>
-            <p:cNvPr id="483" name="Group 482">
-              <a:extLst>
-                <a:ext uri="{FF2B5EF4-FFF2-40B4-BE49-F238E27FC236}">
-                  <a16:creationId xmlns:a16="http://schemas.microsoft.com/office/drawing/2014/main" id="{9601CF73-C5AE-052A-4E67-B2D425EBC023}"/>
-                </a:ext>
-              </a:extLst>
-            </p:cNvPr>
-            <p:cNvGrpSpPr/>
-            <p:nvPr/>
-          </p:nvGrpSpPr>
-          <p:grpSpPr>
-            <a:xfrm rot="16200000">
-              <a:off x="9601311" y="4777457"/>
-              <a:ext cx="741133" cy="260142"/>
-              <a:chOff x="7686587" y="4456943"/>
-              <a:chExt cx="741133" cy="260142"/>
-            </a:xfrm>
-          </p:grpSpPr>
-          <p:sp>
-            <p:nvSpPr>
-              <p:cNvPr id="484" name="TextBox 483">
-                <a:extLst>
-                  <a:ext uri="{FF2B5EF4-FFF2-40B4-BE49-F238E27FC236}">
-                    <a16:creationId xmlns:a16="http://schemas.microsoft.com/office/drawing/2014/main" id="{3B045232-8EA0-69B4-BAEB-3BD90DDD926D}"/>
-                  </a:ext>
-                </a:extLst>
-              </p:cNvPr>
-              <p:cNvSpPr txBox="1"/>
-              <p:nvPr/>
-            </p:nvSpPr>
-            <p:spPr>
-              <a:xfrm>
-                <a:off x="7686587" y="4501641"/>
-                <a:ext cx="741133" cy="215444"/>
-              </a:xfrm>
-              <a:prstGeom prst="rect">
-                <a:avLst/>
-              </a:prstGeom>
-              <a:noFill/>
-            </p:spPr>
-            <p:txBody>
-              <a:bodyPr wrap="square" rtlCol="0">
-                <a:spAutoFit/>
-              </a:bodyPr>
-              <a:lstStyle/>
-              <a:p>
-                <a:pPr algn="ctr"/>
-                <a:r>
-                  <a:rPr lang="en-US" sz="800" dirty="0">
-                    <a:solidFill>
-                      <a:schemeClr val="tx1">
-                        <a:lumMod val="50000"/>
-                        <a:lumOff val="50000"/>
-                      </a:schemeClr>
-                    </a:solidFill>
-                  </a:rPr>
-                  <a:t>string</a:t>
-                </a:r>
-              </a:p>
-            </p:txBody>
-          </p:sp>
-          <p:cxnSp>
-            <p:nvCxnSpPr>
-              <p:cNvPr id="485" name="Connector: Elbow 5">
-                <a:extLst>
-                  <a:ext uri="{FF2B5EF4-FFF2-40B4-BE49-F238E27FC236}">
-                    <a16:creationId xmlns:a16="http://schemas.microsoft.com/office/drawing/2014/main" id="{28E04310-6D2D-5310-8033-01CA539D481C}"/>
-                  </a:ext>
-                </a:extLst>
-              </p:cNvPr>
-              <p:cNvCxnSpPr>
-                <a:cxnSpLocks/>
-              </p:cNvCxnSpPr>
-              <p:nvPr/>
-            </p:nvCxnSpPr>
-            <p:spPr>
-              <a:xfrm>
-                <a:off x="8032289" y="4456943"/>
-                <a:ext cx="0" cy="109794"/>
-              </a:xfrm>
-              <a:prstGeom prst="straightConnector1">
-                <a:avLst/>
-              </a:prstGeom>
-              <a:ln>
-                <a:tailEnd type="triangle"/>
-              </a:ln>
-            </p:spPr>
-            <p:style>
-              <a:lnRef idx="1">
-                <a:schemeClr val="accent1"/>
-              </a:lnRef>
-              <a:fillRef idx="0">
-                <a:schemeClr val="accent1"/>
-              </a:fillRef>
-              <a:effectRef idx="0">
-                <a:schemeClr val="accent1"/>
-              </a:effectRef>
-              <a:fontRef idx="minor">
-                <a:schemeClr val="tx1"/>
-              </a:fontRef>
-            </p:style>
-          </p:cxnSp>
-        </p:grpSp>
-      </p:grpSp>
-      <p:cxnSp>
-        <p:nvCxnSpPr>
-          <p:cNvPr id="494" name="Straight Arrow Connector 105">
-            <a:extLst>
-              <a:ext uri="{FF2B5EF4-FFF2-40B4-BE49-F238E27FC236}">
-                <a16:creationId xmlns:a16="http://schemas.microsoft.com/office/drawing/2014/main" id="{FA22D0D8-AC79-9944-FA2C-ED4D56175D65}"/>
-              </a:ext>
-            </a:extLst>
-          </p:cNvPr>
-          <p:cNvCxnSpPr>
-            <a:cxnSpLocks/>
-          </p:cNvCxnSpPr>
-          <p:nvPr/>
-        </p:nvCxnSpPr>
-        <p:spPr>
-          <a:xfrm>
-            <a:off x="6093826" y="2742390"/>
-            <a:ext cx="511672" cy="182"/>
-          </a:xfrm>
-          <a:prstGeom prst="bentConnector3">
-            <a:avLst>
-              <a:gd name="adj1" fmla="val 50000"/>
-            </a:avLst>
-          </a:prstGeom>
-          <a:ln>
-            <a:solidFill>
-              <a:schemeClr val="tx1">
-                <a:lumMod val="65000"/>
-                <a:lumOff val="35000"/>
-              </a:schemeClr>
-            </a:solidFill>
-            <a:tailEnd type="triangle"/>
-          </a:ln>
-        </p:spPr>
-        <p:style>
-          <a:lnRef idx="1">
-            <a:schemeClr val="accent1"/>
-          </a:lnRef>
-          <a:fillRef idx="0">
-            <a:schemeClr val="accent1"/>
-          </a:fillRef>
-          <a:effectRef idx="0">
-            <a:schemeClr val="accent1"/>
-          </a:effectRef>
-          <a:fontRef idx="minor">
-            <a:schemeClr val="tx1"/>
-          </a:fontRef>
-        </p:style>
-      </p:cxnSp>
-      <p:sp>
-        <p:nvSpPr>
-          <p:cNvPr id="477" name="Rectangle 476">
-            <a:extLst>
-              <a:ext uri="{FF2B5EF4-FFF2-40B4-BE49-F238E27FC236}">
-                <a16:creationId xmlns:a16="http://schemas.microsoft.com/office/drawing/2014/main" id="{71AEED0B-3E32-65F5-6740-EB3C9CE0F3E8}"/>
-              </a:ext>
-            </a:extLst>
-          </p:cNvPr>
-          <p:cNvSpPr/>
-          <p:nvPr/>
-        </p:nvSpPr>
-        <p:spPr>
-          <a:xfrm>
-            <a:off x="4667536" y="2240015"/>
-            <a:ext cx="1575459" cy="979714"/>
-          </a:xfrm>
-          <a:prstGeom prst="rect">
-            <a:avLst/>
-          </a:prstGeom>
-          <a:solidFill>
-            <a:schemeClr val="accent1">
-              <a:lumMod val="50000"/>
-            </a:schemeClr>
-          </a:solidFill>
-        </p:spPr>
-        <p:style>
-          <a:lnRef idx="2">
-            <a:schemeClr val="accent1">
-              <a:shade val="50000"/>
-            </a:schemeClr>
-          </a:lnRef>
-          <a:fillRef idx="1">
-            <a:schemeClr val="accent1"/>
-          </a:fillRef>
-          <a:effectRef idx="0">
-            <a:schemeClr val="accent1"/>
-          </a:effectRef>
-          <a:fontRef idx="minor">
-            <a:schemeClr val="lt1"/>
-          </a:fontRef>
-        </p:style>
-        <p:txBody>
-          <a:bodyPr tIns="91440" rtlCol="0" anchor="ctr" anchorCtr="0"/>
-          <a:lstStyle/>
-          <a:p>
-            <a:pPr marL="0" marR="0" lvl="0" indent="0" algn="ctr" defTabSz="914400" rtl="0" eaLnBrk="1" fontAlgn="auto" latinLnBrk="0" hangingPunct="1">
-              <a:lnSpc>
-                <a:spcPct val="100000"/>
-              </a:lnSpc>
-              <a:spcBef>
-                <a:spcPts val="0"/>
-              </a:spcBef>
-              <a:spcAft>
-                <a:spcPts val="0"/>
-              </a:spcAft>
-              <a:buClrTx/>
-              <a:buSzTx/>
-              <a:buFontTx/>
-              <a:buNone/>
-              <a:tabLst/>
-              <a:defRPr/>
-            </a:pPr>
-            <a:r>
-              <a:rPr kumimoji="0" lang="en-US" sz="1600" b="0" i="0" u="none" strike="noStrike" kern="1200" cap="none" spc="0" normalizeH="0" baseline="0" noProof="0" dirty="0">
-                <a:ln>
-                  <a:noFill/>
-                </a:ln>
-                <a:solidFill>
-                  <a:prstClr val="white"/>
-                </a:solidFill>
-                <a:effectLst/>
-                <a:uLnTx/>
-                <a:uFillTx/>
-                <a:latin typeface="Calibri" panose="020F0502020204030204"/>
-                <a:ea typeface="+mn-ea"/>
-                <a:cs typeface="+mn-cs"/>
-              </a:rPr>
-              <a:t>av-foundations</a:t>
-            </a:r>
-            <a:endParaRPr kumimoji="0" lang="en-US" sz="800" b="0" i="0" u="none" strike="noStrike" kern="1200" cap="none" spc="0" normalizeH="0" baseline="0" noProof="0" dirty="0">
-              <a:ln>
-                <a:noFill/>
-              </a:ln>
-              <a:solidFill>
-                <a:prstClr val="white"/>
-              </a:solidFill>
-              <a:effectLst/>
-              <a:uLnTx/>
-              <a:uFillTx/>
-              <a:latin typeface="Calibri" panose="020F0502020204030204"/>
-              <a:ea typeface="+mn-ea"/>
-              <a:cs typeface="+mn-cs"/>
-            </a:endParaRPr>
-          </a:p>
-          <a:p>
-            <a:pPr marL="0" marR="0" lvl="0" indent="0" algn="ctr" defTabSz="914400" rtl="0" eaLnBrk="1" fontAlgn="auto" latinLnBrk="0" hangingPunct="1">
-              <a:lnSpc>
-                <a:spcPct val="100000"/>
-              </a:lnSpc>
-              <a:spcBef>
-                <a:spcPts val="0"/>
-              </a:spcBef>
-              <a:spcAft>
-                <a:spcPts val="0"/>
-              </a:spcAft>
-              <a:buClrTx/>
-              <a:buSzTx/>
-              <a:buFontTx/>
-              <a:buNone/>
-              <a:tabLst/>
-              <a:defRPr/>
-            </a:pPr>
-            <a:r>
-              <a:rPr kumimoji="0" lang="en-US" sz="800" b="0" i="0" u="none" strike="noStrike" kern="1200" cap="none" spc="0" normalizeH="0" baseline="0" noProof="0" dirty="0">
-                <a:ln>
-                  <a:noFill/>
-                </a:ln>
-                <a:solidFill>
-                  <a:prstClr val="white"/>
-                </a:solidFill>
-                <a:effectLst/>
-                <a:uLnTx/>
-                <a:uFillTx/>
-                <a:latin typeface="Calibri" panose="020F0502020204030204"/>
-                <a:ea typeface="+mn-ea"/>
-                <a:cs typeface="+mn-cs"/>
-              </a:rPr>
-              <a:t>[C++]</a:t>
-            </a:r>
-            <a:endParaRPr kumimoji="0" lang="en-US" sz="1600" b="0" i="0" u="none" strike="noStrike" kern="1200" cap="none" spc="0" normalizeH="0" baseline="0" noProof="0" dirty="0">
-              <a:ln>
-                <a:noFill/>
-              </a:ln>
-              <a:solidFill>
-                <a:prstClr val="white"/>
-              </a:solidFill>
-              <a:effectLst/>
-              <a:uLnTx/>
-              <a:uFillTx/>
-              <a:latin typeface="Calibri" panose="020F0502020204030204"/>
-              <a:ea typeface="+mn-ea"/>
-              <a:cs typeface="+mn-cs"/>
-            </a:endParaRPr>
-          </a:p>
-        </p:txBody>
-      </p:sp>
-      <p:grpSp>
-        <p:nvGrpSpPr>
-          <p:cNvPr id="498" name="Group 497">
-            <a:extLst>
-              <a:ext uri="{FF2B5EF4-FFF2-40B4-BE49-F238E27FC236}">
-                <a16:creationId xmlns:a16="http://schemas.microsoft.com/office/drawing/2014/main" id="{2EA48899-5520-2CDC-7171-4AE6398F2150}"/>
-              </a:ext>
-            </a:extLst>
-          </p:cNvPr>
-          <p:cNvGrpSpPr/>
-          <p:nvPr/>
-        </p:nvGrpSpPr>
-        <p:grpSpPr>
-          <a:xfrm>
-            <a:off x="6303055" y="5390722"/>
-            <a:ext cx="1015341" cy="760388"/>
-            <a:chOff x="3791378" y="3615014"/>
-            <a:chExt cx="1498417" cy="1119069"/>
-          </a:xfrm>
-        </p:grpSpPr>
-        <p:grpSp>
-          <p:nvGrpSpPr>
-            <p:cNvPr id="499" name="Group 498">
-              <a:extLst>
-                <a:ext uri="{FF2B5EF4-FFF2-40B4-BE49-F238E27FC236}">
-                  <a16:creationId xmlns:a16="http://schemas.microsoft.com/office/drawing/2014/main" id="{F4D92829-156B-5647-3915-96E0436CAAB7}"/>
-                </a:ext>
-              </a:extLst>
-            </p:cNvPr>
-            <p:cNvGrpSpPr/>
-            <p:nvPr/>
-          </p:nvGrpSpPr>
-          <p:grpSpPr>
-            <a:xfrm>
-              <a:off x="4266872" y="3615014"/>
-              <a:ext cx="488454" cy="707199"/>
-              <a:chOff x="1272930" y="2721801"/>
-              <a:chExt cx="488454" cy="707199"/>
-            </a:xfrm>
-          </p:grpSpPr>
-          <p:grpSp>
-            <p:nvGrpSpPr>
-              <p:cNvPr id="504" name="Group 503">
-                <a:extLst>
-                  <a:ext uri="{FF2B5EF4-FFF2-40B4-BE49-F238E27FC236}">
-                    <a16:creationId xmlns:a16="http://schemas.microsoft.com/office/drawing/2014/main" id="{3B28BF3B-27E3-46F4-60F4-A367AF7BFD47}"/>
-                  </a:ext>
-                </a:extLst>
-              </p:cNvPr>
-              <p:cNvGrpSpPr/>
-              <p:nvPr/>
-            </p:nvGrpSpPr>
-            <p:grpSpPr>
-              <a:xfrm>
-                <a:off x="1272930" y="2721801"/>
-                <a:ext cx="488454" cy="707199"/>
-                <a:chOff x="2082555" y="2721801"/>
-                <a:chExt cx="488454" cy="707199"/>
-              </a:xfrm>
-            </p:grpSpPr>
-            <p:sp>
-              <p:nvSpPr>
-                <p:cNvPr id="538" name="Rectangle 537">
-                  <a:extLst>
-                    <a:ext uri="{FF2B5EF4-FFF2-40B4-BE49-F238E27FC236}">
-                      <a16:creationId xmlns:a16="http://schemas.microsoft.com/office/drawing/2014/main" id="{6A5DFE61-03AC-E95F-C8A6-9C4CB1721A7A}"/>
-                    </a:ext>
-                  </a:extLst>
-                </p:cNvPr>
-                <p:cNvSpPr/>
-                <p:nvPr/>
-              </p:nvSpPr>
-              <p:spPr>
-                <a:xfrm>
-                  <a:off x="2107871" y="2796639"/>
-                  <a:ext cx="463138" cy="632361"/>
-                </a:xfrm>
-                <a:prstGeom prst="rect">
-                  <a:avLst/>
-                </a:prstGeom>
-                <a:solidFill>
-                  <a:schemeClr val="accent1">
-                    <a:lumMod val="60000"/>
-                    <a:lumOff val="40000"/>
-                  </a:schemeClr>
-                </a:solidFill>
-              </p:spPr>
-              <p:style>
-                <a:lnRef idx="2">
-                  <a:schemeClr val="accent1">
-                    <a:shade val="50000"/>
-                  </a:schemeClr>
-                </a:lnRef>
-                <a:fillRef idx="1">
-                  <a:schemeClr val="accent1"/>
-                </a:fillRef>
-                <a:effectRef idx="0">
-                  <a:schemeClr val="accent1"/>
-                </a:effectRef>
-                <a:fontRef idx="minor">
-                  <a:schemeClr val="lt1"/>
-                </a:fontRef>
-              </p:style>
-              <p:txBody>
-                <a:bodyPr rtlCol="0" anchor="ctr"/>
-                <a:lstStyle/>
-                <a:p>
-                  <a:pPr algn="ctr"/>
-                  <a:endParaRPr lang="en-US"/>
-                </a:p>
-              </p:txBody>
-            </p:sp>
-            <p:sp>
-              <p:nvSpPr>
-                <p:cNvPr id="539" name="Isosceles Triangle 538">
-                  <a:extLst>
-                    <a:ext uri="{FF2B5EF4-FFF2-40B4-BE49-F238E27FC236}">
-                      <a16:creationId xmlns:a16="http://schemas.microsoft.com/office/drawing/2014/main" id="{F6028866-EB0B-DA83-DF92-676CE567AABE}"/>
-                    </a:ext>
-                  </a:extLst>
-                </p:cNvPr>
-                <p:cNvSpPr/>
-                <p:nvPr/>
-              </p:nvSpPr>
-              <p:spPr>
-                <a:xfrm rot="7947381" flipV="1">
-                  <a:off x="2035459" y="2768897"/>
-                  <a:ext cx="201880" cy="107688"/>
-                </a:xfrm>
-                <a:prstGeom prst="triangle">
-                  <a:avLst>
-                    <a:gd name="adj" fmla="val 50415"/>
-                  </a:avLst>
-                </a:prstGeom>
-                <a:solidFill>
-                  <a:schemeClr val="bg1"/>
-                </a:solidFill>
-                <a:ln>
-                  <a:solidFill>
-                    <a:schemeClr val="bg1"/>
-                  </a:solidFill>
-                </a:ln>
-              </p:spPr>
-              <p:style>
-                <a:lnRef idx="2">
-                  <a:schemeClr val="accent1">
-                    <a:shade val="50000"/>
-                  </a:schemeClr>
-                </a:lnRef>
-                <a:fillRef idx="1">
-                  <a:schemeClr val="accent1"/>
-                </a:fillRef>
-                <a:effectRef idx="0">
-                  <a:schemeClr val="accent1"/>
-                </a:effectRef>
-                <a:fontRef idx="minor">
-                  <a:schemeClr val="lt1"/>
-                </a:fontRef>
-              </p:style>
-              <p:txBody>
-                <a:bodyPr rtlCol="0" anchor="ctr"/>
-                <a:lstStyle/>
-                <a:p>
-                  <a:pPr algn="ctr"/>
-                  <a:endParaRPr lang="en-US"/>
-                </a:p>
-              </p:txBody>
-            </p:sp>
-            <p:sp>
-              <p:nvSpPr>
-                <p:cNvPr id="540" name="Isosceles Triangle 539">
-                  <a:extLst>
-                    <a:ext uri="{FF2B5EF4-FFF2-40B4-BE49-F238E27FC236}">
-                      <a16:creationId xmlns:a16="http://schemas.microsoft.com/office/drawing/2014/main" id="{BE6F359C-A2CF-6F3D-CD4D-EC3332CE9046}"/>
-                    </a:ext>
-                  </a:extLst>
-                </p:cNvPr>
-                <p:cNvSpPr/>
-                <p:nvPr/>
-              </p:nvSpPr>
-              <p:spPr>
-                <a:xfrm rot="18762502" flipV="1">
-                  <a:off x="2123370" y="2859537"/>
-                  <a:ext cx="201880" cy="107688"/>
-                </a:xfrm>
-                <a:prstGeom prst="triangle">
-                  <a:avLst>
-                    <a:gd name="adj" fmla="val 50415"/>
-                  </a:avLst>
-                </a:prstGeom>
-                <a:solidFill>
-                  <a:schemeClr val="bg1"/>
-                </a:solidFill>
-                <a:ln>
-                  <a:solidFill>
-                    <a:schemeClr val="accent1"/>
-                  </a:solidFill>
-                </a:ln>
-              </p:spPr>
-              <p:style>
-                <a:lnRef idx="2">
-                  <a:schemeClr val="accent1">
-                    <a:shade val="50000"/>
-                  </a:schemeClr>
-                </a:lnRef>
-                <a:fillRef idx="1">
-                  <a:schemeClr val="accent1"/>
-                </a:fillRef>
-                <a:effectRef idx="0">
-                  <a:schemeClr val="accent1"/>
-                </a:effectRef>
-                <a:fontRef idx="minor">
-                  <a:schemeClr val="lt1"/>
-                </a:fontRef>
-              </p:style>
-              <p:txBody>
-                <a:bodyPr rtlCol="0" anchor="ctr"/>
-                <a:lstStyle/>
-                <a:p>
-                  <a:pPr algn="ctr"/>
-                  <a:endParaRPr lang="en-US"/>
-                </a:p>
-              </p:txBody>
-            </p:sp>
-          </p:grpSp>
-          <p:grpSp>
-            <p:nvGrpSpPr>
-              <p:cNvPr id="505" name="Group 504">
-                <a:extLst>
-                  <a:ext uri="{FF2B5EF4-FFF2-40B4-BE49-F238E27FC236}">
-                    <a16:creationId xmlns:a16="http://schemas.microsoft.com/office/drawing/2014/main" id="{DD8F357D-4CDF-7CB4-0C49-B8F6A2A6D5D8}"/>
-                  </a:ext>
-                </a:extLst>
-              </p:cNvPr>
-              <p:cNvGrpSpPr/>
-              <p:nvPr/>
-            </p:nvGrpSpPr>
-            <p:grpSpPr>
-              <a:xfrm>
-                <a:off x="1371411" y="3024074"/>
-                <a:ext cx="326420" cy="325909"/>
-                <a:chOff x="1371411" y="3024074"/>
-                <a:chExt cx="342900" cy="325909"/>
-              </a:xfrm>
-            </p:grpSpPr>
-            <p:cxnSp>
-              <p:nvCxnSpPr>
-                <p:cNvPr id="506" name="Straight Connector 505">
-                  <a:extLst>
-                    <a:ext uri="{FF2B5EF4-FFF2-40B4-BE49-F238E27FC236}">
-                      <a16:creationId xmlns:a16="http://schemas.microsoft.com/office/drawing/2014/main" id="{E030F320-67B5-51F4-E898-41AEDB949539}"/>
-                    </a:ext>
-                  </a:extLst>
-                </p:cNvPr>
-                <p:cNvCxnSpPr>
-                  <a:cxnSpLocks/>
-                </p:cNvCxnSpPr>
-                <p:nvPr/>
-              </p:nvCxnSpPr>
-              <p:spPr>
-                <a:xfrm>
-                  <a:off x="1371411" y="3024074"/>
-                  <a:ext cx="342900" cy="0"/>
-                </a:xfrm>
-                <a:prstGeom prst="line">
-                  <a:avLst/>
-                </a:prstGeom>
-                <a:ln>
-                  <a:solidFill>
-                    <a:schemeClr val="bg1">
-                      <a:lumMod val="95000"/>
-                    </a:schemeClr>
-                  </a:solidFill>
-                </a:ln>
-              </p:spPr>
-              <p:style>
-                <a:lnRef idx="1">
-                  <a:schemeClr val="accent1"/>
-                </a:lnRef>
-                <a:fillRef idx="0">
-                  <a:schemeClr val="accent1"/>
-                </a:fillRef>
-                <a:effectRef idx="0">
-                  <a:schemeClr val="accent1"/>
-                </a:effectRef>
-                <a:fontRef idx="minor">
-                  <a:schemeClr val="tx1"/>
-                </a:fontRef>
-              </p:style>
-            </p:cxnSp>
-            <p:cxnSp>
-              <p:nvCxnSpPr>
-                <p:cNvPr id="510" name="Straight Connector 509">
-                  <a:extLst>
-                    <a:ext uri="{FF2B5EF4-FFF2-40B4-BE49-F238E27FC236}">
-                      <a16:creationId xmlns:a16="http://schemas.microsoft.com/office/drawing/2014/main" id="{43A88369-A7ED-8E77-8C98-5560B7695A0D}"/>
-                    </a:ext>
-                  </a:extLst>
-                </p:cNvPr>
-                <p:cNvCxnSpPr>
-                  <a:cxnSpLocks/>
-                </p:cNvCxnSpPr>
-                <p:nvPr/>
-              </p:nvCxnSpPr>
-              <p:spPr>
-                <a:xfrm>
-                  <a:off x="1371411" y="3105551"/>
-                  <a:ext cx="342900" cy="0"/>
-                </a:xfrm>
-                <a:prstGeom prst="line">
-                  <a:avLst/>
-                </a:prstGeom>
-                <a:ln>
-                  <a:solidFill>
-                    <a:schemeClr val="bg1">
-                      <a:lumMod val="95000"/>
-                    </a:schemeClr>
-                  </a:solidFill>
-                </a:ln>
-              </p:spPr>
-              <p:style>
-                <a:lnRef idx="1">
-                  <a:schemeClr val="accent1"/>
-                </a:lnRef>
-                <a:fillRef idx="0">
-                  <a:schemeClr val="accent1"/>
-                </a:fillRef>
-                <a:effectRef idx="0">
-                  <a:schemeClr val="accent1"/>
-                </a:effectRef>
-                <a:fontRef idx="minor">
-                  <a:schemeClr val="tx1"/>
-                </a:fontRef>
-              </p:style>
-            </p:cxnSp>
-            <p:cxnSp>
-              <p:nvCxnSpPr>
-                <p:cNvPr id="511" name="Straight Connector 510">
-                  <a:extLst>
-                    <a:ext uri="{FF2B5EF4-FFF2-40B4-BE49-F238E27FC236}">
-                      <a16:creationId xmlns:a16="http://schemas.microsoft.com/office/drawing/2014/main" id="{3AAF553D-3B61-95CA-C2A1-D388D59EA303}"/>
-                    </a:ext>
-                  </a:extLst>
-                </p:cNvPr>
-                <p:cNvCxnSpPr>
-                  <a:cxnSpLocks/>
-                </p:cNvCxnSpPr>
-                <p:nvPr/>
-              </p:nvCxnSpPr>
-              <p:spPr>
-                <a:xfrm>
-                  <a:off x="1371411" y="3187028"/>
-                  <a:ext cx="342900" cy="0"/>
-                </a:xfrm>
-                <a:prstGeom prst="line">
-                  <a:avLst/>
-                </a:prstGeom>
-                <a:ln>
-                  <a:solidFill>
-                    <a:schemeClr val="bg1">
-                      <a:lumMod val="95000"/>
-                    </a:schemeClr>
-                  </a:solidFill>
-                </a:ln>
-              </p:spPr>
-              <p:style>
-                <a:lnRef idx="1">
-                  <a:schemeClr val="accent1"/>
-                </a:lnRef>
-                <a:fillRef idx="0">
-                  <a:schemeClr val="accent1"/>
-                </a:fillRef>
-                <a:effectRef idx="0">
-                  <a:schemeClr val="accent1"/>
-                </a:effectRef>
-                <a:fontRef idx="minor">
-                  <a:schemeClr val="tx1"/>
-                </a:fontRef>
-              </p:style>
-            </p:cxnSp>
-            <p:cxnSp>
-              <p:nvCxnSpPr>
-                <p:cNvPr id="536" name="Straight Connector 535">
-                  <a:extLst>
-                    <a:ext uri="{FF2B5EF4-FFF2-40B4-BE49-F238E27FC236}">
-                      <a16:creationId xmlns:a16="http://schemas.microsoft.com/office/drawing/2014/main" id="{AAE314B4-9DAB-03F9-CB79-4045891F94E9}"/>
-                    </a:ext>
-                  </a:extLst>
-                </p:cNvPr>
-                <p:cNvCxnSpPr>
-                  <a:cxnSpLocks/>
-                </p:cNvCxnSpPr>
-                <p:nvPr/>
-              </p:nvCxnSpPr>
-              <p:spPr>
-                <a:xfrm>
-                  <a:off x="1371411" y="3268505"/>
-                  <a:ext cx="342900" cy="0"/>
-                </a:xfrm>
-                <a:prstGeom prst="line">
-                  <a:avLst/>
-                </a:prstGeom>
-                <a:ln>
-                  <a:solidFill>
-                    <a:schemeClr val="bg1">
-                      <a:lumMod val="95000"/>
-                    </a:schemeClr>
-                  </a:solidFill>
-                </a:ln>
-              </p:spPr>
-              <p:style>
-                <a:lnRef idx="1">
-                  <a:schemeClr val="accent1"/>
-                </a:lnRef>
-                <a:fillRef idx="0">
-                  <a:schemeClr val="accent1"/>
-                </a:fillRef>
-                <a:effectRef idx="0">
-                  <a:schemeClr val="accent1"/>
-                </a:effectRef>
-                <a:fontRef idx="minor">
-                  <a:schemeClr val="tx1"/>
-                </a:fontRef>
-              </p:style>
-            </p:cxnSp>
-            <p:cxnSp>
-              <p:nvCxnSpPr>
-                <p:cNvPr id="537" name="Straight Connector 536">
-                  <a:extLst>
-                    <a:ext uri="{FF2B5EF4-FFF2-40B4-BE49-F238E27FC236}">
-                      <a16:creationId xmlns:a16="http://schemas.microsoft.com/office/drawing/2014/main" id="{2615EEC1-93D1-3A49-60C4-8A2A8655A8E2}"/>
-                    </a:ext>
-                  </a:extLst>
-                </p:cNvPr>
-                <p:cNvCxnSpPr>
-                  <a:cxnSpLocks/>
-                </p:cNvCxnSpPr>
-                <p:nvPr/>
-              </p:nvCxnSpPr>
-              <p:spPr>
-                <a:xfrm>
-                  <a:off x="1371411" y="3349983"/>
-                  <a:ext cx="342900" cy="0"/>
-                </a:xfrm>
-                <a:prstGeom prst="line">
-                  <a:avLst/>
-                </a:prstGeom>
-                <a:ln>
-                  <a:solidFill>
-                    <a:schemeClr val="bg1">
-                      <a:lumMod val="95000"/>
-                    </a:schemeClr>
-                  </a:solidFill>
-                </a:ln>
-              </p:spPr>
-              <p:style>
-                <a:lnRef idx="1">
-                  <a:schemeClr val="accent1"/>
-                </a:lnRef>
-                <a:fillRef idx="0">
-                  <a:schemeClr val="accent1"/>
-                </a:fillRef>
-                <a:effectRef idx="0">
-                  <a:schemeClr val="accent1"/>
-                </a:effectRef>
-                <a:fontRef idx="minor">
-                  <a:schemeClr val="tx1"/>
-                </a:fontRef>
-              </p:style>
-            </p:cxnSp>
-          </p:grpSp>
-        </p:grpSp>
-        <p:sp>
-          <p:nvSpPr>
-            <p:cNvPr id="503" name="TextBox 502">
-              <a:extLst>
-                <a:ext uri="{FF2B5EF4-FFF2-40B4-BE49-F238E27FC236}">
-                  <a16:creationId xmlns:a16="http://schemas.microsoft.com/office/drawing/2014/main" id="{C0FCCF05-6E9F-7D6D-EAAC-3D01AD2D008E}"/>
-                </a:ext>
-              </a:extLst>
-            </p:cNvPr>
-            <p:cNvSpPr txBox="1"/>
-            <p:nvPr/>
-          </p:nvSpPr>
-          <p:spPr>
-            <a:xfrm>
-              <a:off x="3791378" y="4281125"/>
-              <a:ext cx="1498417" cy="452958"/>
-            </a:xfrm>
-            <a:prstGeom prst="rect">
-              <a:avLst/>
-            </a:prstGeom>
-            <a:noFill/>
-          </p:spPr>
-          <p:txBody>
-            <a:bodyPr wrap="square" rtlCol="0">
-              <a:spAutoFit/>
-            </a:bodyPr>
-            <a:lstStyle/>
-            <a:p>
-              <a:pPr algn="ctr"/>
-              <a:r>
-                <a:rPr lang="en-US" sz="800" dirty="0">
-                  <a:solidFill>
-                    <a:schemeClr val="bg1">
-                      <a:lumMod val="50000"/>
-                    </a:schemeClr>
-                  </a:solidFill>
-                </a:rPr>
-                <a:t>S4T.pest</a:t>
-              </a:r>
-            </a:p>
-            <a:p>
-              <a:pPr algn="ctr"/>
-              <a:r>
-                <a:rPr lang="en-US" sz="600" dirty="0">
-                  <a:solidFill>
-                    <a:schemeClr val="bg1">
-                      <a:lumMod val="50000"/>
-                    </a:schemeClr>
-                  </a:solidFill>
-                </a:rPr>
-                <a:t>&lt;&lt;PEG Grammar&gt;&gt;</a:t>
-              </a:r>
-            </a:p>
-          </p:txBody>
-        </p:sp>
-      </p:grpSp>
       <p:grpSp>
         <p:nvGrpSpPr>
           <p:cNvPr id="542" name="Group 541">
@@ -5986,7 +4819,7 @@
         </p:nvGrpSpPr>
         <p:grpSpPr>
           <a:xfrm>
-            <a:off x="1216451" y="5390173"/>
+            <a:off x="3691427" y="5030509"/>
             <a:ext cx="987891" cy="760389"/>
             <a:chOff x="3793406" y="3615014"/>
             <a:chExt cx="1457907" cy="1119069"/>
@@ -6518,7 +5351,7 @@
         </p:nvCxnSpPr>
         <p:spPr>
           <a:xfrm rot="16200000" flipH="1">
-            <a:off x="1329263" y="5058943"/>
+            <a:off x="3804239" y="4699279"/>
             <a:ext cx="761914" cy="2247"/>
           </a:xfrm>
           <a:prstGeom prst="bentConnector3">
@@ -6565,7 +5398,7 @@
         </p:nvSpPr>
         <p:spPr>
           <a:xfrm>
-            <a:off x="2793548" y="3696036"/>
+            <a:off x="5268524" y="3336372"/>
             <a:ext cx="1575459" cy="979714"/>
           </a:xfrm>
           <a:prstGeom prst="rect">
@@ -6730,544 +5563,6 @@
           </a:p>
         </p:txBody>
       </p:sp>
-      <p:graphicFrame>
-        <p:nvGraphicFramePr>
-          <p:cNvPr id="509" name="Table 508">
-            <a:extLst>
-              <a:ext uri="{FF2B5EF4-FFF2-40B4-BE49-F238E27FC236}">
-                <a16:creationId xmlns:a16="http://schemas.microsoft.com/office/drawing/2014/main" id="{D9553606-EA19-8B42-39BB-1929558AE8E7}"/>
-              </a:ext>
-            </a:extLst>
-          </p:cNvPr>
-          <p:cNvGraphicFramePr>
-            <a:graphicFrameLocks noGrp="1"/>
-          </p:cNvGraphicFramePr>
-          <p:nvPr>
-            <p:extLst>
-              <p:ext uri="{D42A27DB-BD31-4B8C-83A1-F6EECF244321}">
-                <p14:modId xmlns:p14="http://schemas.microsoft.com/office/powerpoint/2010/main" val="1868648830"/>
-              </p:ext>
-            </p:extLst>
-          </p:nvPr>
-        </p:nvGraphicFramePr>
-        <p:xfrm>
-          <a:off x="7892827" y="2804485"/>
-          <a:ext cx="4006565" cy="3337560"/>
-        </p:xfrm>
-        <a:graphic>
-          <a:graphicData uri="http://schemas.openxmlformats.org/drawingml/2006/table">
-            <a:tbl>
-              <a:tblPr firstRow="1" bandRow="1">
-                <a:tableStyleId>{5C22544A-7EE6-4342-B048-85BDC9FD1C3A}</a:tableStyleId>
-              </a:tblPr>
-              <a:tblGrid>
-                <a:gridCol w="1197881">
-                  <a:extLst>
-                    <a:ext uri="{9D8B030D-6E8A-4147-A177-3AD203B41FA5}">
-                      <a16:colId xmlns:a16="http://schemas.microsoft.com/office/drawing/2014/main" val="1400390802"/>
-                    </a:ext>
-                  </a:extLst>
-                </a:gridCol>
-                <a:gridCol w="1420050">
-                  <a:extLst>
-                    <a:ext uri="{9D8B030D-6E8A-4147-A177-3AD203B41FA5}">
-                      <a16:colId xmlns:a16="http://schemas.microsoft.com/office/drawing/2014/main" val="233617351"/>
-                    </a:ext>
-                  </a:extLst>
-                </a:gridCol>
-                <a:gridCol w="1388634">
-                  <a:extLst>
-                    <a:ext uri="{9D8B030D-6E8A-4147-A177-3AD203B41FA5}">
-                      <a16:colId xmlns:a16="http://schemas.microsoft.com/office/drawing/2014/main" val="2049259909"/>
-                    </a:ext>
-                  </a:extLst>
-                </a:gridCol>
-              </a:tblGrid>
-              <a:tr h="370840">
-                <a:tc>
-                  <a:txBody>
-                    <a:bodyPr/>
-                    <a:lstStyle/>
-                    <a:p>
-                      <a:r>
-                        <a:rPr lang="en-US" dirty="0"/>
-                        <a:t>Module</a:t>
-                      </a:r>
-                    </a:p>
-                  </a:txBody>
-                  <a:tcPr>
-                    <a:solidFill>
-                      <a:srgbClr val="203864"/>
-                    </a:solidFill>
-                  </a:tcPr>
-                </a:tc>
-                <a:tc>
-                  <a:txBody>
-                    <a:bodyPr/>
-                    <a:lstStyle/>
-                    <a:p>
-                      <a:r>
-                        <a:rPr lang="en-US" dirty="0"/>
-                        <a:t>Input</a:t>
-                      </a:r>
-                    </a:p>
-                  </a:txBody>
-                  <a:tcPr>
-                    <a:solidFill>
-                      <a:srgbClr val="203864"/>
-                    </a:solidFill>
-                  </a:tcPr>
-                </a:tc>
-                <a:tc>
-                  <a:txBody>
-                    <a:bodyPr/>
-                    <a:lstStyle/>
-                    <a:p>
-                      <a:r>
-                        <a:rPr lang="en-US" dirty="0"/>
-                        <a:t>Output</a:t>
-                      </a:r>
-                    </a:p>
-                  </a:txBody>
-                  <a:tcPr>
-                    <a:solidFill>
-                      <a:srgbClr val="203864"/>
-                    </a:solidFill>
-                  </a:tcPr>
-                </a:tc>
-                <a:extLst>
-                  <a:ext uri="{0D108BD9-81ED-4DB2-BD59-A6C34878D82A}">
-                    <a16:rowId xmlns:a16="http://schemas.microsoft.com/office/drawing/2014/main" val="3242239622"/>
-                  </a:ext>
-                </a:extLst>
-              </a:tr>
-              <a:tr h="370840">
-                <a:tc>
-                  <a:txBody>
-                    <a:bodyPr/>
-                    <a:lstStyle/>
-                    <a:p>
-                      <a:r>
-                        <a:rPr lang="en-US" sz="1100" b="1" dirty="0"/>
-                        <a:t>av-engine</a:t>
-                      </a:r>
-                    </a:p>
-                  </a:txBody>
-                  <a:tcPr anchor="ctr"/>
-                </a:tc>
-                <a:tc>
-                  <a:txBody>
-                    <a:bodyPr/>
-                    <a:lstStyle/>
-                    <a:p>
-                      <a:r>
-                        <a:rPr lang="en-US" sz="1100" dirty="0"/>
-                        <a:t>S4T Command (text)</a:t>
-                      </a:r>
-                    </a:p>
-                  </a:txBody>
-                  <a:tcPr anchor="ctr"/>
-                </a:tc>
-                <a:tc>
-                  <a:txBody>
-                    <a:bodyPr/>
-                    <a:lstStyle/>
-                    <a:p>
-                      <a:r>
-                        <a:rPr lang="en-US" sz="1100" dirty="0"/>
-                        <a:t>POCO, JSON, YAML</a:t>
-                      </a:r>
-                    </a:p>
-                  </a:txBody>
-                  <a:tcPr anchor="ctr"/>
-                </a:tc>
-                <a:extLst>
-                  <a:ext uri="{0D108BD9-81ED-4DB2-BD59-A6C34878D82A}">
-                    <a16:rowId xmlns:a16="http://schemas.microsoft.com/office/drawing/2014/main" val="594596573"/>
-                  </a:ext>
-                </a:extLst>
-              </a:tr>
-              <a:tr h="370840">
-                <a:tc>
-                  <a:txBody>
-                    <a:bodyPr/>
-                    <a:lstStyle/>
-                    <a:p>
-                      <a:r>
-                        <a:rPr lang="en-US" sz="1100" b="1" dirty="0"/>
-                        <a:t>av-foundations</a:t>
-                      </a:r>
-                    </a:p>
-                  </a:txBody>
-                  <a:tcPr anchor="ctr"/>
-                </a:tc>
-                <a:tc>
-                  <a:txBody>
-                    <a:bodyPr/>
-                    <a:lstStyle/>
-                    <a:p>
-                      <a:r>
-                        <a:rPr lang="en-US" sz="1100" dirty="0"/>
-                        <a:t>C-struct</a:t>
-                      </a:r>
-                    </a:p>
-                  </a:txBody>
-                  <a:tcPr anchor="ctr"/>
-                </a:tc>
-                <a:tc>
-                  <a:txBody>
-                    <a:bodyPr/>
-                    <a:lstStyle/>
-                    <a:p>
-                      <a:r>
-                        <a:rPr lang="en-US" sz="1100" dirty="0"/>
-                        <a:t>C-struct</a:t>
-                      </a:r>
-                    </a:p>
-                  </a:txBody>
-                  <a:tcPr anchor="ctr"/>
-                </a:tc>
-                <a:extLst>
-                  <a:ext uri="{0D108BD9-81ED-4DB2-BD59-A6C34878D82A}">
-                    <a16:rowId xmlns:a16="http://schemas.microsoft.com/office/drawing/2014/main" val="1138397308"/>
-                  </a:ext>
-                </a:extLst>
-              </a:tr>
-              <a:tr h="370840">
-                <a:tc>
-                  <a:txBody>
-                    <a:bodyPr/>
-                    <a:lstStyle/>
-                    <a:p>
-                      <a:r>
-                        <a:rPr lang="en-US" sz="1100" b="1" dirty="0"/>
-                        <a:t>av-</a:t>
-                      </a:r>
-                      <a:r>
-                        <a:rPr lang="en-US" sz="1100" b="1" dirty="0" err="1"/>
-                        <a:t>misc</a:t>
-                      </a:r>
-                      <a:endParaRPr lang="en-US" sz="1100" b="1" dirty="0"/>
-                    </a:p>
-                  </a:txBody>
-                  <a:tcPr anchor="ctr"/>
-                </a:tc>
-                <a:tc>
-                  <a:txBody>
-                    <a:bodyPr/>
-                    <a:lstStyle/>
-                    <a:p>
-                      <a:r>
-                        <a:rPr lang="en-US" sz="1100" dirty="0"/>
-                        <a:t>C-struct</a:t>
-                      </a:r>
-                    </a:p>
-                  </a:txBody>
-                  <a:tcPr anchor="ctr"/>
-                </a:tc>
-                <a:tc>
-                  <a:txBody>
-                    <a:bodyPr/>
-                    <a:lstStyle/>
-                    <a:p>
-                      <a:r>
-                        <a:rPr lang="en-US" sz="1100" dirty="0"/>
-                        <a:t>C-struct</a:t>
-                      </a:r>
-                    </a:p>
-                  </a:txBody>
-                  <a:tcPr anchor="ctr"/>
-                </a:tc>
-                <a:extLst>
-                  <a:ext uri="{0D108BD9-81ED-4DB2-BD59-A6C34878D82A}">
-                    <a16:rowId xmlns:a16="http://schemas.microsoft.com/office/drawing/2014/main" val="3663518449"/>
-                  </a:ext>
-                </a:extLst>
-              </a:tr>
-              <a:tr h="370840">
-                <a:tc>
-                  <a:txBody>
-                    <a:bodyPr/>
-                    <a:lstStyle/>
-                    <a:p>
-                      <a:r>
-                        <a:rPr lang="en-US" sz="1100" b="1" dirty="0" err="1"/>
-                        <a:t>xvmem</a:t>
-                      </a:r>
-                      <a:endParaRPr lang="en-US" sz="1100" b="1" dirty="0"/>
-                    </a:p>
-                  </a:txBody>
-                  <a:tcPr anchor="ctr"/>
-                </a:tc>
-                <a:tc>
-                  <a:txBody>
-                    <a:bodyPr/>
-                    <a:lstStyle/>
-                    <a:p>
-                      <a:r>
-                        <a:rPr lang="en-US" sz="1100" dirty="0"/>
-                        <a:t>C-struct</a:t>
-                      </a:r>
-                    </a:p>
-                  </a:txBody>
-                  <a:tcPr anchor="ctr"/>
-                </a:tc>
-                <a:tc>
-                  <a:txBody>
-                    <a:bodyPr/>
-                    <a:lstStyle/>
-                    <a:p>
-                      <a:r>
-                        <a:rPr lang="en-US" sz="1100" dirty="0"/>
-                        <a:t>C-struct</a:t>
-                      </a:r>
-                    </a:p>
-                  </a:txBody>
-                  <a:tcPr anchor="ctr"/>
-                </a:tc>
-                <a:extLst>
-                  <a:ext uri="{0D108BD9-81ED-4DB2-BD59-A6C34878D82A}">
-                    <a16:rowId xmlns:a16="http://schemas.microsoft.com/office/drawing/2014/main" val="264373363"/>
-                  </a:ext>
-                </a:extLst>
-              </a:tr>
-              <a:tr h="370840">
-                <a:tc>
-                  <a:txBody>
-                    <a:bodyPr/>
-                    <a:lstStyle/>
-                    <a:p>
-                      <a:r>
-                        <a:rPr lang="en-US" sz="1100" b="1" dirty="0"/>
-                        <a:t>av-search</a:t>
-                      </a:r>
-                    </a:p>
-                  </a:txBody>
-                  <a:tcPr anchor="ctr"/>
-                </a:tc>
-                <a:tc>
-                  <a:txBody>
-                    <a:bodyPr/>
-                    <a:lstStyle/>
-                    <a:p>
-                      <a:r>
-                        <a:rPr lang="en-US" sz="1100" dirty="0"/>
-                        <a:t>swift objects</a:t>
-                      </a:r>
-                    </a:p>
-                  </a:txBody>
-                  <a:tcPr anchor="ctr"/>
-                </a:tc>
-                <a:tc>
-                  <a:txBody>
-                    <a:bodyPr/>
-                    <a:lstStyle/>
-                    <a:p>
-                      <a:r>
-                        <a:rPr lang="en-US" sz="1100" dirty="0"/>
-                        <a:t>swift objects</a:t>
-                      </a:r>
-                    </a:p>
-                  </a:txBody>
-                  <a:tcPr anchor="ctr"/>
-                </a:tc>
-                <a:extLst>
-                  <a:ext uri="{0D108BD9-81ED-4DB2-BD59-A6C34878D82A}">
-                    <a16:rowId xmlns:a16="http://schemas.microsoft.com/office/drawing/2014/main" val="3810946116"/>
-                  </a:ext>
-                </a:extLst>
-              </a:tr>
-              <a:tr h="370840">
-                <a:tc>
-                  <a:txBody>
-                    <a:bodyPr/>
-                    <a:lstStyle/>
-                    <a:p>
-                      <a:r>
-                        <a:rPr lang="en-US" sz="1100" b="1" dirty="0" err="1"/>
-                        <a:t>pinshot</a:t>
-                      </a:r>
-                      <a:r>
-                        <a:rPr lang="en-US" sz="1100" b="1" dirty="0"/>
-                        <a:t>-blue</a:t>
-                      </a:r>
-                    </a:p>
-                  </a:txBody>
-                  <a:tcPr anchor="ctr"/>
-                </a:tc>
-                <a:tc>
-                  <a:txBody>
-                    <a:bodyPr/>
-                    <a:lstStyle/>
-                    <a:p>
-                      <a:r>
-                        <a:rPr lang="en-US" sz="1100" dirty="0"/>
-                        <a:t>null-terminated text</a:t>
-                      </a:r>
-                    </a:p>
-                  </a:txBody>
-                  <a:tcPr anchor="ctr"/>
-                </a:tc>
-                <a:tc>
-                  <a:txBody>
-                    <a:bodyPr/>
-                    <a:lstStyle/>
-                    <a:p>
-                      <a:pPr marL="0" marR="0" lvl="0" indent="0" algn="l" defTabSz="914400" rtl="0" eaLnBrk="1" fontAlgn="auto" latinLnBrk="0" hangingPunct="1">
-                        <a:lnSpc>
-                          <a:spcPct val="100000"/>
-                        </a:lnSpc>
-                        <a:spcBef>
-                          <a:spcPts val="0"/>
-                        </a:spcBef>
-                        <a:spcAft>
-                          <a:spcPts val="0"/>
-                        </a:spcAft>
-                        <a:buClrTx/>
-                        <a:buSzTx/>
-                        <a:buFontTx/>
-                        <a:buNone/>
-                        <a:tabLst/>
-                        <a:defRPr/>
-                      </a:pPr>
-                      <a:r>
-                        <a:rPr lang="en-US" sz="1100" dirty="0"/>
-                        <a:t>null-terminated </a:t>
-                      </a:r>
-                      <a:r>
-                        <a:rPr lang="en-US" sz="1100" dirty="0" err="1"/>
-                        <a:t>json</a:t>
-                      </a:r>
-                      <a:endParaRPr lang="en-US" sz="1100" dirty="0"/>
-                    </a:p>
-                  </a:txBody>
-                  <a:tcPr anchor="ctr"/>
-                </a:tc>
-                <a:extLst>
-                  <a:ext uri="{0D108BD9-81ED-4DB2-BD59-A6C34878D82A}">
-                    <a16:rowId xmlns:a16="http://schemas.microsoft.com/office/drawing/2014/main" val="2378735476"/>
-                  </a:ext>
-                </a:extLst>
-              </a:tr>
-              <a:tr h="370840">
-                <a:tc>
-                  <a:txBody>
-                    <a:bodyPr/>
-                    <a:lstStyle/>
-                    <a:p>
-                      <a:r>
-                        <a:rPr lang="en-US" sz="1100" b="1" dirty="0"/>
-                        <a:t>av-blueprint-svc</a:t>
-                      </a:r>
-                    </a:p>
-                  </a:txBody>
-                  <a:tcPr anchor="ctr"/>
-                </a:tc>
-                <a:tc>
-                  <a:txBody>
-                    <a:bodyPr/>
-                    <a:lstStyle/>
-                    <a:p>
-                      <a:r>
-                        <a:rPr lang="en-US" sz="1100" dirty="0"/>
-                        <a:t>null-terminated text</a:t>
-                      </a:r>
-                    </a:p>
-                  </a:txBody>
-                  <a:tcPr anchor="ctr"/>
-                </a:tc>
-                <a:tc>
-                  <a:txBody>
-                    <a:bodyPr/>
-                    <a:lstStyle/>
-                    <a:p>
-                      <a:pPr marL="0" marR="0" lvl="0" indent="0" algn="l" defTabSz="914400" rtl="0" eaLnBrk="1" fontAlgn="auto" latinLnBrk="0" hangingPunct="1">
-                        <a:lnSpc>
-                          <a:spcPct val="100000"/>
-                        </a:lnSpc>
-                        <a:spcBef>
-                          <a:spcPts val="0"/>
-                        </a:spcBef>
-                        <a:spcAft>
-                          <a:spcPts val="0"/>
-                        </a:spcAft>
-                        <a:buClrTx/>
-                        <a:buSzTx/>
-                        <a:buFontTx/>
-                        <a:buNone/>
-                        <a:tabLst/>
-                        <a:defRPr/>
-                      </a:pPr>
-                      <a:r>
-                        <a:rPr lang="en-US" sz="1100" dirty="0"/>
-                        <a:t>null-terminated </a:t>
-                      </a:r>
-                      <a:r>
-                        <a:rPr lang="en-US" sz="1100" dirty="0" err="1"/>
-                        <a:t>yaml</a:t>
-                      </a:r>
-                      <a:endParaRPr lang="en-US" sz="1100" dirty="0"/>
-                    </a:p>
-                  </a:txBody>
-                  <a:tcPr anchor="ctr"/>
-                </a:tc>
-                <a:extLst>
-                  <a:ext uri="{0D108BD9-81ED-4DB2-BD59-A6C34878D82A}">
-                    <a16:rowId xmlns:a16="http://schemas.microsoft.com/office/drawing/2014/main" val="993515555"/>
-                  </a:ext>
-                </a:extLst>
-              </a:tr>
-              <a:tr h="370840">
-                <a:tc>
-                  <a:txBody>
-                    <a:bodyPr/>
-                    <a:lstStyle/>
-                    <a:p>
-                      <a:r>
-                        <a:rPr lang="en-US" sz="1100" b="1" dirty="0" err="1"/>
-                        <a:t>nuphone</a:t>
-                      </a:r>
-                      <a:endParaRPr lang="en-US" sz="1100" b="1" dirty="0"/>
-                    </a:p>
-                  </a:txBody>
-                  <a:tcPr anchor="ctr"/>
-                </a:tc>
-                <a:tc>
-                  <a:txBody>
-                    <a:bodyPr/>
-                    <a:lstStyle/>
-                    <a:p>
-                      <a:r>
-                        <a:rPr lang="en-US" sz="1100" dirty="0"/>
-                        <a:t>C-struct</a:t>
-                      </a:r>
-                    </a:p>
-                  </a:txBody>
-                  <a:tcPr anchor="ctr"/>
-                </a:tc>
-                <a:tc>
-                  <a:txBody>
-                    <a:bodyPr/>
-                    <a:lstStyle/>
-                    <a:p>
-                      <a:r>
-                        <a:rPr lang="en-US" sz="1100" dirty="0"/>
-                        <a:t>C-struct</a:t>
-                      </a:r>
-                    </a:p>
-                  </a:txBody>
-                  <a:tcPr anchor="ctr"/>
-                </a:tc>
-                <a:extLst>
-                  <a:ext uri="{0D108BD9-81ED-4DB2-BD59-A6C34878D82A}">
-                    <a16:rowId xmlns:a16="http://schemas.microsoft.com/office/drawing/2014/main" val="855834513"/>
-                  </a:ext>
-                </a:extLst>
-              </a:tr>
-            </a:tbl>
-          </a:graphicData>
-        </a:graphic>
-      </p:graphicFrame>
       <p:sp>
         <p:nvSpPr>
           <p:cNvPr id="4" name="Rectangle 3">
@@ -7282,7 +5577,7 @@
         </p:nvSpPr>
         <p:spPr>
           <a:xfrm>
-            <a:off x="921367" y="3699396"/>
+            <a:off x="3396343" y="3339732"/>
             <a:ext cx="1575459" cy="979714"/>
           </a:xfrm>
           <a:prstGeom prst="rect">
@@ -7438,7 +5733,7 @@
         </p:nvSpPr>
         <p:spPr>
           <a:xfrm>
-            <a:off x="912479" y="2237391"/>
+            <a:off x="3387455" y="1877727"/>
             <a:ext cx="1575459" cy="979714"/>
           </a:xfrm>
           <a:prstGeom prst="rect">
@@ -7604,7 +5899,7 @@
         </p:nvCxnSpPr>
         <p:spPr>
           <a:xfrm flipH="1">
-            <a:off x="2487938" y="2727248"/>
+            <a:off x="4962914" y="2367584"/>
             <a:ext cx="307417" cy="0"/>
           </a:xfrm>
           <a:prstGeom prst="straightConnector1">
@@ -7653,7 +5948,7 @@
         </p:nvCxnSpPr>
         <p:spPr>
           <a:xfrm flipH="1">
-            <a:off x="2496826" y="4185893"/>
+            <a:off x="4971802" y="3826229"/>
             <a:ext cx="296722" cy="3360"/>
           </a:xfrm>
           <a:prstGeom prst="straightConnector1">
@@ -7686,102 +5981,155 @@
       </p:cxnSp>
       <p:sp>
         <p:nvSpPr>
-          <p:cNvPr id="6" name="TextBox 5">
+          <p:cNvPr id="472" name="Rectangle 471">
             <a:extLst>
               <a:ext uri="{FF2B5EF4-FFF2-40B4-BE49-F238E27FC236}">
-                <a16:creationId xmlns:a16="http://schemas.microsoft.com/office/drawing/2014/main" id="{3082CBB4-A5C1-4BC9-4ECF-3379F1931E82}"/>
+                <a16:creationId xmlns:a16="http://schemas.microsoft.com/office/drawing/2014/main" id="{8E491615-CDDD-92FA-BB1C-1C572B63E455}"/>
               </a:ext>
             </a:extLst>
           </p:cNvPr>
-          <p:cNvSpPr txBox="1"/>
+          <p:cNvSpPr/>
           <p:nvPr/>
         </p:nvSpPr>
         <p:spPr>
-          <a:xfrm rot="16200000">
-            <a:off x="3258176" y="4603395"/>
-            <a:ext cx="741133" cy="584775"/>
+          <a:xfrm>
+            <a:off x="5270331" y="1877727"/>
+            <a:ext cx="1575459" cy="979714"/>
           </a:xfrm>
           <a:prstGeom prst="rect">
             <a:avLst/>
           </a:prstGeom>
-          <a:noFill/>
+          <a:solidFill>
+            <a:srgbClr val="203864"/>
+          </a:solidFill>
         </p:spPr>
+        <p:style>
+          <a:lnRef idx="2">
+            <a:schemeClr val="accent1">
+              <a:shade val="50000"/>
+            </a:schemeClr>
+          </a:lnRef>
+          <a:fillRef idx="1">
+            <a:schemeClr val="accent1"/>
+          </a:fillRef>
+          <a:effectRef idx="0">
+            <a:schemeClr val="accent1"/>
+          </a:effectRef>
+          <a:fontRef idx="minor">
+            <a:schemeClr val="lt1"/>
+          </a:fontRef>
+        </p:style>
         <p:txBody>
-          <a:bodyPr wrap="square" rtlCol="0">
-            <a:spAutoFit/>
-          </a:bodyPr>
+          <a:bodyPr rtlCol="0" anchor="ctr"/>
           <a:lstStyle/>
           <a:p>
-            <a:pPr algn="ctr"/>
-            <a:endParaRPr lang="en-US" sz="800" dirty="0">
-              <a:solidFill>
-                <a:schemeClr val="tx1">
-                  <a:lumMod val="50000"/>
-                  <a:lumOff val="50000"/>
-                </a:schemeClr>
-              </a:solidFill>
-            </a:endParaRPr>
-          </a:p>
-          <a:p>
-            <a:pPr algn="ctr"/>
-            <a:endParaRPr lang="en-US" sz="800" dirty="0">
-              <a:solidFill>
-                <a:schemeClr val="tx1">
-                  <a:lumMod val="50000"/>
-                  <a:lumOff val="50000"/>
-                </a:schemeClr>
-              </a:solidFill>
-            </a:endParaRPr>
-          </a:p>
-          <a:p>
-            <a:pPr algn="ctr"/>
+            <a:pPr marL="0" marR="0" lvl="0" indent="0" algn="ctr" defTabSz="914400" rtl="0" eaLnBrk="1" fontAlgn="auto" latinLnBrk="0" hangingPunct="1">
+              <a:lnSpc>
+                <a:spcPct val="100000"/>
+              </a:lnSpc>
+              <a:spcBef>
+                <a:spcPts val="0"/>
+              </a:spcBef>
+              <a:spcAft>
+                <a:spcPts val="0"/>
+              </a:spcAft>
+              <a:buClrTx/>
+              <a:buSzTx/>
+              <a:buFontTx/>
+              <a:buNone/>
+              <a:tabLst/>
+              <a:defRPr/>
+            </a:pPr>
             <a:r>
-              <a:rPr lang="en-US" sz="800" dirty="0">
+              <a:rPr lang="en-US" sz="1600" dirty="0">
                 <a:solidFill>
-                  <a:schemeClr val="tx1">
-                    <a:lumMod val="50000"/>
-                    <a:lumOff val="50000"/>
-                  </a:schemeClr>
+                  <a:prstClr val="white"/>
                 </a:solidFill>
+                <a:latin typeface="Calibri" panose="020F0502020204030204"/>
               </a:rPr>
-              <a:t>REST</a:t>
-            </a:r>
-          </a:p>
-          <a:p>
-            <a:pPr algn="ctr"/>
-            <a:r>
-              <a:rPr lang="en-US" sz="800" dirty="0">
-                <a:solidFill>
-                  <a:schemeClr val="tx1">
-                    <a:lumMod val="50000"/>
-                    <a:lumOff val="50000"/>
-                  </a:schemeClr>
-                </a:solidFill>
-              </a:rPr>
-              <a:t>(</a:t>
+              <a:t>a</a:t>
             </a:r>
             <a:r>
-              <a:rPr lang="en-US" sz="800" dirty="0" err="1">
+              <a:rPr kumimoji="0" lang="en-US" sz="1600" b="0" i="0" u="none" strike="noStrike" kern="1200" cap="none" spc="0" normalizeH="0" baseline="0" noProof="0" dirty="0">
+                <a:ln>
+                  <a:noFill/>
+                </a:ln>
                 <a:solidFill>
-                  <a:schemeClr val="tx1">
-                    <a:lumMod val="50000"/>
-                    <a:lumOff val="50000"/>
-                  </a:schemeClr>
+                  <a:prstClr val="white"/>
                 </a:solidFill>
+                <a:effectLst/>
+                <a:uLnTx/>
+                <a:uFillTx/>
+                <a:latin typeface="Calibri" panose="020F0502020204030204"/>
+                <a:ea typeface="+mn-ea"/>
+                <a:cs typeface="+mn-cs"/>
               </a:rPr>
-              <a:t>yaml</a:t>
+              <a:t>v-search</a:t>
             </a:r>
+            <a:endParaRPr kumimoji="0" lang="en-US" sz="800" b="0" i="0" u="none" strike="noStrike" kern="1200" cap="none" spc="0" normalizeH="0" baseline="0" noProof="0" dirty="0">
+              <a:ln>
+                <a:noFill/>
+              </a:ln>
+              <a:solidFill>
+                <a:prstClr val="white"/>
+              </a:solidFill>
+              <a:effectLst/>
+              <a:uLnTx/>
+              <a:uFillTx/>
+              <a:latin typeface="Calibri" panose="020F0502020204030204"/>
+              <a:ea typeface="+mn-ea"/>
+              <a:cs typeface="+mn-cs"/>
+            </a:endParaRPr>
+          </a:p>
+          <a:p>
+            <a:pPr marL="0" marR="0" lvl="0" indent="0" algn="ctr" defTabSz="914400" rtl="0" eaLnBrk="1" fontAlgn="auto" latinLnBrk="0" hangingPunct="1">
+              <a:lnSpc>
+                <a:spcPct val="100000"/>
+              </a:lnSpc>
+              <a:spcBef>
+                <a:spcPts val="0"/>
+              </a:spcBef>
+              <a:spcAft>
+                <a:spcPts val="0"/>
+              </a:spcAft>
+              <a:buClrTx/>
+              <a:buSzTx/>
+              <a:buFontTx/>
+              <a:buNone/>
+              <a:tabLst/>
+              <a:defRPr/>
+            </a:pPr>
             <a:r>
-              <a:rPr lang="en-US" sz="800" dirty="0">
+              <a:rPr kumimoji="0" lang="en-US" sz="800" b="0" i="0" u="none" strike="noStrike" kern="1200" cap="none" spc="0" normalizeH="0" baseline="0" noProof="0" dirty="0">
+                <a:ln>
+                  <a:noFill/>
+                </a:ln>
                 <a:solidFill>
-                  <a:schemeClr val="tx1">
-                    <a:lumMod val="50000"/>
-                    <a:lumOff val="50000"/>
-                  </a:schemeClr>
+                  <a:prstClr val="white"/>
                 </a:solidFill>
+                <a:effectLst/>
+                <a:uLnTx/>
+                <a:uFillTx/>
+                <a:latin typeface="Calibri" panose="020F0502020204030204"/>
+                <a:ea typeface="+mn-ea"/>
+                <a:cs typeface="+mn-cs"/>
               </a:rPr>
-              <a:t>)</a:t>
+              <a:t>[C++]</a:t>
             </a:r>
+            <a:endParaRPr kumimoji="0" lang="en-US" sz="1600" b="0" i="0" u="none" strike="noStrike" kern="1200" cap="none" spc="0" normalizeH="0" baseline="0" noProof="0" dirty="0">
+              <a:ln>
+                <a:noFill/>
+              </a:ln>
+              <a:solidFill>
+                <a:prstClr val="white"/>
+              </a:solidFill>
+              <a:effectLst/>
+              <a:uLnTx/>
+              <a:uFillTx/>
+              <a:latin typeface="Calibri" panose="020F0502020204030204"/>
+              <a:ea typeface="+mn-ea"/>
+              <a:cs typeface="+mn-cs"/>
+            </a:endParaRPr>
           </a:p>
         </p:txBody>
       </p:sp>
@@ -7799,6 +6147,1992 @@
 </file>
 
 <file path=ppt/slides/slide3.xml><?xml version="1.0" encoding="utf-8"?>
+<p:sld xmlns:a="http://schemas.openxmlformats.org/drawingml/2006/main" xmlns:r="http://schemas.openxmlformats.org/officeDocument/2006/relationships" xmlns:p="http://schemas.openxmlformats.org/presentationml/2006/main">
+  <p:cSld>
+    <p:spTree>
+      <p:nvGrpSpPr>
+        <p:cNvPr id="1" name="">
+          <a:extLst>
+            <a:ext uri="{FF2B5EF4-FFF2-40B4-BE49-F238E27FC236}">
+              <a16:creationId xmlns:a16="http://schemas.microsoft.com/office/drawing/2014/main" id="{49E58CBB-6ED1-8762-8BC0-F43CDC325077}"/>
+            </a:ext>
+          </a:extLst>
+        </p:cNvPr>
+        <p:cNvGrpSpPr/>
+        <p:nvPr/>
+      </p:nvGrpSpPr>
+      <p:grpSpPr>
+        <a:xfrm>
+          <a:off x="0" y="0"/>
+          <a:ext cx="0" cy="0"/>
+          <a:chOff x="0" y="0"/>
+          <a:chExt cx="0" cy="0"/>
+        </a:xfrm>
+      </p:grpSpPr>
+      <p:sp>
+        <p:nvSpPr>
+          <p:cNvPr id="468" name="Rectangle 467">
+            <a:extLst>
+              <a:ext uri="{FF2B5EF4-FFF2-40B4-BE49-F238E27FC236}">
+                <a16:creationId xmlns:a16="http://schemas.microsoft.com/office/drawing/2014/main" id="{A56BB8A0-712E-503B-E594-E16355F22DC7}"/>
+              </a:ext>
+            </a:extLst>
+          </p:cNvPr>
+          <p:cNvSpPr/>
+          <p:nvPr/>
+        </p:nvSpPr>
+        <p:spPr>
+          <a:xfrm>
+            <a:off x="3657600" y="1614590"/>
+            <a:ext cx="4608576" cy="4579482"/>
+          </a:xfrm>
+          <a:prstGeom prst="rect">
+            <a:avLst/>
+          </a:prstGeom>
+          <a:solidFill>
+            <a:schemeClr val="bg1"/>
+          </a:solidFill>
+          <a:ln w="28575">
+            <a:solidFill>
+              <a:schemeClr val="accent1">
+                <a:lumMod val="75000"/>
+              </a:schemeClr>
+            </a:solidFill>
+          </a:ln>
+        </p:spPr>
+        <p:style>
+          <a:lnRef idx="2">
+            <a:schemeClr val="accent1">
+              <a:shade val="50000"/>
+            </a:schemeClr>
+          </a:lnRef>
+          <a:fillRef idx="1">
+            <a:schemeClr val="accent1"/>
+          </a:fillRef>
+          <a:effectRef idx="0">
+            <a:schemeClr val="accent1"/>
+          </a:effectRef>
+          <a:fontRef idx="minor">
+            <a:schemeClr val="lt1"/>
+          </a:fontRef>
+        </p:style>
+        <p:txBody>
+          <a:bodyPr rtlCol="0" anchor="t" anchorCtr="0"/>
+          <a:lstStyle/>
+          <a:p>
+            <a:pPr algn="ctr"/>
+            <a:r>
+              <a:rPr lang="en-US" sz="1600" b="1" dirty="0">
+                <a:solidFill>
+                  <a:schemeClr val="accent1">
+                    <a:lumMod val="75000"/>
+                  </a:schemeClr>
+                </a:solidFill>
+              </a:rPr>
+              <a:t>AV-Native-SDK Blueprint-Blue dependency</a:t>
+            </a:r>
+          </a:p>
+        </p:txBody>
+      </p:sp>
+      <p:cxnSp>
+        <p:nvCxnSpPr>
+          <p:cNvPr id="541" name="Straight Arrow Connector 105">
+            <a:extLst>
+              <a:ext uri="{FF2B5EF4-FFF2-40B4-BE49-F238E27FC236}">
+                <a16:creationId xmlns:a16="http://schemas.microsoft.com/office/drawing/2014/main" id="{9109D004-D69D-97AA-EE88-9BD09D3B4583}"/>
+              </a:ext>
+            </a:extLst>
+          </p:cNvPr>
+          <p:cNvCxnSpPr>
+            <a:cxnSpLocks/>
+          </p:cNvCxnSpPr>
+          <p:nvPr/>
+        </p:nvCxnSpPr>
+        <p:spPr>
+          <a:xfrm>
+            <a:off x="7149746" y="5472972"/>
+            <a:ext cx="511672" cy="182"/>
+          </a:xfrm>
+          <a:prstGeom prst="bentConnector3">
+            <a:avLst>
+              <a:gd name="adj1" fmla="val 50000"/>
+            </a:avLst>
+          </a:prstGeom>
+          <a:ln>
+            <a:solidFill>
+              <a:schemeClr val="tx1">
+                <a:lumMod val="65000"/>
+                <a:lumOff val="35000"/>
+              </a:schemeClr>
+            </a:solidFill>
+            <a:tailEnd type="triangle"/>
+          </a:ln>
+        </p:spPr>
+        <p:style>
+          <a:lnRef idx="1">
+            <a:schemeClr val="accent1"/>
+          </a:lnRef>
+          <a:fillRef idx="0">
+            <a:schemeClr val="accent1"/>
+          </a:fillRef>
+          <a:effectRef idx="0">
+            <a:schemeClr val="accent1"/>
+          </a:effectRef>
+          <a:fontRef idx="minor">
+            <a:schemeClr val="tx1"/>
+          </a:fontRef>
+        </p:style>
+      </p:cxnSp>
+      <p:cxnSp>
+        <p:nvCxnSpPr>
+          <p:cNvPr id="469" name="Straight Arrow Connector 89">
+            <a:extLst>
+              <a:ext uri="{FF2B5EF4-FFF2-40B4-BE49-F238E27FC236}">
+                <a16:creationId xmlns:a16="http://schemas.microsoft.com/office/drawing/2014/main" id="{650D14B9-E6A6-BE93-AC3F-FB99FC96822E}"/>
+              </a:ext>
+            </a:extLst>
+          </p:cNvPr>
+          <p:cNvCxnSpPr>
+            <a:cxnSpLocks/>
+            <a:stCxn id="480" idx="0"/>
+            <a:endCxn id="472" idx="2"/>
+          </p:cNvCxnSpPr>
+          <p:nvPr/>
+        </p:nvCxnSpPr>
+        <p:spPr>
+          <a:xfrm rot="5400000" flipH="1" flipV="1">
+            <a:off x="4476572" y="3242308"/>
+            <a:ext cx="478931" cy="1807"/>
+          </a:xfrm>
+          <a:prstGeom prst="bentConnector3">
+            <a:avLst>
+              <a:gd name="adj1" fmla="val 50000"/>
+            </a:avLst>
+          </a:prstGeom>
+          <a:ln>
+            <a:solidFill>
+              <a:schemeClr val="tx1">
+                <a:lumMod val="65000"/>
+                <a:lumOff val="35000"/>
+              </a:schemeClr>
+            </a:solidFill>
+            <a:headEnd type="triangle"/>
+            <a:tailEnd type="none"/>
+          </a:ln>
+        </p:spPr>
+        <p:style>
+          <a:lnRef idx="1">
+            <a:schemeClr val="accent1"/>
+          </a:lnRef>
+          <a:fillRef idx="0">
+            <a:schemeClr val="accent1"/>
+          </a:fillRef>
+          <a:effectRef idx="0">
+            <a:schemeClr val="accent1"/>
+          </a:effectRef>
+          <a:fontRef idx="minor">
+            <a:schemeClr val="tx1"/>
+          </a:fontRef>
+        </p:style>
+      </p:cxnSp>
+      <p:sp>
+        <p:nvSpPr>
+          <p:cNvPr id="470" name="Rectangle 469">
+            <a:extLst>
+              <a:ext uri="{FF2B5EF4-FFF2-40B4-BE49-F238E27FC236}">
+                <a16:creationId xmlns:a16="http://schemas.microsoft.com/office/drawing/2014/main" id="{7E10BD5A-D2D7-0D26-8CA1-E284B3AF728A}"/>
+              </a:ext>
+            </a:extLst>
+          </p:cNvPr>
+          <p:cNvSpPr/>
+          <p:nvPr/>
+        </p:nvSpPr>
+        <p:spPr>
+          <a:xfrm>
+            <a:off x="5799585" y="4935159"/>
+            <a:ext cx="1575459" cy="979714"/>
+          </a:xfrm>
+          <a:prstGeom prst="rect">
+            <a:avLst/>
+          </a:prstGeom>
+          <a:solidFill>
+            <a:schemeClr val="accent1">
+              <a:lumMod val="50000"/>
+            </a:schemeClr>
+          </a:solidFill>
+        </p:spPr>
+        <p:style>
+          <a:lnRef idx="2">
+            <a:schemeClr val="accent1">
+              <a:shade val="50000"/>
+            </a:schemeClr>
+          </a:lnRef>
+          <a:fillRef idx="1">
+            <a:schemeClr val="accent1"/>
+          </a:fillRef>
+          <a:effectRef idx="0">
+            <a:schemeClr val="accent1"/>
+          </a:effectRef>
+          <a:fontRef idx="minor">
+            <a:schemeClr val="lt1"/>
+          </a:fontRef>
+        </p:style>
+        <p:txBody>
+          <a:bodyPr rtlCol="0" anchor="ctr"/>
+          <a:lstStyle/>
+          <a:p>
+            <a:pPr marL="0" marR="0" lvl="0" indent="0" algn="ctr" defTabSz="914400" rtl="0" eaLnBrk="1" fontAlgn="auto" latinLnBrk="0" hangingPunct="1">
+              <a:lnSpc>
+                <a:spcPct val="100000"/>
+              </a:lnSpc>
+              <a:spcBef>
+                <a:spcPts val="0"/>
+              </a:spcBef>
+              <a:spcAft>
+                <a:spcPts val="0"/>
+              </a:spcAft>
+              <a:buClrTx/>
+              <a:buSzTx/>
+              <a:buFontTx/>
+              <a:buNone/>
+              <a:tabLst/>
+              <a:defRPr/>
+            </a:pPr>
+            <a:r>
+              <a:rPr lang="en-US" sz="1600" dirty="0" err="1"/>
+              <a:t>pinshot</a:t>
+            </a:r>
+            <a:r>
+              <a:rPr lang="en-US" sz="1600" dirty="0"/>
+              <a:t>-blue</a:t>
+            </a:r>
+            <a:endParaRPr kumimoji="0" lang="en-US" sz="1600" b="0" i="0" u="none" strike="noStrike" kern="1200" cap="none" spc="0" normalizeH="0" baseline="0" noProof="0" dirty="0">
+              <a:ln>
+                <a:noFill/>
+              </a:ln>
+              <a:solidFill>
+                <a:prstClr val="white"/>
+              </a:solidFill>
+              <a:effectLst/>
+              <a:uLnTx/>
+              <a:uFillTx/>
+              <a:latin typeface="Calibri" panose="020F0502020204030204"/>
+              <a:ea typeface="+mn-ea"/>
+              <a:cs typeface="+mn-cs"/>
+            </a:endParaRPr>
+          </a:p>
+          <a:p>
+            <a:pPr algn="ctr">
+              <a:defRPr/>
+            </a:pPr>
+            <a:r>
+              <a:rPr kumimoji="0" lang="en-US" sz="800" b="0" i="0" u="none" strike="noStrike" kern="1200" cap="none" spc="0" normalizeH="0" baseline="0" noProof="0" dirty="0">
+                <a:ln>
+                  <a:noFill/>
+                </a:ln>
+                <a:solidFill>
+                  <a:prstClr val="white"/>
+                </a:solidFill>
+                <a:effectLst/>
+                <a:uLnTx/>
+                <a:uFillTx/>
+                <a:latin typeface="Calibri" panose="020F0502020204030204"/>
+                <a:ea typeface="+mn-ea"/>
+                <a:cs typeface="+mn-cs"/>
+              </a:rPr>
+              <a:t> [</a:t>
+            </a:r>
+            <a:r>
+              <a:rPr lang="en-US" sz="800" dirty="0">
+                <a:solidFill>
+                  <a:prstClr val="white"/>
+                </a:solidFill>
+                <a:latin typeface="Calibri" panose="020F0502020204030204"/>
+              </a:rPr>
+              <a:t>Rust</a:t>
+            </a:r>
+            <a:r>
+              <a:rPr kumimoji="0" lang="en-US" sz="800" b="0" i="0" u="none" strike="noStrike" kern="1200" cap="none" spc="0" normalizeH="0" baseline="0" noProof="0" dirty="0">
+                <a:ln>
+                  <a:noFill/>
+                </a:ln>
+                <a:solidFill>
+                  <a:prstClr val="white"/>
+                </a:solidFill>
+                <a:effectLst/>
+                <a:uLnTx/>
+                <a:uFillTx/>
+                <a:latin typeface="Calibri" panose="020F0502020204030204"/>
+                <a:ea typeface="+mn-ea"/>
+                <a:cs typeface="+mn-cs"/>
+              </a:rPr>
+              <a:t>]</a:t>
+            </a:r>
+          </a:p>
+        </p:txBody>
+      </p:sp>
+      <p:sp>
+        <p:nvSpPr>
+          <p:cNvPr id="471" name="Rectangle 470">
+            <a:extLst>
+              <a:ext uri="{FF2B5EF4-FFF2-40B4-BE49-F238E27FC236}">
+                <a16:creationId xmlns:a16="http://schemas.microsoft.com/office/drawing/2014/main" id="{6D079B06-94B3-CCFA-2275-F4DD2E2F6F91}"/>
+              </a:ext>
+            </a:extLst>
+          </p:cNvPr>
+          <p:cNvSpPr/>
+          <p:nvPr/>
+        </p:nvSpPr>
+        <p:spPr>
+          <a:xfrm>
+            <a:off x="3925012" y="4931997"/>
+            <a:ext cx="1575459" cy="979714"/>
+          </a:xfrm>
+          <a:prstGeom prst="rect">
+            <a:avLst/>
+          </a:prstGeom>
+          <a:solidFill>
+            <a:schemeClr val="accent1">
+              <a:lumMod val="50000"/>
+            </a:schemeClr>
+          </a:solidFill>
+        </p:spPr>
+        <p:style>
+          <a:lnRef idx="2">
+            <a:schemeClr val="accent1">
+              <a:shade val="50000"/>
+            </a:schemeClr>
+          </a:lnRef>
+          <a:fillRef idx="1">
+            <a:schemeClr val="accent1"/>
+          </a:fillRef>
+          <a:effectRef idx="0">
+            <a:schemeClr val="accent1"/>
+          </a:effectRef>
+          <a:fontRef idx="minor">
+            <a:schemeClr val="lt1"/>
+          </a:fontRef>
+        </p:style>
+        <p:txBody>
+          <a:bodyPr rtlCol="0" anchor="ctr"/>
+          <a:lstStyle/>
+          <a:p>
+            <a:pPr marL="0" marR="0" lvl="0" indent="0" algn="ctr" defTabSz="914400" rtl="0" eaLnBrk="1" fontAlgn="auto" latinLnBrk="0" hangingPunct="1">
+              <a:lnSpc>
+                <a:spcPct val="100000"/>
+              </a:lnSpc>
+              <a:spcBef>
+                <a:spcPts val="0"/>
+              </a:spcBef>
+              <a:spcAft>
+                <a:spcPts val="0"/>
+              </a:spcAft>
+              <a:buClrTx/>
+              <a:buSzTx/>
+              <a:buFontTx/>
+              <a:buNone/>
+              <a:tabLst/>
+              <a:defRPr/>
+            </a:pPr>
+            <a:r>
+              <a:rPr kumimoji="0" lang="en-US" sz="1400" b="0" i="0" u="none" strike="noStrike" kern="1200" cap="none" spc="0" normalizeH="0" baseline="0" noProof="0" dirty="0">
+                <a:ln>
+                  <a:noFill/>
+                </a:ln>
+                <a:solidFill>
+                  <a:prstClr val="white"/>
+                </a:solidFill>
+                <a:effectLst/>
+                <a:uLnTx/>
+                <a:uFillTx/>
+                <a:latin typeface="Calibri" panose="020F0502020204030204"/>
+                <a:ea typeface="+mn-ea"/>
+                <a:cs typeface="+mn-cs"/>
+              </a:rPr>
+              <a:t>Blueprint-Blue-Lib</a:t>
+            </a:r>
+            <a:endParaRPr kumimoji="0" lang="en-US" sz="700" b="0" i="0" u="none" strike="noStrike" kern="1200" cap="none" spc="0" normalizeH="0" baseline="0" noProof="0" dirty="0">
+              <a:ln>
+                <a:noFill/>
+              </a:ln>
+              <a:solidFill>
+                <a:prstClr val="white"/>
+              </a:solidFill>
+              <a:effectLst/>
+              <a:uLnTx/>
+              <a:uFillTx/>
+              <a:latin typeface="Calibri" panose="020F0502020204030204"/>
+              <a:ea typeface="+mn-ea"/>
+              <a:cs typeface="+mn-cs"/>
+            </a:endParaRPr>
+          </a:p>
+          <a:p>
+            <a:pPr marL="0" marR="0" lvl="0" indent="0" algn="ctr" defTabSz="914400" rtl="0" eaLnBrk="1" fontAlgn="auto" latinLnBrk="0" hangingPunct="1">
+              <a:lnSpc>
+                <a:spcPct val="100000"/>
+              </a:lnSpc>
+              <a:spcBef>
+                <a:spcPts val="0"/>
+              </a:spcBef>
+              <a:spcAft>
+                <a:spcPts val="0"/>
+              </a:spcAft>
+              <a:buClrTx/>
+              <a:buSzTx/>
+              <a:buFontTx/>
+              <a:buNone/>
+              <a:tabLst/>
+              <a:defRPr/>
+            </a:pPr>
+            <a:r>
+              <a:rPr kumimoji="0" lang="en-US" sz="800" b="0" i="0" u="none" strike="noStrike" kern="1200" cap="none" spc="0" normalizeH="0" baseline="0" noProof="0" dirty="0">
+                <a:ln>
+                  <a:noFill/>
+                </a:ln>
+                <a:solidFill>
+                  <a:prstClr val="white"/>
+                </a:solidFill>
+                <a:effectLst/>
+                <a:uLnTx/>
+                <a:uFillTx/>
+                <a:latin typeface="Calibri" panose="020F0502020204030204"/>
+                <a:ea typeface="+mn-ea"/>
+                <a:cs typeface="+mn-cs"/>
+              </a:rPr>
+              <a:t> [C</a:t>
+            </a:r>
+            <a:r>
+              <a:rPr lang="en-US" sz="800" dirty="0">
+                <a:solidFill>
+                  <a:prstClr val="white"/>
+                </a:solidFill>
+                <a:latin typeface="Calibri" panose="020F0502020204030204"/>
+              </a:rPr>
+              <a:t>#</a:t>
+            </a:r>
+            <a:r>
+              <a:rPr kumimoji="0" lang="en-US" sz="800" b="0" i="0" u="none" strike="noStrike" kern="1200" cap="none" spc="0" normalizeH="0" baseline="0" noProof="0" dirty="0">
+                <a:ln>
+                  <a:noFill/>
+                </a:ln>
+                <a:solidFill>
+                  <a:prstClr val="white"/>
+                </a:solidFill>
+                <a:effectLst/>
+                <a:uLnTx/>
+                <a:uFillTx/>
+                <a:latin typeface="Calibri" panose="020F0502020204030204"/>
+                <a:ea typeface="+mn-ea"/>
+                <a:cs typeface="+mn-cs"/>
+              </a:rPr>
+              <a:t>]</a:t>
+            </a:r>
+          </a:p>
+        </p:txBody>
+      </p:sp>
+      <p:sp>
+        <p:nvSpPr>
+          <p:cNvPr id="472" name="Rectangle 471">
+            <a:extLst>
+              <a:ext uri="{FF2B5EF4-FFF2-40B4-BE49-F238E27FC236}">
+                <a16:creationId xmlns:a16="http://schemas.microsoft.com/office/drawing/2014/main" id="{D0FCAF2C-EE16-AEB0-AC3E-149B5420AE80}"/>
+              </a:ext>
+            </a:extLst>
+          </p:cNvPr>
+          <p:cNvSpPr/>
+          <p:nvPr/>
+        </p:nvSpPr>
+        <p:spPr>
+          <a:xfrm>
+            <a:off x="3929211" y="2024031"/>
+            <a:ext cx="1575459" cy="979714"/>
+          </a:xfrm>
+          <a:prstGeom prst="rect">
+            <a:avLst/>
+          </a:prstGeom>
+          <a:solidFill>
+            <a:srgbClr val="203864"/>
+          </a:solidFill>
+        </p:spPr>
+        <p:style>
+          <a:lnRef idx="2">
+            <a:schemeClr val="accent1">
+              <a:shade val="50000"/>
+            </a:schemeClr>
+          </a:lnRef>
+          <a:fillRef idx="1">
+            <a:schemeClr val="accent1"/>
+          </a:fillRef>
+          <a:effectRef idx="0">
+            <a:schemeClr val="accent1"/>
+          </a:effectRef>
+          <a:fontRef idx="minor">
+            <a:schemeClr val="lt1"/>
+          </a:fontRef>
+        </p:style>
+        <p:txBody>
+          <a:bodyPr rtlCol="0" anchor="ctr"/>
+          <a:lstStyle/>
+          <a:p>
+            <a:pPr marL="0" marR="0" lvl="0" indent="0" algn="ctr" defTabSz="914400" rtl="0" eaLnBrk="1" fontAlgn="auto" latinLnBrk="0" hangingPunct="1">
+              <a:lnSpc>
+                <a:spcPct val="100000"/>
+              </a:lnSpc>
+              <a:spcBef>
+                <a:spcPts val="0"/>
+              </a:spcBef>
+              <a:spcAft>
+                <a:spcPts val="0"/>
+              </a:spcAft>
+              <a:buClrTx/>
+              <a:buSzTx/>
+              <a:buFontTx/>
+              <a:buNone/>
+              <a:tabLst/>
+              <a:defRPr/>
+            </a:pPr>
+            <a:r>
+              <a:rPr lang="en-US" sz="1600" dirty="0">
+                <a:solidFill>
+                  <a:prstClr val="white"/>
+                </a:solidFill>
+                <a:latin typeface="Calibri" panose="020F0502020204030204"/>
+              </a:rPr>
+              <a:t>av-b</a:t>
+            </a:r>
+            <a:r>
+              <a:rPr kumimoji="0" lang="en-US" sz="1600" b="0" i="0" u="none" strike="noStrike" kern="1200" cap="none" spc="0" normalizeH="0" baseline="0" noProof="0" dirty="0" err="1">
+                <a:ln>
+                  <a:noFill/>
+                </a:ln>
+                <a:solidFill>
+                  <a:prstClr val="white"/>
+                </a:solidFill>
+                <a:effectLst/>
+                <a:uLnTx/>
+                <a:uFillTx/>
+                <a:latin typeface="Calibri" panose="020F0502020204030204"/>
+                <a:ea typeface="+mn-ea"/>
+                <a:cs typeface="+mn-cs"/>
+              </a:rPr>
+              <a:t>lueprint</a:t>
+            </a:r>
+            <a:endParaRPr kumimoji="0" lang="en-US" sz="1600" b="0" i="0" u="none" strike="noStrike" kern="1200" cap="none" spc="0" normalizeH="0" baseline="0" noProof="0" dirty="0">
+              <a:ln>
+                <a:noFill/>
+              </a:ln>
+              <a:solidFill>
+                <a:prstClr val="white"/>
+              </a:solidFill>
+              <a:effectLst/>
+              <a:uLnTx/>
+              <a:uFillTx/>
+              <a:latin typeface="Calibri" panose="020F0502020204030204"/>
+              <a:ea typeface="+mn-ea"/>
+              <a:cs typeface="+mn-cs"/>
+            </a:endParaRPr>
+          </a:p>
+          <a:p>
+            <a:pPr marL="0" marR="0" lvl="0" indent="0" algn="ctr" defTabSz="914400" rtl="0" eaLnBrk="1" fontAlgn="auto" latinLnBrk="0" hangingPunct="1">
+              <a:lnSpc>
+                <a:spcPct val="100000"/>
+              </a:lnSpc>
+              <a:spcBef>
+                <a:spcPts val="0"/>
+              </a:spcBef>
+              <a:spcAft>
+                <a:spcPts val="0"/>
+              </a:spcAft>
+              <a:buClrTx/>
+              <a:buSzTx/>
+              <a:buFontTx/>
+              <a:buNone/>
+              <a:tabLst/>
+              <a:defRPr/>
+            </a:pPr>
+            <a:r>
+              <a:rPr kumimoji="0" lang="en-US" sz="800" b="0" i="0" u="none" strike="noStrike" kern="1200" cap="none" spc="0" normalizeH="0" baseline="0" noProof="0" dirty="0">
+                <a:ln>
+                  <a:noFill/>
+                </a:ln>
+                <a:solidFill>
+                  <a:prstClr val="white"/>
+                </a:solidFill>
+                <a:effectLst/>
+                <a:uLnTx/>
+                <a:uFillTx/>
+                <a:latin typeface="Calibri" panose="020F0502020204030204"/>
+                <a:ea typeface="+mn-ea"/>
+                <a:cs typeface="+mn-cs"/>
+              </a:rPr>
+              <a:t> [C++]</a:t>
+            </a:r>
+          </a:p>
+        </p:txBody>
+      </p:sp>
+      <p:cxnSp>
+        <p:nvCxnSpPr>
+          <p:cNvPr id="474" name="Straight Arrow Connector 105">
+            <a:extLst>
+              <a:ext uri="{FF2B5EF4-FFF2-40B4-BE49-F238E27FC236}">
+                <a16:creationId xmlns:a16="http://schemas.microsoft.com/office/drawing/2014/main" id="{083585D5-3B2B-0670-3B1A-A1F3234B9F82}"/>
+              </a:ext>
+            </a:extLst>
+          </p:cNvPr>
+          <p:cNvCxnSpPr>
+            <a:cxnSpLocks/>
+            <a:stCxn id="471" idx="3"/>
+            <a:endCxn id="470" idx="1"/>
+          </p:cNvCxnSpPr>
+          <p:nvPr/>
+        </p:nvCxnSpPr>
+        <p:spPr>
+          <a:xfrm>
+            <a:off x="5500471" y="5421854"/>
+            <a:ext cx="299114" cy="3162"/>
+          </a:xfrm>
+          <a:prstGeom prst="straightConnector1">
+            <a:avLst/>
+          </a:prstGeom>
+          <a:ln>
+            <a:solidFill>
+              <a:schemeClr val="tx1">
+                <a:lumMod val="65000"/>
+                <a:lumOff val="35000"/>
+              </a:schemeClr>
+            </a:solidFill>
+            <a:tailEnd type="triangle"/>
+          </a:ln>
+        </p:spPr>
+        <p:style>
+          <a:lnRef idx="1">
+            <a:schemeClr val="accent1"/>
+          </a:lnRef>
+          <a:fillRef idx="0">
+            <a:schemeClr val="accent1"/>
+          </a:fillRef>
+          <a:effectRef idx="0">
+            <a:schemeClr val="accent1"/>
+          </a:effectRef>
+          <a:fontRef idx="minor">
+            <a:schemeClr val="tx1"/>
+          </a:fontRef>
+        </p:style>
+      </p:cxnSp>
+      <p:cxnSp>
+        <p:nvCxnSpPr>
+          <p:cNvPr id="475" name="Straight Arrow Connector 105">
+            <a:extLst>
+              <a:ext uri="{FF2B5EF4-FFF2-40B4-BE49-F238E27FC236}">
+                <a16:creationId xmlns:a16="http://schemas.microsoft.com/office/drawing/2014/main" id="{67FEC8AD-F20D-B231-51E4-D539F008C293}"/>
+              </a:ext>
+            </a:extLst>
+          </p:cNvPr>
+          <p:cNvCxnSpPr>
+            <a:cxnSpLocks/>
+            <a:stCxn id="480" idx="2"/>
+            <a:endCxn id="471" idx="0"/>
+          </p:cNvCxnSpPr>
+          <p:nvPr/>
+        </p:nvCxnSpPr>
+        <p:spPr>
+          <a:xfrm rot="5400000">
+            <a:off x="4479135" y="4695997"/>
+            <a:ext cx="469607" cy="2392"/>
+          </a:xfrm>
+          <a:prstGeom prst="bentConnector3">
+            <a:avLst>
+              <a:gd name="adj1" fmla="val 50000"/>
+            </a:avLst>
+          </a:prstGeom>
+          <a:ln>
+            <a:solidFill>
+              <a:schemeClr val="tx1">
+                <a:lumMod val="65000"/>
+                <a:lumOff val="35000"/>
+              </a:schemeClr>
+            </a:solidFill>
+            <a:tailEnd type="triangle"/>
+          </a:ln>
+        </p:spPr>
+        <p:style>
+          <a:lnRef idx="1">
+            <a:schemeClr val="accent1"/>
+          </a:lnRef>
+          <a:fillRef idx="0">
+            <a:schemeClr val="accent1"/>
+          </a:fillRef>
+          <a:effectRef idx="0">
+            <a:schemeClr val="accent1"/>
+          </a:effectRef>
+          <a:fontRef idx="minor">
+            <a:schemeClr val="tx1"/>
+          </a:fontRef>
+        </p:style>
+      </p:cxnSp>
+      <p:grpSp>
+        <p:nvGrpSpPr>
+          <p:cNvPr id="479" name="Group 478">
+            <a:extLst>
+              <a:ext uri="{FF2B5EF4-FFF2-40B4-BE49-F238E27FC236}">
+                <a16:creationId xmlns:a16="http://schemas.microsoft.com/office/drawing/2014/main" id="{A44C6415-E495-5796-F3F2-91AE09C1D22B}"/>
+              </a:ext>
+            </a:extLst>
+          </p:cNvPr>
+          <p:cNvGrpSpPr/>
+          <p:nvPr/>
+        </p:nvGrpSpPr>
+        <p:grpSpPr>
+          <a:xfrm>
+            <a:off x="5552037" y="4852558"/>
+            <a:ext cx="260145" cy="1130530"/>
+            <a:chOff x="9841804" y="4536961"/>
+            <a:chExt cx="260145" cy="1130530"/>
+          </a:xfrm>
+        </p:grpSpPr>
+        <p:grpSp>
+          <p:nvGrpSpPr>
+            <p:cNvPr id="482" name="Group 481">
+              <a:extLst>
+                <a:ext uri="{FF2B5EF4-FFF2-40B4-BE49-F238E27FC236}">
+                  <a16:creationId xmlns:a16="http://schemas.microsoft.com/office/drawing/2014/main" id="{3CA0A2E8-54DF-76BB-4383-239447F9DB27}"/>
+                </a:ext>
+              </a:extLst>
+            </p:cNvPr>
+            <p:cNvGrpSpPr/>
+            <p:nvPr/>
+          </p:nvGrpSpPr>
+          <p:grpSpPr>
+            <a:xfrm rot="16200000">
+              <a:off x="9601308" y="5166854"/>
+              <a:ext cx="741133" cy="260141"/>
+              <a:chOff x="7686586" y="4456943"/>
+              <a:chExt cx="741133" cy="260141"/>
+            </a:xfrm>
+          </p:grpSpPr>
+          <p:sp>
+            <p:nvSpPr>
+              <p:cNvPr id="486" name="TextBox 485">
+                <a:extLst>
+                  <a:ext uri="{FF2B5EF4-FFF2-40B4-BE49-F238E27FC236}">
+                    <a16:creationId xmlns:a16="http://schemas.microsoft.com/office/drawing/2014/main" id="{FE0D7300-A793-5284-8B5E-A1811CBCA621}"/>
+                  </a:ext>
+                </a:extLst>
+              </p:cNvPr>
+              <p:cNvSpPr txBox="1"/>
+              <p:nvPr/>
+            </p:nvSpPr>
+            <p:spPr>
+              <a:xfrm>
+                <a:off x="7686586" y="4501640"/>
+                <a:ext cx="741133" cy="215444"/>
+              </a:xfrm>
+              <a:prstGeom prst="rect">
+                <a:avLst/>
+              </a:prstGeom>
+              <a:noFill/>
+            </p:spPr>
+            <p:txBody>
+              <a:bodyPr wrap="square" rtlCol="0">
+                <a:spAutoFit/>
+              </a:bodyPr>
+              <a:lstStyle/>
+              <a:p>
+                <a:pPr algn="ctr"/>
+                <a:r>
+                  <a:rPr lang="en-US" sz="800" dirty="0" err="1">
+                    <a:solidFill>
+                      <a:schemeClr val="tx1">
+                        <a:lumMod val="50000"/>
+                        <a:lumOff val="50000"/>
+                      </a:schemeClr>
+                    </a:solidFill>
+                  </a:rPr>
+                  <a:t>json</a:t>
+                </a:r>
+                <a:endParaRPr lang="en-US" sz="800" dirty="0">
+                  <a:solidFill>
+                    <a:schemeClr val="tx1">
+                      <a:lumMod val="50000"/>
+                      <a:lumOff val="50000"/>
+                    </a:schemeClr>
+                  </a:solidFill>
+                </a:endParaRPr>
+              </a:p>
+            </p:txBody>
+          </p:sp>
+          <p:cxnSp>
+            <p:nvCxnSpPr>
+              <p:cNvPr id="487" name="Connector: Elbow 5">
+                <a:extLst>
+                  <a:ext uri="{FF2B5EF4-FFF2-40B4-BE49-F238E27FC236}">
+                    <a16:creationId xmlns:a16="http://schemas.microsoft.com/office/drawing/2014/main" id="{6C0F0F0D-F6F8-F644-CF60-938588DBCBD9}"/>
+                  </a:ext>
+                </a:extLst>
+              </p:cNvPr>
+              <p:cNvCxnSpPr>
+                <a:cxnSpLocks/>
+              </p:cNvCxnSpPr>
+              <p:nvPr/>
+            </p:nvCxnSpPr>
+            <p:spPr>
+              <a:xfrm flipV="1">
+                <a:off x="8032289" y="4456943"/>
+                <a:ext cx="0" cy="109794"/>
+              </a:xfrm>
+              <a:prstGeom prst="straightConnector1">
+                <a:avLst/>
+              </a:prstGeom>
+              <a:ln>
+                <a:tailEnd type="triangle"/>
+              </a:ln>
+            </p:spPr>
+            <p:style>
+              <a:lnRef idx="1">
+                <a:schemeClr val="accent1"/>
+              </a:lnRef>
+              <a:fillRef idx="0">
+                <a:schemeClr val="accent1"/>
+              </a:fillRef>
+              <a:effectRef idx="0">
+                <a:schemeClr val="accent1"/>
+              </a:effectRef>
+              <a:fontRef idx="minor">
+                <a:schemeClr val="tx1"/>
+              </a:fontRef>
+            </p:style>
+          </p:cxnSp>
+        </p:grpSp>
+        <p:grpSp>
+          <p:nvGrpSpPr>
+            <p:cNvPr id="483" name="Group 482">
+              <a:extLst>
+                <a:ext uri="{FF2B5EF4-FFF2-40B4-BE49-F238E27FC236}">
+                  <a16:creationId xmlns:a16="http://schemas.microsoft.com/office/drawing/2014/main" id="{40092D72-7FC0-1DA0-0FA6-D47E7B1FF8EA}"/>
+                </a:ext>
+              </a:extLst>
+            </p:cNvPr>
+            <p:cNvGrpSpPr/>
+            <p:nvPr/>
+          </p:nvGrpSpPr>
+          <p:grpSpPr>
+            <a:xfrm rot="16200000">
+              <a:off x="9601311" y="4777457"/>
+              <a:ext cx="741133" cy="260142"/>
+              <a:chOff x="7686587" y="4456943"/>
+              <a:chExt cx="741133" cy="260142"/>
+            </a:xfrm>
+          </p:grpSpPr>
+          <p:sp>
+            <p:nvSpPr>
+              <p:cNvPr id="484" name="TextBox 483">
+                <a:extLst>
+                  <a:ext uri="{FF2B5EF4-FFF2-40B4-BE49-F238E27FC236}">
+                    <a16:creationId xmlns:a16="http://schemas.microsoft.com/office/drawing/2014/main" id="{B33669EE-E9D3-B606-67F9-7531D32EDA66}"/>
+                  </a:ext>
+                </a:extLst>
+              </p:cNvPr>
+              <p:cNvSpPr txBox="1"/>
+              <p:nvPr/>
+            </p:nvSpPr>
+            <p:spPr>
+              <a:xfrm>
+                <a:off x="7686587" y="4501641"/>
+                <a:ext cx="741133" cy="215444"/>
+              </a:xfrm>
+              <a:prstGeom prst="rect">
+                <a:avLst/>
+              </a:prstGeom>
+              <a:noFill/>
+            </p:spPr>
+            <p:txBody>
+              <a:bodyPr wrap="square" rtlCol="0">
+                <a:spAutoFit/>
+              </a:bodyPr>
+              <a:lstStyle/>
+              <a:p>
+                <a:pPr algn="ctr"/>
+                <a:r>
+                  <a:rPr lang="en-US" sz="800" dirty="0">
+                    <a:solidFill>
+                      <a:schemeClr val="tx1">
+                        <a:lumMod val="50000"/>
+                        <a:lumOff val="50000"/>
+                      </a:schemeClr>
+                    </a:solidFill>
+                  </a:rPr>
+                  <a:t>string</a:t>
+                </a:r>
+              </a:p>
+            </p:txBody>
+          </p:sp>
+          <p:cxnSp>
+            <p:nvCxnSpPr>
+              <p:cNvPr id="485" name="Connector: Elbow 5">
+                <a:extLst>
+                  <a:ext uri="{FF2B5EF4-FFF2-40B4-BE49-F238E27FC236}">
+                    <a16:creationId xmlns:a16="http://schemas.microsoft.com/office/drawing/2014/main" id="{9D55D547-09DB-1112-DC01-30ED0243ACD3}"/>
+                  </a:ext>
+                </a:extLst>
+              </p:cNvPr>
+              <p:cNvCxnSpPr>
+                <a:cxnSpLocks/>
+              </p:cNvCxnSpPr>
+              <p:nvPr/>
+            </p:nvCxnSpPr>
+            <p:spPr>
+              <a:xfrm>
+                <a:off x="8032289" y="4456943"/>
+                <a:ext cx="0" cy="109794"/>
+              </a:xfrm>
+              <a:prstGeom prst="straightConnector1">
+                <a:avLst/>
+              </a:prstGeom>
+              <a:ln>
+                <a:tailEnd type="triangle"/>
+              </a:ln>
+            </p:spPr>
+            <p:style>
+              <a:lnRef idx="1">
+                <a:schemeClr val="accent1"/>
+              </a:lnRef>
+              <a:fillRef idx="0">
+                <a:schemeClr val="accent1"/>
+              </a:fillRef>
+              <a:effectRef idx="0">
+                <a:schemeClr val="accent1"/>
+              </a:effectRef>
+              <a:fontRef idx="minor">
+                <a:schemeClr val="tx1"/>
+              </a:fontRef>
+            </p:style>
+          </p:cxnSp>
+        </p:grpSp>
+      </p:grpSp>
+      <p:grpSp>
+        <p:nvGrpSpPr>
+          <p:cNvPr id="499" name="Group 498">
+            <a:extLst>
+              <a:ext uri="{FF2B5EF4-FFF2-40B4-BE49-F238E27FC236}">
+                <a16:creationId xmlns:a16="http://schemas.microsoft.com/office/drawing/2014/main" id="{6E589DD0-224D-2151-1DCD-ABC40534F3A0}"/>
+              </a:ext>
+            </a:extLst>
+          </p:cNvPr>
+          <p:cNvGrpSpPr/>
+          <p:nvPr/>
+        </p:nvGrpSpPr>
+        <p:grpSpPr>
+          <a:xfrm>
+            <a:off x="7661574" y="5177362"/>
+            <a:ext cx="330981" cy="480529"/>
+            <a:chOff x="1272930" y="2721801"/>
+            <a:chExt cx="488454" cy="707199"/>
+          </a:xfrm>
+        </p:grpSpPr>
+        <p:grpSp>
+          <p:nvGrpSpPr>
+            <p:cNvPr id="504" name="Group 503">
+              <a:extLst>
+                <a:ext uri="{FF2B5EF4-FFF2-40B4-BE49-F238E27FC236}">
+                  <a16:creationId xmlns:a16="http://schemas.microsoft.com/office/drawing/2014/main" id="{E95B6CB6-2394-489D-0C36-51A1583CB7F6}"/>
+                </a:ext>
+              </a:extLst>
+            </p:cNvPr>
+            <p:cNvGrpSpPr/>
+            <p:nvPr/>
+          </p:nvGrpSpPr>
+          <p:grpSpPr>
+            <a:xfrm>
+              <a:off x="1272930" y="2721801"/>
+              <a:ext cx="488454" cy="707199"/>
+              <a:chOff x="2082555" y="2721801"/>
+              <a:chExt cx="488454" cy="707199"/>
+            </a:xfrm>
+          </p:grpSpPr>
+          <p:sp>
+            <p:nvSpPr>
+              <p:cNvPr id="538" name="Rectangle 537">
+                <a:extLst>
+                  <a:ext uri="{FF2B5EF4-FFF2-40B4-BE49-F238E27FC236}">
+                    <a16:creationId xmlns:a16="http://schemas.microsoft.com/office/drawing/2014/main" id="{E0BEA99A-7DE7-3CD3-6CB6-B4B464790A1D}"/>
+                  </a:ext>
+                </a:extLst>
+              </p:cNvPr>
+              <p:cNvSpPr/>
+              <p:nvPr/>
+            </p:nvSpPr>
+            <p:spPr>
+              <a:xfrm>
+                <a:off x="2107871" y="2796639"/>
+                <a:ext cx="463138" cy="632361"/>
+              </a:xfrm>
+              <a:prstGeom prst="rect">
+                <a:avLst/>
+              </a:prstGeom>
+              <a:solidFill>
+                <a:schemeClr val="accent1">
+                  <a:lumMod val="60000"/>
+                  <a:lumOff val="40000"/>
+                </a:schemeClr>
+              </a:solidFill>
+            </p:spPr>
+            <p:style>
+              <a:lnRef idx="2">
+                <a:schemeClr val="accent1">
+                  <a:shade val="50000"/>
+                </a:schemeClr>
+              </a:lnRef>
+              <a:fillRef idx="1">
+                <a:schemeClr val="accent1"/>
+              </a:fillRef>
+              <a:effectRef idx="0">
+                <a:schemeClr val="accent1"/>
+              </a:effectRef>
+              <a:fontRef idx="minor">
+                <a:schemeClr val="lt1"/>
+              </a:fontRef>
+            </p:style>
+            <p:txBody>
+              <a:bodyPr rtlCol="0" anchor="ctr"/>
+              <a:lstStyle/>
+              <a:p>
+                <a:pPr algn="ctr"/>
+                <a:endParaRPr lang="en-US"/>
+              </a:p>
+            </p:txBody>
+          </p:sp>
+          <p:sp>
+            <p:nvSpPr>
+              <p:cNvPr id="539" name="Isosceles Triangle 538">
+                <a:extLst>
+                  <a:ext uri="{FF2B5EF4-FFF2-40B4-BE49-F238E27FC236}">
+                    <a16:creationId xmlns:a16="http://schemas.microsoft.com/office/drawing/2014/main" id="{319596C6-E28F-2288-E769-A06B17E15D28}"/>
+                  </a:ext>
+                </a:extLst>
+              </p:cNvPr>
+              <p:cNvSpPr/>
+              <p:nvPr/>
+            </p:nvSpPr>
+            <p:spPr>
+              <a:xfrm rot="7947381" flipV="1">
+                <a:off x="2035459" y="2768897"/>
+                <a:ext cx="201880" cy="107688"/>
+              </a:xfrm>
+              <a:prstGeom prst="triangle">
+                <a:avLst>
+                  <a:gd name="adj" fmla="val 50415"/>
+                </a:avLst>
+              </a:prstGeom>
+              <a:solidFill>
+                <a:schemeClr val="bg1"/>
+              </a:solidFill>
+              <a:ln>
+                <a:solidFill>
+                  <a:schemeClr val="bg1"/>
+                </a:solidFill>
+              </a:ln>
+            </p:spPr>
+            <p:style>
+              <a:lnRef idx="2">
+                <a:schemeClr val="accent1">
+                  <a:shade val="50000"/>
+                </a:schemeClr>
+              </a:lnRef>
+              <a:fillRef idx="1">
+                <a:schemeClr val="accent1"/>
+              </a:fillRef>
+              <a:effectRef idx="0">
+                <a:schemeClr val="accent1"/>
+              </a:effectRef>
+              <a:fontRef idx="minor">
+                <a:schemeClr val="lt1"/>
+              </a:fontRef>
+            </p:style>
+            <p:txBody>
+              <a:bodyPr rtlCol="0" anchor="ctr"/>
+              <a:lstStyle/>
+              <a:p>
+                <a:pPr algn="ctr"/>
+                <a:endParaRPr lang="en-US"/>
+              </a:p>
+            </p:txBody>
+          </p:sp>
+          <p:sp>
+            <p:nvSpPr>
+              <p:cNvPr id="540" name="Isosceles Triangle 539">
+                <a:extLst>
+                  <a:ext uri="{FF2B5EF4-FFF2-40B4-BE49-F238E27FC236}">
+                    <a16:creationId xmlns:a16="http://schemas.microsoft.com/office/drawing/2014/main" id="{E399C073-7325-7CA3-5D0A-E718F28556ED}"/>
+                  </a:ext>
+                </a:extLst>
+              </p:cNvPr>
+              <p:cNvSpPr/>
+              <p:nvPr/>
+            </p:nvSpPr>
+            <p:spPr>
+              <a:xfrm rot="18762502" flipV="1">
+                <a:off x="2123370" y="2859537"/>
+                <a:ext cx="201880" cy="107688"/>
+              </a:xfrm>
+              <a:prstGeom prst="triangle">
+                <a:avLst>
+                  <a:gd name="adj" fmla="val 50415"/>
+                </a:avLst>
+              </a:prstGeom>
+              <a:solidFill>
+                <a:schemeClr val="bg1"/>
+              </a:solidFill>
+              <a:ln>
+                <a:solidFill>
+                  <a:schemeClr val="accent1"/>
+                </a:solidFill>
+              </a:ln>
+            </p:spPr>
+            <p:style>
+              <a:lnRef idx="2">
+                <a:schemeClr val="accent1">
+                  <a:shade val="50000"/>
+                </a:schemeClr>
+              </a:lnRef>
+              <a:fillRef idx="1">
+                <a:schemeClr val="accent1"/>
+              </a:fillRef>
+              <a:effectRef idx="0">
+                <a:schemeClr val="accent1"/>
+              </a:effectRef>
+              <a:fontRef idx="minor">
+                <a:schemeClr val="lt1"/>
+              </a:fontRef>
+            </p:style>
+            <p:txBody>
+              <a:bodyPr rtlCol="0" anchor="ctr"/>
+              <a:lstStyle/>
+              <a:p>
+                <a:pPr algn="ctr"/>
+                <a:endParaRPr lang="en-US"/>
+              </a:p>
+            </p:txBody>
+          </p:sp>
+        </p:grpSp>
+        <p:grpSp>
+          <p:nvGrpSpPr>
+            <p:cNvPr id="505" name="Group 504">
+              <a:extLst>
+                <a:ext uri="{FF2B5EF4-FFF2-40B4-BE49-F238E27FC236}">
+                  <a16:creationId xmlns:a16="http://schemas.microsoft.com/office/drawing/2014/main" id="{76F5B2A2-AC5F-BC3E-542F-0A290E0A0B88}"/>
+                </a:ext>
+              </a:extLst>
+            </p:cNvPr>
+            <p:cNvGrpSpPr/>
+            <p:nvPr/>
+          </p:nvGrpSpPr>
+          <p:grpSpPr>
+            <a:xfrm>
+              <a:off x="1371411" y="3024074"/>
+              <a:ext cx="326420" cy="325909"/>
+              <a:chOff x="1371411" y="3024074"/>
+              <a:chExt cx="342900" cy="325909"/>
+            </a:xfrm>
+          </p:grpSpPr>
+          <p:cxnSp>
+            <p:nvCxnSpPr>
+              <p:cNvPr id="506" name="Straight Connector 505">
+                <a:extLst>
+                  <a:ext uri="{FF2B5EF4-FFF2-40B4-BE49-F238E27FC236}">
+                    <a16:creationId xmlns:a16="http://schemas.microsoft.com/office/drawing/2014/main" id="{C925F41D-3225-8E73-9E45-722C0119C5F9}"/>
+                  </a:ext>
+                </a:extLst>
+              </p:cNvPr>
+              <p:cNvCxnSpPr>
+                <a:cxnSpLocks/>
+              </p:cNvCxnSpPr>
+              <p:nvPr/>
+            </p:nvCxnSpPr>
+            <p:spPr>
+              <a:xfrm>
+                <a:off x="1371411" y="3024074"/>
+                <a:ext cx="342900" cy="0"/>
+              </a:xfrm>
+              <a:prstGeom prst="line">
+                <a:avLst/>
+              </a:prstGeom>
+              <a:ln>
+                <a:solidFill>
+                  <a:schemeClr val="bg1">
+                    <a:lumMod val="95000"/>
+                  </a:schemeClr>
+                </a:solidFill>
+              </a:ln>
+            </p:spPr>
+            <p:style>
+              <a:lnRef idx="1">
+                <a:schemeClr val="accent1"/>
+              </a:lnRef>
+              <a:fillRef idx="0">
+                <a:schemeClr val="accent1"/>
+              </a:fillRef>
+              <a:effectRef idx="0">
+                <a:schemeClr val="accent1"/>
+              </a:effectRef>
+              <a:fontRef idx="minor">
+                <a:schemeClr val="tx1"/>
+              </a:fontRef>
+            </p:style>
+          </p:cxnSp>
+          <p:cxnSp>
+            <p:nvCxnSpPr>
+              <p:cNvPr id="510" name="Straight Connector 509">
+                <a:extLst>
+                  <a:ext uri="{FF2B5EF4-FFF2-40B4-BE49-F238E27FC236}">
+                    <a16:creationId xmlns:a16="http://schemas.microsoft.com/office/drawing/2014/main" id="{083A1954-1537-2ED6-17C4-DD3232557E4B}"/>
+                  </a:ext>
+                </a:extLst>
+              </p:cNvPr>
+              <p:cNvCxnSpPr>
+                <a:cxnSpLocks/>
+              </p:cNvCxnSpPr>
+              <p:nvPr/>
+            </p:nvCxnSpPr>
+            <p:spPr>
+              <a:xfrm>
+                <a:off x="1371411" y="3105551"/>
+                <a:ext cx="342900" cy="0"/>
+              </a:xfrm>
+              <a:prstGeom prst="line">
+                <a:avLst/>
+              </a:prstGeom>
+              <a:ln>
+                <a:solidFill>
+                  <a:schemeClr val="bg1">
+                    <a:lumMod val="95000"/>
+                  </a:schemeClr>
+                </a:solidFill>
+              </a:ln>
+            </p:spPr>
+            <p:style>
+              <a:lnRef idx="1">
+                <a:schemeClr val="accent1"/>
+              </a:lnRef>
+              <a:fillRef idx="0">
+                <a:schemeClr val="accent1"/>
+              </a:fillRef>
+              <a:effectRef idx="0">
+                <a:schemeClr val="accent1"/>
+              </a:effectRef>
+              <a:fontRef idx="minor">
+                <a:schemeClr val="tx1"/>
+              </a:fontRef>
+            </p:style>
+          </p:cxnSp>
+          <p:cxnSp>
+            <p:nvCxnSpPr>
+              <p:cNvPr id="511" name="Straight Connector 510">
+                <a:extLst>
+                  <a:ext uri="{FF2B5EF4-FFF2-40B4-BE49-F238E27FC236}">
+                    <a16:creationId xmlns:a16="http://schemas.microsoft.com/office/drawing/2014/main" id="{F663127E-9A8C-A6CA-60EF-4AE6D56478EC}"/>
+                  </a:ext>
+                </a:extLst>
+              </p:cNvPr>
+              <p:cNvCxnSpPr>
+                <a:cxnSpLocks/>
+              </p:cNvCxnSpPr>
+              <p:nvPr/>
+            </p:nvCxnSpPr>
+            <p:spPr>
+              <a:xfrm>
+                <a:off x="1371411" y="3187028"/>
+                <a:ext cx="342900" cy="0"/>
+              </a:xfrm>
+              <a:prstGeom prst="line">
+                <a:avLst/>
+              </a:prstGeom>
+              <a:ln>
+                <a:solidFill>
+                  <a:schemeClr val="bg1">
+                    <a:lumMod val="95000"/>
+                  </a:schemeClr>
+                </a:solidFill>
+              </a:ln>
+            </p:spPr>
+            <p:style>
+              <a:lnRef idx="1">
+                <a:schemeClr val="accent1"/>
+              </a:lnRef>
+              <a:fillRef idx="0">
+                <a:schemeClr val="accent1"/>
+              </a:fillRef>
+              <a:effectRef idx="0">
+                <a:schemeClr val="accent1"/>
+              </a:effectRef>
+              <a:fontRef idx="minor">
+                <a:schemeClr val="tx1"/>
+              </a:fontRef>
+            </p:style>
+          </p:cxnSp>
+          <p:cxnSp>
+            <p:nvCxnSpPr>
+              <p:cNvPr id="536" name="Straight Connector 535">
+                <a:extLst>
+                  <a:ext uri="{FF2B5EF4-FFF2-40B4-BE49-F238E27FC236}">
+                    <a16:creationId xmlns:a16="http://schemas.microsoft.com/office/drawing/2014/main" id="{AF14DDFE-4751-B329-83C7-4B8915A4FD76}"/>
+                  </a:ext>
+                </a:extLst>
+              </p:cNvPr>
+              <p:cNvCxnSpPr>
+                <a:cxnSpLocks/>
+              </p:cNvCxnSpPr>
+              <p:nvPr/>
+            </p:nvCxnSpPr>
+            <p:spPr>
+              <a:xfrm>
+                <a:off x="1371411" y="3268505"/>
+                <a:ext cx="342900" cy="0"/>
+              </a:xfrm>
+              <a:prstGeom prst="line">
+                <a:avLst/>
+              </a:prstGeom>
+              <a:ln>
+                <a:solidFill>
+                  <a:schemeClr val="bg1">
+                    <a:lumMod val="95000"/>
+                  </a:schemeClr>
+                </a:solidFill>
+              </a:ln>
+            </p:spPr>
+            <p:style>
+              <a:lnRef idx="1">
+                <a:schemeClr val="accent1"/>
+              </a:lnRef>
+              <a:fillRef idx="0">
+                <a:schemeClr val="accent1"/>
+              </a:fillRef>
+              <a:effectRef idx="0">
+                <a:schemeClr val="accent1"/>
+              </a:effectRef>
+              <a:fontRef idx="minor">
+                <a:schemeClr val="tx1"/>
+              </a:fontRef>
+            </p:style>
+          </p:cxnSp>
+          <p:cxnSp>
+            <p:nvCxnSpPr>
+              <p:cNvPr id="537" name="Straight Connector 536">
+                <a:extLst>
+                  <a:ext uri="{FF2B5EF4-FFF2-40B4-BE49-F238E27FC236}">
+                    <a16:creationId xmlns:a16="http://schemas.microsoft.com/office/drawing/2014/main" id="{6B9ECFE9-33E7-34D4-EC54-CD9323021CD2}"/>
+                  </a:ext>
+                </a:extLst>
+              </p:cNvPr>
+              <p:cNvCxnSpPr>
+                <a:cxnSpLocks/>
+              </p:cNvCxnSpPr>
+              <p:nvPr/>
+            </p:nvCxnSpPr>
+            <p:spPr>
+              <a:xfrm>
+                <a:off x="1371411" y="3349983"/>
+                <a:ext cx="342900" cy="0"/>
+              </a:xfrm>
+              <a:prstGeom prst="line">
+                <a:avLst/>
+              </a:prstGeom>
+              <a:ln>
+                <a:solidFill>
+                  <a:schemeClr val="bg1">
+                    <a:lumMod val="95000"/>
+                  </a:schemeClr>
+                </a:solidFill>
+              </a:ln>
+            </p:spPr>
+            <p:style>
+              <a:lnRef idx="1">
+                <a:schemeClr val="accent1"/>
+              </a:lnRef>
+              <a:fillRef idx="0">
+                <a:schemeClr val="accent1"/>
+              </a:fillRef>
+              <a:effectRef idx="0">
+                <a:schemeClr val="accent1"/>
+              </a:effectRef>
+              <a:fontRef idx="minor">
+                <a:schemeClr val="tx1"/>
+              </a:fontRef>
+            </p:style>
+          </p:cxnSp>
+        </p:grpSp>
+      </p:grpSp>
+      <p:sp>
+        <p:nvSpPr>
+          <p:cNvPr id="503" name="TextBox 502">
+            <a:extLst>
+              <a:ext uri="{FF2B5EF4-FFF2-40B4-BE49-F238E27FC236}">
+                <a16:creationId xmlns:a16="http://schemas.microsoft.com/office/drawing/2014/main" id="{58D8258A-836A-8159-C7DB-5F06612C3D9C}"/>
+              </a:ext>
+            </a:extLst>
+          </p:cNvPr>
+          <p:cNvSpPr txBox="1"/>
+          <p:nvPr/>
+        </p:nvSpPr>
+        <p:spPr>
+          <a:xfrm>
+            <a:off x="7439605" y="5629973"/>
+            <a:ext cx="826571" cy="307777"/>
+          </a:xfrm>
+          <a:prstGeom prst="rect">
+            <a:avLst/>
+          </a:prstGeom>
+          <a:noFill/>
+        </p:spPr>
+        <p:txBody>
+          <a:bodyPr wrap="square" rtlCol="0">
+            <a:spAutoFit/>
+          </a:bodyPr>
+          <a:lstStyle/>
+          <a:p>
+            <a:pPr algn="ctr"/>
+            <a:r>
+              <a:rPr lang="en-US" sz="800" dirty="0">
+                <a:solidFill>
+                  <a:schemeClr val="bg1">
+                    <a:lumMod val="50000"/>
+                  </a:schemeClr>
+                </a:solidFill>
+              </a:rPr>
+              <a:t>S4T.pest</a:t>
+            </a:r>
+          </a:p>
+          <a:p>
+            <a:pPr algn="ctr"/>
+            <a:r>
+              <a:rPr lang="en-US" sz="600" dirty="0">
+                <a:solidFill>
+                  <a:schemeClr val="bg1">
+                    <a:lumMod val="50000"/>
+                  </a:schemeClr>
+                </a:solidFill>
+              </a:rPr>
+              <a:t>&lt;&lt;PEG Grammar&gt;&gt;</a:t>
+            </a:r>
+          </a:p>
+        </p:txBody>
+      </p:sp>
+      <p:sp>
+        <p:nvSpPr>
+          <p:cNvPr id="480" name="Rectangle 479">
+            <a:extLst>
+              <a:ext uri="{FF2B5EF4-FFF2-40B4-BE49-F238E27FC236}">
+                <a16:creationId xmlns:a16="http://schemas.microsoft.com/office/drawing/2014/main" id="{F2328706-CA45-A13B-5057-93B4C46178B3}"/>
+              </a:ext>
+            </a:extLst>
+          </p:cNvPr>
+          <p:cNvSpPr/>
+          <p:nvPr/>
+        </p:nvSpPr>
+        <p:spPr>
+          <a:xfrm>
+            <a:off x="3927404" y="3482676"/>
+            <a:ext cx="1575459" cy="979714"/>
+          </a:xfrm>
+          <a:prstGeom prst="rect">
+            <a:avLst/>
+          </a:prstGeom>
+          <a:solidFill>
+            <a:srgbClr val="203864"/>
+          </a:solidFill>
+        </p:spPr>
+        <p:style>
+          <a:lnRef idx="2">
+            <a:schemeClr val="accent1">
+              <a:shade val="50000"/>
+            </a:schemeClr>
+          </a:lnRef>
+          <a:fillRef idx="1">
+            <a:schemeClr val="accent1"/>
+          </a:fillRef>
+          <a:effectRef idx="0">
+            <a:schemeClr val="accent1"/>
+          </a:effectRef>
+          <a:fontRef idx="minor">
+            <a:schemeClr val="lt1"/>
+          </a:fontRef>
+        </p:style>
+        <p:txBody>
+          <a:bodyPr rtlCol="0" anchor="ctr"/>
+          <a:lstStyle/>
+          <a:p>
+            <a:pPr marL="0" marR="0" lvl="0" indent="0" algn="ctr" defTabSz="914400" rtl="0" eaLnBrk="1" fontAlgn="auto" latinLnBrk="0" hangingPunct="1">
+              <a:lnSpc>
+                <a:spcPct val="100000"/>
+              </a:lnSpc>
+              <a:spcBef>
+                <a:spcPts val="0"/>
+              </a:spcBef>
+              <a:spcAft>
+                <a:spcPts val="0"/>
+              </a:spcAft>
+              <a:buClrTx/>
+              <a:buSzTx/>
+              <a:buFontTx/>
+              <a:buNone/>
+              <a:tabLst/>
+              <a:defRPr/>
+            </a:pPr>
+            <a:r>
+              <a:rPr kumimoji="0" lang="en-US" sz="1400" b="0" i="0" u="none" strike="noStrike" kern="1200" cap="none" spc="0" normalizeH="0" baseline="0" noProof="0" dirty="0">
+                <a:ln>
+                  <a:noFill/>
+                </a:ln>
+                <a:solidFill>
+                  <a:prstClr val="white"/>
+                </a:solidFill>
+                <a:effectLst/>
+                <a:uLnTx/>
+                <a:uFillTx/>
+                <a:latin typeface="Calibri" panose="020F0502020204030204"/>
+                <a:ea typeface="+mn-ea"/>
+                <a:cs typeface="+mn-cs"/>
+              </a:rPr>
+              <a:t>Blueprint-Blue-RPC</a:t>
+            </a:r>
+            <a:endParaRPr kumimoji="0" lang="en-US" sz="700" b="0" i="0" u="none" strike="noStrike" kern="1200" cap="none" spc="0" normalizeH="0" baseline="0" noProof="0" dirty="0">
+              <a:ln>
+                <a:noFill/>
+              </a:ln>
+              <a:solidFill>
+                <a:prstClr val="white"/>
+              </a:solidFill>
+              <a:effectLst/>
+              <a:uLnTx/>
+              <a:uFillTx/>
+              <a:latin typeface="Calibri" panose="020F0502020204030204"/>
+              <a:ea typeface="+mn-ea"/>
+              <a:cs typeface="+mn-cs"/>
+            </a:endParaRPr>
+          </a:p>
+          <a:p>
+            <a:pPr marL="0" marR="0" lvl="0" indent="0" algn="ctr" defTabSz="914400" rtl="0" eaLnBrk="1" fontAlgn="auto" latinLnBrk="0" hangingPunct="1">
+              <a:lnSpc>
+                <a:spcPct val="100000"/>
+              </a:lnSpc>
+              <a:spcBef>
+                <a:spcPts val="0"/>
+              </a:spcBef>
+              <a:spcAft>
+                <a:spcPts val="0"/>
+              </a:spcAft>
+              <a:buClrTx/>
+              <a:buSzTx/>
+              <a:buFontTx/>
+              <a:buNone/>
+              <a:tabLst/>
+              <a:defRPr/>
+            </a:pPr>
+            <a:r>
+              <a:rPr kumimoji="0" lang="en-US" sz="800" b="0" i="0" u="none" strike="noStrike" kern="1200" cap="none" spc="0" normalizeH="0" baseline="0" noProof="0" dirty="0">
+                <a:ln>
+                  <a:noFill/>
+                </a:ln>
+                <a:solidFill>
+                  <a:prstClr val="white"/>
+                </a:solidFill>
+                <a:effectLst/>
+                <a:uLnTx/>
+                <a:uFillTx/>
+                <a:latin typeface="Calibri" panose="020F0502020204030204"/>
+                <a:ea typeface="+mn-ea"/>
+                <a:cs typeface="+mn-cs"/>
+              </a:rPr>
+              <a:t>[C</a:t>
+            </a:r>
+            <a:r>
+              <a:rPr lang="en-US" sz="800" dirty="0">
+                <a:solidFill>
+                  <a:prstClr val="white"/>
+                </a:solidFill>
+                <a:latin typeface="Calibri" panose="020F0502020204030204"/>
+              </a:rPr>
+              <a:t>#</a:t>
+            </a:r>
+            <a:r>
+              <a:rPr kumimoji="0" lang="en-US" sz="800" b="0" i="0" u="none" strike="noStrike" kern="1200" cap="none" spc="0" normalizeH="0" baseline="0" noProof="0" dirty="0">
+                <a:ln>
+                  <a:noFill/>
+                </a:ln>
+                <a:solidFill>
+                  <a:prstClr val="white"/>
+                </a:solidFill>
+                <a:effectLst/>
+                <a:uLnTx/>
+                <a:uFillTx/>
+                <a:latin typeface="Calibri" panose="020F0502020204030204"/>
+                <a:ea typeface="+mn-ea"/>
+                <a:cs typeface="+mn-cs"/>
+              </a:rPr>
+              <a:t>]</a:t>
+            </a:r>
+            <a:endParaRPr kumimoji="0" lang="en-US" sz="1600" b="0" i="0" u="none" strike="noStrike" kern="1200" cap="none" spc="0" normalizeH="0" baseline="0" noProof="0" dirty="0">
+              <a:ln>
+                <a:noFill/>
+              </a:ln>
+              <a:solidFill>
+                <a:prstClr val="white"/>
+              </a:solidFill>
+              <a:effectLst/>
+              <a:uLnTx/>
+              <a:uFillTx/>
+              <a:latin typeface="Calibri" panose="020F0502020204030204"/>
+              <a:ea typeface="+mn-ea"/>
+              <a:cs typeface="+mn-cs"/>
+            </a:endParaRPr>
+          </a:p>
+        </p:txBody>
+      </p:sp>
+      <p:sp>
+        <p:nvSpPr>
+          <p:cNvPr id="2" name="Title 1">
+            <a:extLst>
+              <a:ext uri="{FF2B5EF4-FFF2-40B4-BE49-F238E27FC236}">
+                <a16:creationId xmlns:a16="http://schemas.microsoft.com/office/drawing/2014/main" id="{81FC66AE-CC68-5782-148D-087B914A1C4B}"/>
+              </a:ext>
+            </a:extLst>
+          </p:cNvPr>
+          <p:cNvSpPr>
+            <a:spLocks noGrp="1"/>
+          </p:cNvSpPr>
+          <p:nvPr>
+            <p:ph type="title"/>
+          </p:nvPr>
+        </p:nvSpPr>
+        <p:spPr>
+          <a:xfrm>
+            <a:off x="0" y="96128"/>
+            <a:ext cx="12192000" cy="841915"/>
+          </a:xfrm>
+        </p:spPr>
+        <p:txBody>
+          <a:bodyPr/>
+          <a:lstStyle/>
+          <a:p>
+            <a:pPr algn="ctr"/>
+            <a:r>
+              <a:rPr lang="en-US" dirty="0"/>
+              <a:t>AV-Native-SDK – CY2025</a:t>
+            </a:r>
+          </a:p>
+        </p:txBody>
+      </p:sp>
+      <p:grpSp>
+        <p:nvGrpSpPr>
+          <p:cNvPr id="10" name="Group 9">
+            <a:extLst>
+              <a:ext uri="{FF2B5EF4-FFF2-40B4-BE49-F238E27FC236}">
+                <a16:creationId xmlns:a16="http://schemas.microsoft.com/office/drawing/2014/main" id="{8A524EA6-83CB-43F1-A2B6-BAA43285F2EA}"/>
+              </a:ext>
+            </a:extLst>
+          </p:cNvPr>
+          <p:cNvGrpSpPr/>
+          <p:nvPr/>
+        </p:nvGrpSpPr>
+        <p:grpSpPr>
+          <a:xfrm rot="5400000">
+            <a:off x="4582958" y="2464053"/>
+            <a:ext cx="260145" cy="1567641"/>
+            <a:chOff x="9841804" y="4536961"/>
+            <a:chExt cx="260145" cy="1130530"/>
+          </a:xfrm>
+        </p:grpSpPr>
+        <p:grpSp>
+          <p:nvGrpSpPr>
+            <p:cNvPr id="12" name="Group 11">
+              <a:extLst>
+                <a:ext uri="{FF2B5EF4-FFF2-40B4-BE49-F238E27FC236}">
+                  <a16:creationId xmlns:a16="http://schemas.microsoft.com/office/drawing/2014/main" id="{6A16864B-D81C-5353-C48F-502DC771EC07}"/>
+                </a:ext>
+              </a:extLst>
+            </p:cNvPr>
+            <p:cNvGrpSpPr/>
+            <p:nvPr/>
+          </p:nvGrpSpPr>
+          <p:grpSpPr>
+            <a:xfrm rot="16200000">
+              <a:off x="9601308" y="5166854"/>
+              <a:ext cx="741133" cy="260141"/>
+              <a:chOff x="7686586" y="4456943"/>
+              <a:chExt cx="741133" cy="260141"/>
+            </a:xfrm>
+          </p:grpSpPr>
+          <p:sp>
+            <p:nvSpPr>
+              <p:cNvPr id="17" name="TextBox 16">
+                <a:extLst>
+                  <a:ext uri="{FF2B5EF4-FFF2-40B4-BE49-F238E27FC236}">
+                    <a16:creationId xmlns:a16="http://schemas.microsoft.com/office/drawing/2014/main" id="{A0B1A511-24A4-E69F-367D-79C661BF5598}"/>
+                  </a:ext>
+                </a:extLst>
+              </p:cNvPr>
+              <p:cNvSpPr txBox="1"/>
+              <p:nvPr/>
+            </p:nvSpPr>
+            <p:spPr>
+              <a:xfrm>
+                <a:off x="7686586" y="4501640"/>
+                <a:ext cx="741133" cy="215444"/>
+              </a:xfrm>
+              <a:prstGeom prst="rect">
+                <a:avLst/>
+              </a:prstGeom>
+              <a:noFill/>
+            </p:spPr>
+            <p:txBody>
+              <a:bodyPr wrap="square" rtlCol="0">
+                <a:spAutoFit/>
+              </a:bodyPr>
+              <a:lstStyle/>
+              <a:p>
+                <a:pPr algn="ctr"/>
+                <a:r>
+                  <a:rPr lang="en-US" sz="800" dirty="0" err="1">
+                    <a:solidFill>
+                      <a:schemeClr val="tx1">
+                        <a:lumMod val="50000"/>
+                        <a:lumOff val="50000"/>
+                      </a:schemeClr>
+                    </a:solidFill>
+                  </a:rPr>
+                  <a:t>protobuf</a:t>
+                </a:r>
+                <a:endParaRPr lang="en-US" sz="800" dirty="0">
+                  <a:solidFill>
+                    <a:schemeClr val="tx1">
+                      <a:lumMod val="50000"/>
+                      <a:lumOff val="50000"/>
+                    </a:schemeClr>
+                  </a:solidFill>
+                </a:endParaRPr>
+              </a:p>
+            </p:txBody>
+          </p:sp>
+          <p:cxnSp>
+            <p:nvCxnSpPr>
+              <p:cNvPr id="19" name="Connector: Elbow 5">
+                <a:extLst>
+                  <a:ext uri="{FF2B5EF4-FFF2-40B4-BE49-F238E27FC236}">
+                    <a16:creationId xmlns:a16="http://schemas.microsoft.com/office/drawing/2014/main" id="{3B167430-2ED6-31B9-BB0F-97B62889C230}"/>
+                  </a:ext>
+                </a:extLst>
+              </p:cNvPr>
+              <p:cNvCxnSpPr>
+                <a:cxnSpLocks/>
+              </p:cNvCxnSpPr>
+              <p:nvPr/>
+            </p:nvCxnSpPr>
+            <p:spPr>
+              <a:xfrm flipV="1">
+                <a:off x="8032289" y="4456943"/>
+                <a:ext cx="0" cy="109794"/>
+              </a:xfrm>
+              <a:prstGeom prst="straightConnector1">
+                <a:avLst/>
+              </a:prstGeom>
+              <a:ln>
+                <a:tailEnd type="triangle"/>
+              </a:ln>
+            </p:spPr>
+            <p:style>
+              <a:lnRef idx="1">
+                <a:schemeClr val="accent1"/>
+              </a:lnRef>
+              <a:fillRef idx="0">
+                <a:schemeClr val="accent1"/>
+              </a:fillRef>
+              <a:effectRef idx="0">
+                <a:schemeClr val="accent1"/>
+              </a:effectRef>
+              <a:fontRef idx="minor">
+                <a:schemeClr val="tx1"/>
+              </a:fontRef>
+            </p:style>
+          </p:cxnSp>
+        </p:grpSp>
+        <p:grpSp>
+          <p:nvGrpSpPr>
+            <p:cNvPr id="13" name="Group 12">
+              <a:extLst>
+                <a:ext uri="{FF2B5EF4-FFF2-40B4-BE49-F238E27FC236}">
+                  <a16:creationId xmlns:a16="http://schemas.microsoft.com/office/drawing/2014/main" id="{7DE33C50-636F-37BB-924E-5F7AAF49D6EF}"/>
+                </a:ext>
+              </a:extLst>
+            </p:cNvPr>
+            <p:cNvGrpSpPr/>
+            <p:nvPr/>
+          </p:nvGrpSpPr>
+          <p:grpSpPr>
+            <a:xfrm rot="16200000">
+              <a:off x="9601311" y="4777457"/>
+              <a:ext cx="741133" cy="260142"/>
+              <a:chOff x="7686587" y="4456943"/>
+              <a:chExt cx="741133" cy="260142"/>
+            </a:xfrm>
+          </p:grpSpPr>
+          <p:sp>
+            <p:nvSpPr>
+              <p:cNvPr id="14" name="TextBox 13">
+                <a:extLst>
+                  <a:ext uri="{FF2B5EF4-FFF2-40B4-BE49-F238E27FC236}">
+                    <a16:creationId xmlns:a16="http://schemas.microsoft.com/office/drawing/2014/main" id="{9F31CA92-36D2-85A3-551F-69E39A5B4DAD}"/>
+                  </a:ext>
+                </a:extLst>
+              </p:cNvPr>
+              <p:cNvSpPr txBox="1"/>
+              <p:nvPr/>
+            </p:nvSpPr>
+            <p:spPr>
+              <a:xfrm>
+                <a:off x="7686587" y="4501641"/>
+                <a:ext cx="741133" cy="215444"/>
+              </a:xfrm>
+              <a:prstGeom prst="rect">
+                <a:avLst/>
+              </a:prstGeom>
+              <a:noFill/>
+            </p:spPr>
+            <p:txBody>
+              <a:bodyPr wrap="square" rtlCol="0">
+                <a:spAutoFit/>
+              </a:bodyPr>
+              <a:lstStyle/>
+              <a:p>
+                <a:pPr algn="ctr"/>
+                <a:r>
+                  <a:rPr lang="en-US" sz="800" dirty="0" err="1">
+                    <a:solidFill>
+                      <a:schemeClr val="tx1">
+                        <a:lumMod val="50000"/>
+                        <a:lumOff val="50000"/>
+                      </a:schemeClr>
+                    </a:solidFill>
+                  </a:rPr>
+                  <a:t>protobuf</a:t>
+                </a:r>
+                <a:endParaRPr lang="en-US" sz="800" dirty="0">
+                  <a:solidFill>
+                    <a:schemeClr val="tx1">
+                      <a:lumMod val="50000"/>
+                      <a:lumOff val="50000"/>
+                    </a:schemeClr>
+                  </a:solidFill>
+                </a:endParaRPr>
+              </a:p>
+            </p:txBody>
+          </p:sp>
+          <p:cxnSp>
+            <p:nvCxnSpPr>
+              <p:cNvPr id="16" name="Connector: Elbow 5">
+                <a:extLst>
+                  <a:ext uri="{FF2B5EF4-FFF2-40B4-BE49-F238E27FC236}">
+                    <a16:creationId xmlns:a16="http://schemas.microsoft.com/office/drawing/2014/main" id="{07E9EF27-12BF-CFD2-CA3D-3A39CB586F51}"/>
+                  </a:ext>
+                </a:extLst>
+              </p:cNvPr>
+              <p:cNvCxnSpPr>
+                <a:cxnSpLocks/>
+              </p:cNvCxnSpPr>
+              <p:nvPr/>
+            </p:nvCxnSpPr>
+            <p:spPr>
+              <a:xfrm>
+                <a:off x="8032289" y="4456943"/>
+                <a:ext cx="0" cy="109794"/>
+              </a:xfrm>
+              <a:prstGeom prst="straightConnector1">
+                <a:avLst/>
+              </a:prstGeom>
+              <a:ln>
+                <a:tailEnd type="triangle"/>
+              </a:ln>
+            </p:spPr>
+            <p:style>
+              <a:lnRef idx="1">
+                <a:schemeClr val="accent1"/>
+              </a:lnRef>
+              <a:fillRef idx="0">
+                <a:schemeClr val="accent1"/>
+              </a:fillRef>
+              <a:effectRef idx="0">
+                <a:schemeClr val="accent1"/>
+              </a:effectRef>
+              <a:fontRef idx="minor">
+                <a:schemeClr val="tx1"/>
+              </a:fontRef>
+            </p:style>
+          </p:cxnSp>
+        </p:grpSp>
+      </p:grpSp>
+      <p:sp>
+        <p:nvSpPr>
+          <p:cNvPr id="20" name="TextBox 19">
+            <a:extLst>
+              <a:ext uri="{FF2B5EF4-FFF2-40B4-BE49-F238E27FC236}">
+                <a16:creationId xmlns:a16="http://schemas.microsoft.com/office/drawing/2014/main" id="{815F4FE9-9B90-E9D7-443B-D357D2B188B0}"/>
+              </a:ext>
+            </a:extLst>
+          </p:cNvPr>
+          <p:cNvSpPr txBox="1"/>
+          <p:nvPr/>
+        </p:nvSpPr>
+        <p:spPr>
+          <a:xfrm rot="16200000">
+            <a:off x="4437763" y="3010078"/>
+            <a:ext cx="404805" cy="215444"/>
+          </a:xfrm>
+          <a:prstGeom prst="rect">
+            <a:avLst/>
+          </a:prstGeom>
+          <a:noFill/>
+        </p:spPr>
+        <p:txBody>
+          <a:bodyPr wrap="square" rtlCol="0">
+            <a:spAutoFit/>
+          </a:bodyPr>
+          <a:lstStyle/>
+          <a:p>
+            <a:pPr algn="ctr"/>
+            <a:r>
+              <a:rPr lang="en-US" sz="800" dirty="0" err="1">
+                <a:solidFill>
+                  <a:schemeClr val="tx1">
+                    <a:lumMod val="50000"/>
+                    <a:lumOff val="50000"/>
+                  </a:schemeClr>
+                </a:solidFill>
+              </a:rPr>
+              <a:t>grpc</a:t>
+            </a:r>
+            <a:endParaRPr lang="en-US" sz="800" dirty="0">
+              <a:solidFill>
+                <a:schemeClr val="tx1">
+                  <a:lumMod val="50000"/>
+                  <a:lumOff val="50000"/>
+                </a:schemeClr>
+              </a:solidFill>
+            </a:endParaRPr>
+          </a:p>
+        </p:txBody>
+      </p:sp>
+    </p:spTree>
+    <p:extLst>
+      <p:ext uri="{BB962C8B-B14F-4D97-AF65-F5344CB8AC3E}">
+        <p14:creationId xmlns:p14="http://schemas.microsoft.com/office/powerpoint/2010/main" val="2761150777"/>
+      </p:ext>
+    </p:extLst>
+  </p:cSld>
+  <p:clrMapOvr>
+    <a:masterClrMapping/>
+  </p:clrMapOvr>
+</p:sld>
+</file>
+
+<file path=ppt/slides/slide4.xml><?xml version="1.0" encoding="utf-8"?>
 <p:sld xmlns:a="http://schemas.openxmlformats.org/drawingml/2006/main" xmlns:r="http://schemas.openxmlformats.org/officeDocument/2006/relationships" xmlns:p="http://schemas.openxmlformats.org/presentationml/2006/main">
   <p:cSld>
     <p:spTree>
@@ -10893,7 +11227,7 @@
 </p:sld>
 </file>
 
-<file path=ppt/slides/slide4.xml><?xml version="1.0" encoding="utf-8"?>
+<file path=ppt/slides/slide5.xml><?xml version="1.0" encoding="utf-8"?>
 <p:sld xmlns:a="http://schemas.openxmlformats.org/drawingml/2006/main" xmlns:r="http://schemas.openxmlformats.org/officeDocument/2006/relationships" xmlns:p="http://schemas.openxmlformats.org/presentationml/2006/main">
   <p:cSld>
     <p:spTree>
@@ -15423,7 +15757,7 @@
 </p:sld>
 </file>
 
-<file path=ppt/slides/slide5.xml><?xml version="1.0" encoding="utf-8"?>
+<file path=ppt/slides/slide6.xml><?xml version="1.0" encoding="utf-8"?>
 <p:sld xmlns:a="http://schemas.openxmlformats.org/drawingml/2006/main" xmlns:r="http://schemas.openxmlformats.org/officeDocument/2006/relationships" xmlns:p="http://schemas.openxmlformats.org/presentationml/2006/main">
   <p:cSld>
     <p:spTree>

--- a/AV-Native-SDK.pptx
+++ b/AV-Native-SDK.pptx
@@ -264,7 +264,7 @@
           <a:p>
             <a:fld id="{00872148-4BA6-4738-8A8B-AEF1C14E9646}" type="datetimeFigureOut">
               <a:rPr lang="en-US" smtClean="0"/>
-              <a:t>4/24/2025</a:t>
+              <a:t>4/26/2025</a:t>
             </a:fld>
             <a:endParaRPr lang="en-US"/>
           </a:p>
@@ -462,7 +462,7 @@
           <a:p>
             <a:fld id="{00872148-4BA6-4738-8A8B-AEF1C14E9646}" type="datetimeFigureOut">
               <a:rPr lang="en-US" smtClean="0"/>
-              <a:t>4/24/2025</a:t>
+              <a:t>4/26/2025</a:t>
             </a:fld>
             <a:endParaRPr lang="en-US"/>
           </a:p>
@@ -670,7 +670,7 @@
           <a:p>
             <a:fld id="{00872148-4BA6-4738-8A8B-AEF1C14E9646}" type="datetimeFigureOut">
               <a:rPr lang="en-US" smtClean="0"/>
-              <a:t>4/24/2025</a:t>
+              <a:t>4/26/2025</a:t>
             </a:fld>
             <a:endParaRPr lang="en-US"/>
           </a:p>
@@ -868,7 +868,7 @@
           <a:p>
             <a:fld id="{00872148-4BA6-4738-8A8B-AEF1C14E9646}" type="datetimeFigureOut">
               <a:rPr lang="en-US" smtClean="0"/>
-              <a:t>4/24/2025</a:t>
+              <a:t>4/26/2025</a:t>
             </a:fld>
             <a:endParaRPr lang="en-US"/>
           </a:p>
@@ -1143,7 +1143,7 @@
           <a:p>
             <a:fld id="{00872148-4BA6-4738-8A8B-AEF1C14E9646}" type="datetimeFigureOut">
               <a:rPr lang="en-US" smtClean="0"/>
-              <a:t>4/24/2025</a:t>
+              <a:t>4/26/2025</a:t>
             </a:fld>
             <a:endParaRPr lang="en-US"/>
           </a:p>
@@ -1408,7 +1408,7 @@
           <a:p>
             <a:fld id="{00872148-4BA6-4738-8A8B-AEF1C14E9646}" type="datetimeFigureOut">
               <a:rPr lang="en-US" smtClean="0"/>
-              <a:t>4/24/2025</a:t>
+              <a:t>4/26/2025</a:t>
             </a:fld>
             <a:endParaRPr lang="en-US"/>
           </a:p>
@@ -1820,7 +1820,7 @@
           <a:p>
             <a:fld id="{00872148-4BA6-4738-8A8B-AEF1C14E9646}" type="datetimeFigureOut">
               <a:rPr lang="en-US" smtClean="0"/>
-              <a:t>4/24/2025</a:t>
+              <a:t>4/26/2025</a:t>
             </a:fld>
             <a:endParaRPr lang="en-US"/>
           </a:p>
@@ -1961,7 +1961,7 @@
           <a:p>
             <a:fld id="{00872148-4BA6-4738-8A8B-AEF1C14E9646}" type="datetimeFigureOut">
               <a:rPr lang="en-US" smtClean="0"/>
-              <a:t>4/24/2025</a:t>
+              <a:t>4/26/2025</a:t>
             </a:fld>
             <a:endParaRPr lang="en-US"/>
           </a:p>
@@ -2074,7 +2074,7 @@
           <a:p>
             <a:fld id="{00872148-4BA6-4738-8A8B-AEF1C14E9646}" type="datetimeFigureOut">
               <a:rPr lang="en-US" smtClean="0"/>
-              <a:t>4/24/2025</a:t>
+              <a:t>4/26/2025</a:t>
             </a:fld>
             <a:endParaRPr lang="en-US"/>
           </a:p>
@@ -2385,7 +2385,7 @@
           <a:p>
             <a:fld id="{00872148-4BA6-4738-8A8B-AEF1C14E9646}" type="datetimeFigureOut">
               <a:rPr lang="en-US" smtClean="0"/>
-              <a:t>4/24/2025</a:t>
+              <a:t>4/26/2025</a:t>
             </a:fld>
             <a:endParaRPr lang="en-US"/>
           </a:p>
@@ -2673,7 +2673,7 @@
           <a:p>
             <a:fld id="{00872148-4BA6-4738-8A8B-AEF1C14E9646}" type="datetimeFigureOut">
               <a:rPr lang="en-US" smtClean="0"/>
-              <a:t>4/24/2025</a:t>
+              <a:t>4/26/2025</a:t>
             </a:fld>
             <a:endParaRPr lang="en-US"/>
           </a:p>
@@ -2914,7 +2914,7 @@
           <a:p>
             <a:fld id="{00872148-4BA6-4738-8A8B-AEF1C14E9646}" type="datetimeFigureOut">
               <a:rPr lang="en-US" smtClean="0"/>
-              <a:t>4/24/2025</a:t>
+              <a:t>4/26/2025</a:t>
             </a:fld>
             <a:endParaRPr lang="en-US"/>
           </a:p>
@@ -3387,9 +3387,10 @@
           </a:p>
           <a:p>
             <a:r>
-              <a:rPr lang="en-US" sz="1800" dirty="0"/>
-              <a:t>4-15-2025</a:t>
+              <a:rPr lang="en-US" sz="1800"/>
+              <a:t>4-26-2025</a:t>
             </a:r>
+            <a:endParaRPr lang="en-US" sz="1800" dirty="0"/>
           </a:p>
         </p:txBody>
       </p:sp>
@@ -7692,7 +7693,7 @@
                 <a:ea typeface="+mn-ea"/>
                 <a:cs typeface="+mn-cs"/>
               </a:rPr>
-              <a:t>Blueprint-Blue-RPC</a:t>
+              <a:t>Blueprint-Blue-SVC</a:t>
             </a:r>
             <a:endParaRPr kumimoji="0" lang="en-US" sz="700" b="0" i="0" u="none" strike="noStrike" kern="1200" cap="none" spc="0" normalizeH="0" baseline="0" noProof="0" dirty="0">
               <a:ln>
@@ -7834,7 +7835,7 @@
           <p:nvPr/>
         </p:nvGrpSpPr>
         <p:grpSpPr>
-          <a:xfrm rot="5400000">
+          <a:xfrm rot="16200000" flipH="1">
             <a:off x="4582958" y="2464053"/>
             <a:ext cx="260145" cy="1567641"/>
             <a:chOff x="9841804" y="4536961"/>
@@ -7899,7 +7900,7 @@
                       </a:schemeClr>
                     </a:solidFill>
                   </a:rPr>
-                  <a:t>protobuf</a:t>
+                  <a:t>yaml</a:t>
                 </a:r>
                 <a:endParaRPr lang="en-US" sz="800" dirty="0">
                   <a:solidFill>
@@ -8004,7 +8005,7 @@
               <a:p>
                 <a:pPr algn="ctr"/>
                 <a:r>
-                  <a:rPr lang="en-US" sz="800" dirty="0" err="1">
+                  <a:rPr lang="en-US" sz="800" dirty="0">
                     <a:solidFill>
                       <a:schemeClr val="tx1">
                         <a:lumMod val="50000"/>
@@ -8012,16 +8013,8 @@
                       </a:schemeClr>
                     </a:solidFill>
                   </a:rPr>
-                  <a:t>protobuf</a:t>
+                  <a:t>text</a:t>
                 </a:r>
-                <a:endParaRPr lang="en-US" sz="800" dirty="0">
-                  <a:solidFill>
-                    <a:schemeClr val="tx1">
-                      <a:lumMod val="50000"/>
-                      <a:lumOff val="50000"/>
-                    </a:schemeClr>
-                  </a:solidFill>
-                </a:endParaRPr>
               </a:p>
             </p:txBody>
           </p:sp>
@@ -8082,8 +8075,8 @@
         </p:nvSpPr>
         <p:spPr>
           <a:xfrm rot="16200000">
-            <a:off x="4437763" y="3010078"/>
-            <a:ext cx="404805" cy="215444"/>
+            <a:off x="4383365" y="3064476"/>
+            <a:ext cx="513602" cy="215444"/>
           </a:xfrm>
           <a:prstGeom prst="rect">
             <a:avLst/>
@@ -8098,7 +8091,7 @@
           <a:p>
             <a:pPr algn="ctr"/>
             <a:r>
-              <a:rPr lang="en-US" sz="800" dirty="0" err="1">
+              <a:rPr lang="en-US" sz="800" dirty="0">
                 <a:solidFill>
                   <a:schemeClr val="tx1">
                     <a:lumMod val="50000"/>
@@ -8106,16 +8099,8 @@
                   </a:schemeClr>
                 </a:solidFill>
               </a:rPr>
-              <a:t>grpc</a:t>
+              <a:t>REST</a:t>
             </a:r>
-            <a:endParaRPr lang="en-US" sz="800" dirty="0">
-              <a:solidFill>
-                <a:schemeClr val="tx1">
-                  <a:lumMod val="50000"/>
-                  <a:lumOff val="50000"/>
-                </a:schemeClr>
-              </a:solidFill>
-            </a:endParaRPr>
           </a:p>
         </p:txBody>
       </p:sp>
